--- a/js_backend_presentation.pptx
+++ b/js_backend_presentation.pptx
@@ -20,24 +20,26 @@
     <p:sldId id="268" r:id="rId14"/>
     <p:sldId id="269" r:id="rId15"/>
     <p:sldId id="270" r:id="rId16"/>
-    <p:sldId id="285" r:id="rId17"/>
-    <p:sldId id="286" r:id="rId18"/>
-    <p:sldId id="287" r:id="rId19"/>
-    <p:sldId id="288" r:id="rId20"/>
-    <p:sldId id="271" r:id="rId21"/>
-    <p:sldId id="272" r:id="rId22"/>
-    <p:sldId id="273" r:id="rId23"/>
-    <p:sldId id="274" r:id="rId24"/>
-    <p:sldId id="275" r:id="rId25"/>
-    <p:sldId id="276" r:id="rId26"/>
-    <p:sldId id="277" r:id="rId27"/>
-    <p:sldId id="278" r:id="rId28"/>
-    <p:sldId id="279" r:id="rId29"/>
-    <p:sldId id="280" r:id="rId30"/>
-    <p:sldId id="283" r:id="rId31"/>
-    <p:sldId id="281" r:id="rId32"/>
-    <p:sldId id="282" r:id="rId33"/>
-    <p:sldId id="284" r:id="rId34"/>
+    <p:sldId id="286" r:id="rId17"/>
+    <p:sldId id="287" r:id="rId18"/>
+    <p:sldId id="288" r:id="rId19"/>
+    <p:sldId id="271" r:id="rId20"/>
+    <p:sldId id="272" r:id="rId21"/>
+    <p:sldId id="273" r:id="rId22"/>
+    <p:sldId id="274" r:id="rId23"/>
+    <p:sldId id="275" r:id="rId24"/>
+    <p:sldId id="276" r:id="rId25"/>
+    <p:sldId id="277" r:id="rId26"/>
+    <p:sldId id="278" r:id="rId27"/>
+    <p:sldId id="279" r:id="rId28"/>
+    <p:sldId id="280" r:id="rId29"/>
+    <p:sldId id="283" r:id="rId30"/>
+    <p:sldId id="281" r:id="rId31"/>
+    <p:sldId id="282" r:id="rId32"/>
+    <p:sldId id="289" r:id="rId33"/>
+    <p:sldId id="290" r:id="rId34"/>
+    <p:sldId id="292" r:id="rId35"/>
+    <p:sldId id="284" r:id="rId36"/>
   </p:sldIdLst>
   <p:sldSz cx="12192000" cy="6858000"/>
   <p:notesSz cx="6858000" cy="9144000"/>
@@ -136,6 +138,11 @@
       </a:defRPr>
     </a:lvl9pPr>
   </p:defaultTextStyle>
+  <p:extLst>
+    <p:ext uri="{EFAFB233-063F-42B5-8137-9DF3F51BA10A}">
+      <p15:sldGuideLst xmlns:p15="http://schemas.microsoft.com/office/powerpoint/2012/main"/>
+    </p:ext>
+  </p:extLst>
 </p:presentation>
 </file>
 
@@ -863,7 +870,7 @@
           <a:p>
             <a:fld id="{15F25FB2-47E8-467B-BE4D-ECED507C18CB}" type="datetimeFigureOut">
               <a:rPr lang="hu-HU" smtClean="0"/>
-              <a:t>2025. 01. 06.</a:t>
+              <a:t>2025. 01. 07.</a:t>
             </a:fld>
             <a:endParaRPr lang="hu-HU"/>
           </a:p>
@@ -1114,7 +1121,7 @@
           <a:p>
             <a:fld id="{15F25FB2-47E8-467B-BE4D-ECED507C18CB}" type="datetimeFigureOut">
               <a:rPr lang="hu-HU" smtClean="0"/>
-              <a:t>2025. 01. 06.</a:t>
+              <a:t>2025. 01. 07.</a:t>
             </a:fld>
             <a:endParaRPr lang="hu-HU"/>
           </a:p>
@@ -1428,7 +1435,7 @@
           <a:p>
             <a:fld id="{15F25FB2-47E8-467B-BE4D-ECED507C18CB}" type="datetimeFigureOut">
               <a:rPr lang="hu-HU" smtClean="0"/>
-              <a:t>2025. 01. 06.</a:t>
+              <a:t>2025. 01. 07.</a:t>
             </a:fld>
             <a:endParaRPr lang="hu-HU"/>
           </a:p>
@@ -1755,7 +1762,7 @@
           <a:p>
             <a:fld id="{15F25FB2-47E8-467B-BE4D-ECED507C18CB}" type="datetimeFigureOut">
               <a:rPr lang="hu-HU" smtClean="0"/>
-              <a:t>2025. 01. 06.</a:t>
+              <a:t>2025. 01. 07.</a:t>
             </a:fld>
             <a:endParaRPr lang="hu-HU"/>
           </a:p>
@@ -2069,7 +2076,7 @@
           <a:p>
             <a:fld id="{15F25FB2-47E8-467B-BE4D-ECED507C18CB}" type="datetimeFigureOut">
               <a:rPr lang="hu-HU" smtClean="0"/>
-              <a:t>2025. 01. 06.</a:t>
+              <a:t>2025. 01. 07.</a:t>
             </a:fld>
             <a:endParaRPr lang="hu-HU"/>
           </a:p>
@@ -2456,7 +2463,7 @@
           <a:p>
             <a:fld id="{15F25FB2-47E8-467B-BE4D-ECED507C18CB}" type="datetimeFigureOut">
               <a:rPr lang="hu-HU" smtClean="0"/>
-              <a:t>2025. 01. 06.</a:t>
+              <a:t>2025. 01. 07.</a:t>
             </a:fld>
             <a:endParaRPr lang="hu-HU"/>
           </a:p>
@@ -2626,7 +2633,7 @@
           <a:p>
             <a:fld id="{15F25FB2-47E8-467B-BE4D-ECED507C18CB}" type="datetimeFigureOut">
               <a:rPr lang="hu-HU" smtClean="0"/>
-              <a:t>2025. 01. 06.</a:t>
+              <a:t>2025. 01. 07.</a:t>
             </a:fld>
             <a:endParaRPr lang="hu-HU"/>
           </a:p>
@@ -2806,7 +2813,7 @@
           <a:p>
             <a:fld id="{15F25FB2-47E8-467B-BE4D-ECED507C18CB}" type="datetimeFigureOut">
               <a:rPr lang="hu-HU" smtClean="0"/>
-              <a:t>2025. 01. 06.</a:t>
+              <a:t>2025. 01. 07.</a:t>
             </a:fld>
             <a:endParaRPr lang="hu-HU"/>
           </a:p>
@@ -2987,7 +2994,7 @@
           <a:p>
             <a:fld id="{15F25FB2-47E8-467B-BE4D-ECED507C18CB}" type="datetimeFigureOut">
               <a:rPr lang="hu-HU" smtClean="0"/>
-              <a:t>2025. 01. 06.</a:t>
+              <a:t>2025. 01. 07.</a:t>
             </a:fld>
             <a:endParaRPr lang="hu-HU"/>
           </a:p>
@@ -3234,7 +3241,7 @@
           <a:p>
             <a:fld id="{15F25FB2-47E8-467B-BE4D-ECED507C18CB}" type="datetimeFigureOut">
               <a:rPr lang="hu-HU" smtClean="0"/>
-              <a:t>2025. 01. 06.</a:t>
+              <a:t>2025. 01. 07.</a:t>
             </a:fld>
             <a:endParaRPr lang="hu-HU"/>
           </a:p>
@@ -3466,7 +3473,7 @@
           <a:p>
             <a:fld id="{15F25FB2-47E8-467B-BE4D-ECED507C18CB}" type="datetimeFigureOut">
               <a:rPr lang="hu-HU" smtClean="0"/>
-              <a:t>2025. 01. 06.</a:t>
+              <a:t>2025. 01. 07.</a:t>
             </a:fld>
             <a:endParaRPr lang="hu-HU"/>
           </a:p>
@@ -3840,7 +3847,7 @@
           <a:p>
             <a:fld id="{15F25FB2-47E8-467B-BE4D-ECED507C18CB}" type="datetimeFigureOut">
               <a:rPr lang="hu-HU" smtClean="0"/>
-              <a:t>2025. 01. 06.</a:t>
+              <a:t>2025. 01. 07.</a:t>
             </a:fld>
             <a:endParaRPr lang="hu-HU"/>
           </a:p>
@@ -3963,7 +3970,7 @@
           <a:p>
             <a:fld id="{15F25FB2-47E8-467B-BE4D-ECED507C18CB}" type="datetimeFigureOut">
               <a:rPr lang="hu-HU" smtClean="0"/>
-              <a:t>2025. 01. 06.</a:t>
+              <a:t>2025. 01. 07.</a:t>
             </a:fld>
             <a:endParaRPr lang="hu-HU"/>
           </a:p>
@@ -4058,7 +4065,7 @@
           <a:p>
             <a:fld id="{15F25FB2-47E8-467B-BE4D-ECED507C18CB}" type="datetimeFigureOut">
               <a:rPr lang="hu-HU" smtClean="0"/>
-              <a:t>2025. 01. 06.</a:t>
+              <a:t>2025. 01. 07.</a:t>
             </a:fld>
             <a:endParaRPr lang="hu-HU"/>
           </a:p>
@@ -4313,7 +4320,7 @@
           <a:p>
             <a:fld id="{15F25FB2-47E8-467B-BE4D-ECED507C18CB}" type="datetimeFigureOut">
               <a:rPr lang="hu-HU" smtClean="0"/>
-              <a:t>2025. 01. 06.</a:t>
+              <a:t>2025. 01. 07.</a:t>
             </a:fld>
             <a:endParaRPr lang="hu-HU"/>
           </a:p>
@@ -4576,7 +4583,7 @@
           <a:p>
             <a:fld id="{15F25FB2-47E8-467B-BE4D-ECED507C18CB}" type="datetimeFigureOut">
               <a:rPr lang="hu-HU" smtClean="0"/>
-              <a:t>2025. 01. 06.</a:t>
+              <a:t>2025. 01. 07.</a:t>
             </a:fld>
             <a:endParaRPr lang="hu-HU"/>
           </a:p>
@@ -5321,7 +5328,7 @@
           <a:p>
             <a:fld id="{15F25FB2-47E8-467B-BE4D-ECED507C18CB}" type="datetimeFigureOut">
               <a:rPr lang="hu-HU" smtClean="0"/>
-              <a:t>2025. 01. 06.</a:t>
+              <a:t>2025. 01. 07.</a:t>
             </a:fld>
             <a:endParaRPr lang="hu-HU"/>
           </a:p>
@@ -16295,87 +16302,6 @@
         <p:cNvPr id="1" name="">
           <a:extLst>
             <a:ext uri="{FF2B5EF4-FFF2-40B4-BE49-F238E27FC236}">
-              <a16:creationId xmlns:a16="http://schemas.microsoft.com/office/drawing/2014/main" id="{6D2BB5CE-242C-40CB-C3E6-B051E32132FF}"/>
-            </a:ext>
-          </a:extLst>
-        </p:cNvPr>
-        <p:cNvGrpSpPr/>
-        <p:nvPr/>
-      </p:nvGrpSpPr>
-      <p:grpSpPr>
-        <a:xfrm>
-          <a:off x="0" y="0"/>
-          <a:ext cx="0" cy="0"/>
-          <a:chOff x="0" y="0"/>
-          <a:chExt cx="0" cy="0"/>
-        </a:xfrm>
-      </p:grpSpPr>
-      <p:sp>
-        <p:nvSpPr>
-          <p:cNvPr id="2" name="Title 1">
-            <a:extLst>
-              <a:ext uri="{FF2B5EF4-FFF2-40B4-BE49-F238E27FC236}">
-                <a16:creationId xmlns:a16="http://schemas.microsoft.com/office/drawing/2014/main" id="{90A77433-BD7A-5FD0-1BF3-222E1737F892}"/>
-              </a:ext>
-            </a:extLst>
-          </p:cNvPr>
-          <p:cNvSpPr>
-            <a:spLocks noGrp="1"/>
-          </p:cNvSpPr>
-          <p:nvPr>
-            <p:ph type="title"/>
-          </p:nvPr>
-        </p:nvSpPr>
-        <p:spPr/>
-        <p:txBody>
-          <a:bodyPr/>
-          <a:lstStyle/>
-          <a:p>
-            <a:r>
-              <a:rPr lang="en-US" dirty="0" err="1"/>
-              <a:t>Státuszkódok</a:t>
-            </a:r>
-            <a:r>
-              <a:rPr lang="en-US" dirty="0"/>
-              <a:t> </a:t>
-            </a:r>
-            <a:r>
-              <a:rPr lang="en-US" dirty="0" err="1"/>
-              <a:t>és</a:t>
-            </a:r>
-            <a:r>
-              <a:rPr lang="en-US" dirty="0"/>
-              <a:t> </a:t>
-            </a:r>
-            <a:r>
-              <a:rPr lang="en-US" dirty="0" err="1"/>
-              <a:t>hibakezelés</a:t>
-            </a:r>
-            <a:endParaRPr lang="hu-HU" dirty="0"/>
-          </a:p>
-        </p:txBody>
-      </p:sp>
-    </p:spTree>
-    <p:extLst>
-      <p:ext uri="{BB962C8B-B14F-4D97-AF65-F5344CB8AC3E}">
-        <p14:creationId xmlns:p14="http://schemas.microsoft.com/office/powerpoint/2010/main" val="3214035805"/>
-      </p:ext>
-    </p:extLst>
-  </p:cSld>
-  <p:clrMapOvr>
-    <a:masterClrMapping/>
-  </p:clrMapOvr>
-</p:sld>
-</file>
-
-<file path=ppt/slides/slide17.xml><?xml version="1.0" encoding="utf-8"?>
-<p:sld xmlns:a="http://schemas.openxmlformats.org/drawingml/2006/main" xmlns:r="http://schemas.openxmlformats.org/officeDocument/2006/relationships" xmlns:p="http://schemas.openxmlformats.org/presentationml/2006/main">
-  <p:cSld>
-    <p:spTree>
-      <p:nvGrpSpPr>
-        <p:cNvPr id="1" name="">
-          <a:extLst>
-            <a:ext uri="{FF2B5EF4-FFF2-40B4-BE49-F238E27FC236}">
               <a16:creationId xmlns:a16="http://schemas.microsoft.com/office/drawing/2014/main" id="{521B7106-B61A-FA54-1687-8974994B0D6C}"/>
             </a:ext>
           </a:extLst>
@@ -16451,7 +16377,7 @@
         <p:spPr>
           <a:xfrm>
             <a:off x="335664" y="1268807"/>
-            <a:ext cx="6102220" cy="2585323"/>
+            <a:ext cx="8752918" cy="2062103"/>
           </a:xfrm>
           <a:prstGeom prst="rect">
             <a:avLst/>
@@ -16475,7 +16401,7 @@
           <a:lstStyle/>
           <a:p>
             <a:r>
-              <a:rPr lang="hu-HU" b="0" dirty="0">
+              <a:rPr lang="hu-HU" sz="1600" b="0" dirty="0">
                 <a:solidFill>
                   <a:srgbClr val="F8F8F2"/>
                 </a:solidFill>
@@ -16485,7 +16411,7 @@
               <a:t>    </a:t>
             </a:r>
             <a:r>
-              <a:rPr lang="hu-HU" b="0" dirty="0">
+              <a:rPr lang="hu-HU" sz="1600" b="0" dirty="0">
                 <a:solidFill>
                   <a:srgbClr val="579DFA"/>
                 </a:solidFill>
@@ -16495,7 +16421,7 @@
               <a:t>@Get</a:t>
             </a:r>
             <a:r>
-              <a:rPr lang="hu-HU" b="1" dirty="0">
+              <a:rPr lang="hu-HU" sz="1600" b="1" dirty="0">
                 <a:solidFill>
                   <a:srgbClr val="F8F8F2"/>
                 </a:solidFill>
@@ -16505,7 +16431,7 @@
               <a:t>(</a:t>
             </a:r>
             <a:r>
-              <a:rPr lang="hu-HU" b="0" dirty="0">
+              <a:rPr lang="hu-HU" sz="1600" b="0" dirty="0">
                 <a:solidFill>
                   <a:srgbClr val="FFD86E"/>
                 </a:solidFill>
@@ -16515,7 +16441,7 @@
               <a:t>'/:id'</a:t>
             </a:r>
             <a:r>
-              <a:rPr lang="hu-HU" b="1" dirty="0">
+              <a:rPr lang="hu-HU" sz="1600" b="1" dirty="0">
                 <a:solidFill>
                   <a:srgbClr val="F8F8F2"/>
                 </a:solidFill>
@@ -16524,7 +16450,7 @@
               </a:rPr>
               <a:t>)</a:t>
             </a:r>
-            <a:endParaRPr lang="hu-HU" b="0" dirty="0">
+            <a:endParaRPr lang="hu-HU" sz="1600" b="0" dirty="0">
               <a:solidFill>
                 <a:srgbClr val="F8F8F2"/>
               </a:solidFill>
@@ -16534,7 +16460,7 @@
           </a:p>
           <a:p>
             <a:r>
-              <a:rPr lang="hu-HU" b="0" dirty="0">
+              <a:rPr lang="hu-HU" sz="1600" b="0" dirty="0">
                 <a:solidFill>
                   <a:srgbClr val="F8F8F2"/>
                 </a:solidFill>
@@ -16544,7 +16470,7 @@
               <a:t>    </a:t>
             </a:r>
             <a:r>
-              <a:rPr lang="hu-HU" b="0" dirty="0">
+              <a:rPr lang="hu-HU" sz="1600" b="0" dirty="0">
                 <a:solidFill>
                   <a:srgbClr val="E0474B"/>
                 </a:solidFill>
@@ -16554,7 +16480,7 @@
               <a:t>public</a:t>
             </a:r>
             <a:r>
-              <a:rPr lang="hu-HU" b="0" dirty="0">
+              <a:rPr lang="hu-HU" sz="1600" b="0" dirty="0">
                 <a:solidFill>
                   <a:srgbClr val="F8F8F2"/>
                 </a:solidFill>
@@ -16564,7 +16490,7 @@
               <a:t> </a:t>
             </a:r>
             <a:r>
-              <a:rPr lang="hu-HU" b="0" dirty="0">
+              <a:rPr lang="hu-HU" sz="1600" b="0" dirty="0">
                 <a:solidFill>
                   <a:srgbClr val="E0474B"/>
                 </a:solidFill>
@@ -16574,7 +16500,7 @@
               <a:t>async</a:t>
             </a:r>
             <a:r>
-              <a:rPr lang="hu-HU" b="0" dirty="0">
+              <a:rPr lang="hu-HU" sz="1600" b="0" dirty="0">
                 <a:solidFill>
                   <a:srgbClr val="F8F8F2"/>
                 </a:solidFill>
@@ -16584,7 +16510,7 @@
               <a:t> </a:t>
             </a:r>
             <a:r>
-              <a:rPr lang="en-US" b="0" dirty="0">
+              <a:rPr lang="en-US" sz="1600" b="0" dirty="0">
                 <a:solidFill>
                   <a:srgbClr val="579DFA"/>
                 </a:solidFill>
@@ -16594,7 +16520,7 @@
               <a:t>find</a:t>
             </a:r>
             <a:r>
-              <a:rPr lang="hu-HU" b="0" dirty="0">
+              <a:rPr lang="hu-HU" sz="1600" b="0" dirty="0">
                 <a:solidFill>
                   <a:srgbClr val="F8F8F2"/>
                 </a:solidFill>
@@ -16604,7 +16530,7 @@
               <a:t>(</a:t>
             </a:r>
             <a:r>
-              <a:rPr lang="hu-HU" b="0" dirty="0">
+              <a:rPr lang="hu-HU" sz="1600" b="0" dirty="0">
                 <a:solidFill>
                   <a:srgbClr val="579DFA"/>
                 </a:solidFill>
@@ -16614,7 +16540,7 @@
               <a:t>@Param</a:t>
             </a:r>
             <a:r>
-              <a:rPr lang="hu-HU" b="1" dirty="0">
+              <a:rPr lang="hu-HU" sz="1600" b="1" dirty="0">
                 <a:solidFill>
                   <a:srgbClr val="F8F8F2"/>
                 </a:solidFill>
@@ -16624,7 +16550,7 @@
               <a:t>(</a:t>
             </a:r>
             <a:r>
-              <a:rPr lang="hu-HU" b="0" dirty="0">
+              <a:rPr lang="hu-HU" sz="1600" b="0" dirty="0">
                 <a:solidFill>
                   <a:srgbClr val="FFD86E"/>
                 </a:solidFill>
@@ -16634,7 +16560,7 @@
               <a:t>'id'</a:t>
             </a:r>
             <a:r>
-              <a:rPr lang="hu-HU" b="1" dirty="0">
+              <a:rPr lang="hu-HU" sz="1600" b="1" dirty="0">
                 <a:solidFill>
                   <a:srgbClr val="F8F8F2"/>
                 </a:solidFill>
@@ -16644,7 +16570,7 @@
               <a:t>)</a:t>
             </a:r>
             <a:r>
-              <a:rPr lang="hu-HU" b="0" dirty="0">
+              <a:rPr lang="hu-HU" sz="1600" b="0" dirty="0">
                 <a:solidFill>
                   <a:srgbClr val="FFD86E"/>
                 </a:solidFill>
@@ -16654,7 +16580,7 @@
               <a:t> id</a:t>
             </a:r>
             <a:r>
-              <a:rPr lang="hu-HU" b="0" dirty="0">
+              <a:rPr lang="hu-HU" sz="1600" b="0" dirty="0">
                 <a:solidFill>
                   <a:srgbClr val="FF6363"/>
                 </a:solidFill>
@@ -16664,7 +16590,7 @@
               <a:t>:</a:t>
             </a:r>
             <a:r>
-              <a:rPr lang="hu-HU" b="0" dirty="0">
+              <a:rPr lang="hu-HU" sz="1600" b="0" dirty="0">
                 <a:solidFill>
                   <a:srgbClr val="FCA57E"/>
                 </a:solidFill>
@@ -16674,7 +16600,7 @@
               <a:t> </a:t>
             </a:r>
             <a:r>
-              <a:rPr lang="hu-HU" b="0" i="1" dirty="0">
+              <a:rPr lang="hu-HU" sz="1600" b="0" i="1" dirty="0">
                 <a:solidFill>
                   <a:srgbClr val="E0474B"/>
                 </a:solidFill>
@@ -16684,7 +16610,7 @@
               <a:t>string</a:t>
             </a:r>
             <a:r>
-              <a:rPr lang="hu-HU" b="0" dirty="0">
+              <a:rPr lang="hu-HU" sz="1600" b="0" dirty="0">
                 <a:solidFill>
                   <a:srgbClr val="F8F8F2"/>
                 </a:solidFill>
@@ -16694,7 +16620,7 @@
               <a:t>) </a:t>
             </a:r>
             <a:r>
-              <a:rPr lang="en-US" b="0" dirty="0">
+              <a:rPr lang="en-US" sz="1600" b="0" dirty="0">
                 <a:solidFill>
                   <a:srgbClr val="F8F8F2"/>
                 </a:solidFill>
@@ -16704,7 +16630,7 @@
               <a:t>	</a:t>
             </a:r>
             <a:r>
-              <a:rPr lang="hu-HU" b="0" dirty="0">
+              <a:rPr lang="hu-HU" sz="1600" b="0" dirty="0">
                 <a:solidFill>
                   <a:srgbClr val="F8F8F2"/>
                 </a:solidFill>
@@ -16716,7 +16642,7 @@
           </a:p>
           <a:p>
             <a:r>
-              <a:rPr lang="hu-HU" b="0" dirty="0">
+              <a:rPr lang="hu-HU" sz="1600" b="0" dirty="0">
                 <a:solidFill>
                   <a:srgbClr val="F8F8F2"/>
                 </a:solidFill>
@@ -16726,7 +16652,7 @@
               <a:t>        </a:t>
             </a:r>
             <a:r>
-              <a:rPr lang="hu-HU" b="0" dirty="0">
+              <a:rPr lang="hu-HU" sz="1600" b="0" dirty="0">
                 <a:solidFill>
                   <a:srgbClr val="E0474B"/>
                 </a:solidFill>
@@ -16736,7 +16662,7 @@
               <a:t>const</a:t>
             </a:r>
             <a:r>
-              <a:rPr lang="hu-HU" b="0" dirty="0">
+              <a:rPr lang="hu-HU" sz="1600" b="0" dirty="0">
                 <a:solidFill>
                   <a:srgbClr val="F8F8F2"/>
                 </a:solidFill>
@@ -16746,7 +16672,7 @@
               <a:t> data </a:t>
             </a:r>
             <a:r>
-              <a:rPr lang="hu-HU" b="0" dirty="0">
+              <a:rPr lang="hu-HU" sz="1600" b="0" dirty="0">
                 <a:solidFill>
                   <a:srgbClr val="FF6363"/>
                 </a:solidFill>
@@ -16756,7 +16682,7 @@
               <a:t>=</a:t>
             </a:r>
             <a:r>
-              <a:rPr lang="hu-HU" b="0" dirty="0">
+              <a:rPr lang="hu-HU" sz="1600" b="0" dirty="0">
                 <a:solidFill>
                   <a:srgbClr val="F8F8F2"/>
                 </a:solidFill>
@@ -16766,7 +16692,7 @@
               <a:t> </a:t>
             </a:r>
             <a:r>
-              <a:rPr lang="hu-HU" b="0" i="1" dirty="0">
+              <a:rPr lang="hu-HU" sz="1600" b="0" i="1" dirty="0">
                 <a:solidFill>
                   <a:srgbClr val="5C6276"/>
                 </a:solidFill>
@@ -16775,7 +16701,7 @@
               </a:rPr>
               <a:t>// adatbázis művelet;</a:t>
             </a:r>
-            <a:endParaRPr lang="hu-HU" b="0" dirty="0">
+            <a:endParaRPr lang="hu-HU" sz="1600" b="0" dirty="0">
               <a:solidFill>
                 <a:srgbClr val="F8F8F2"/>
               </a:solidFill>
@@ -16785,7 +16711,7 @@
           </a:p>
           <a:p>
             <a:r>
-              <a:rPr lang="hu-HU" b="0" dirty="0">
+              <a:rPr lang="hu-HU" sz="1600" b="0" dirty="0">
                 <a:solidFill>
                   <a:srgbClr val="F8F8F2"/>
                 </a:solidFill>
@@ -16795,7 +16721,7 @@
               <a:t>        </a:t>
             </a:r>
             <a:r>
-              <a:rPr lang="hu-HU" b="0" dirty="0">
+              <a:rPr lang="hu-HU" sz="1600" b="0" dirty="0">
                 <a:solidFill>
                   <a:srgbClr val="E0474B"/>
                 </a:solidFill>
@@ -16805,7 +16731,7 @@
               <a:t>if</a:t>
             </a:r>
             <a:r>
-              <a:rPr lang="hu-HU" b="0" dirty="0">
+              <a:rPr lang="hu-HU" sz="1600" b="0" dirty="0">
                 <a:solidFill>
                   <a:srgbClr val="F8F8F2"/>
                 </a:solidFill>
@@ -16815,7 +16741,7 @@
               <a:t> </a:t>
             </a:r>
             <a:r>
-              <a:rPr lang="hu-HU" b="1" dirty="0">
+              <a:rPr lang="hu-HU" sz="1600" b="1" dirty="0">
                 <a:solidFill>
                   <a:srgbClr val="F8F8F2"/>
                 </a:solidFill>
@@ -16825,7 +16751,7 @@
               <a:t>(</a:t>
             </a:r>
             <a:r>
-              <a:rPr lang="hu-HU" b="0" dirty="0">
+              <a:rPr lang="hu-HU" sz="1600" b="0" dirty="0">
                 <a:solidFill>
                   <a:srgbClr val="FF6363"/>
                 </a:solidFill>
@@ -16835,7 +16761,7 @@
               <a:t>!</a:t>
             </a:r>
             <a:r>
-              <a:rPr lang="hu-HU" b="0" dirty="0">
+              <a:rPr lang="hu-HU" sz="1600" b="0" dirty="0">
                 <a:solidFill>
                   <a:srgbClr val="F8F8F2"/>
                 </a:solidFill>
@@ -16845,7 +16771,7 @@
               <a:t>data</a:t>
             </a:r>
             <a:r>
-              <a:rPr lang="hu-HU" b="1" dirty="0">
+              <a:rPr lang="hu-HU" sz="1600" b="1" dirty="0">
                 <a:solidFill>
                   <a:srgbClr val="F8F8F2"/>
                 </a:solidFill>
@@ -16855,7 +16781,7 @@
               <a:t>)</a:t>
             </a:r>
             <a:r>
-              <a:rPr lang="hu-HU" b="0" dirty="0">
+              <a:rPr lang="hu-HU" sz="1600" b="0" dirty="0">
                 <a:solidFill>
                   <a:srgbClr val="F8F8F2"/>
                 </a:solidFill>
@@ -16867,7 +16793,7 @@
           </a:p>
           <a:p>
             <a:r>
-              <a:rPr lang="hu-HU" b="0" dirty="0">
+              <a:rPr lang="hu-HU" sz="1600" b="0" dirty="0">
                 <a:solidFill>
                   <a:srgbClr val="F8F8F2"/>
                 </a:solidFill>
@@ -16877,7 +16803,7 @@
               <a:t>            </a:t>
             </a:r>
             <a:r>
-              <a:rPr lang="hu-HU" b="0" dirty="0">
+              <a:rPr lang="en-US" sz="1600" b="0" dirty="0">
                 <a:solidFill>
                   <a:srgbClr val="E0474B"/>
                 </a:solidFill>
@@ -16887,7 +16813,7 @@
               <a:t>throw</a:t>
             </a:r>
             <a:r>
-              <a:rPr lang="hu-HU" b="0" dirty="0">
+              <a:rPr lang="en-US" sz="1600" b="0" dirty="0">
                 <a:solidFill>
                   <a:srgbClr val="F8F8F2"/>
                 </a:solidFill>
@@ -16897,7 +16823,7 @@
               <a:t> </a:t>
             </a:r>
             <a:r>
-              <a:rPr lang="hu-HU" b="0" dirty="0">
+              <a:rPr lang="en-US" sz="1600" b="0" dirty="0">
                 <a:solidFill>
                   <a:srgbClr val="E0474B"/>
                 </a:solidFill>
@@ -16907,7 +16833,7 @@
               <a:t>new</a:t>
             </a:r>
             <a:r>
-              <a:rPr lang="hu-HU" b="0" dirty="0">
+              <a:rPr lang="en-US" sz="1600" b="0" dirty="0">
                 <a:solidFill>
                   <a:srgbClr val="F8F8F2"/>
                 </a:solidFill>
@@ -16917,7 +16843,7 @@
               <a:t> </a:t>
             </a:r>
             <a:r>
-              <a:rPr lang="hu-HU" b="0" dirty="0">
+              <a:rPr lang="en-US" sz="1600" b="0" dirty="0" err="1">
                 <a:solidFill>
                   <a:srgbClr val="579DFA"/>
                 </a:solidFill>
@@ -16927,17 +16853,77 @@
               <a:t>NotFound</a:t>
             </a:r>
             <a:r>
-              <a:rPr lang="hu-HU" b="1" dirty="0">
-                <a:solidFill>
-                  <a:srgbClr val="F8F8F2"/>
-                </a:solidFill>
-                <a:effectLst/>
-                <a:latin typeface="Consolas" panose="020B0609020204030204" pitchFamily="49" charset="0"/>
-              </a:rPr>
-              <a:t>()</a:t>
-            </a:r>
-            <a:r>
-              <a:rPr lang="hu-HU" b="0" dirty="0">
+              <a:rPr lang="en-US" sz="1600" b="1" dirty="0">
+                <a:solidFill>
+                  <a:srgbClr val="F8F8F2"/>
+                </a:solidFill>
+                <a:effectLst/>
+                <a:latin typeface="Consolas" panose="020B0609020204030204" pitchFamily="49" charset="0"/>
+              </a:rPr>
+              <a:t>(</a:t>
+            </a:r>
+            <a:r>
+              <a:rPr lang="en-US" sz="1600" b="0" dirty="0">
+                <a:solidFill>
+                  <a:srgbClr val="FFD86E"/>
+                </a:solidFill>
+                <a:effectLst/>
+                <a:latin typeface="Consolas" panose="020B0609020204030204" pitchFamily="49" charset="0"/>
+              </a:rPr>
+              <a:t>`Entry of '</a:t>
+            </a:r>
+            <a:r>
+              <a:rPr lang="en-US" sz="1600" b="0" dirty="0">
+                <a:solidFill>
+                  <a:srgbClr val="FF6363"/>
+                </a:solidFill>
+                <a:effectLst/>
+                <a:latin typeface="Consolas" panose="020B0609020204030204" pitchFamily="49" charset="0"/>
+              </a:rPr>
+              <a:t>${</a:t>
+            </a:r>
+            <a:r>
+              <a:rPr lang="en-US" sz="1600" b="0" dirty="0">
+                <a:solidFill>
+                  <a:srgbClr val="FFD86E"/>
+                </a:solidFill>
+                <a:effectLst/>
+                <a:latin typeface="Consolas" panose="020B0609020204030204" pitchFamily="49" charset="0"/>
+              </a:rPr>
+              <a:t>id</a:t>
+            </a:r>
+            <a:r>
+              <a:rPr lang="en-US" sz="1600" b="0" dirty="0">
+                <a:solidFill>
+                  <a:srgbClr val="FF6363"/>
+                </a:solidFill>
+                <a:effectLst/>
+                <a:latin typeface="Consolas" panose="020B0609020204030204" pitchFamily="49" charset="0"/>
+              </a:rPr>
+              <a:t>}</a:t>
+            </a:r>
+            <a:r>
+              <a:rPr lang="en-US" sz="1600" b="0" dirty="0">
+                <a:solidFill>
+                  <a:srgbClr val="FFD86E"/>
+                </a:solidFill>
+                <a:effectLst/>
+                <a:latin typeface="Consolas" panose="020B0609020204030204" pitchFamily="49" charset="0"/>
+              </a:rPr>
+              <a:t>' cannot be found.`</a:t>
+            </a:r>
+            <a:r>
+              <a:rPr lang="en-US" sz="1600" b="1" dirty="0">
+                <a:solidFill>
+                  <a:srgbClr val="F8F8F2"/>
+                </a:solidFill>
+                <a:effectLst/>
+                <a:latin typeface="Consolas" panose="020B0609020204030204" pitchFamily="49" charset="0"/>
+              </a:rPr>
+              <a:t>)</a:t>
+            </a:r>
+            <a:r>
+              <a:rPr lang="en-US" sz="1600" b="0" dirty="0">
                 <a:solidFill>
                   <a:srgbClr val="F8F8F2"/>
                 </a:solidFill>
@@ -16946,10 +16932,17 @@
               </a:rPr>
               <a:t>;</a:t>
             </a:r>
-          </a:p>
-          <a:p>
-            <a:r>
-              <a:rPr lang="hu-HU" b="0" dirty="0">
+            <a:endParaRPr lang="hu-HU" sz="1600" b="0" dirty="0">
+              <a:solidFill>
+                <a:srgbClr val="F8F8F2"/>
+              </a:solidFill>
+              <a:effectLst/>
+              <a:latin typeface="Consolas" panose="020B0609020204030204" pitchFamily="49" charset="0"/>
+            </a:endParaRPr>
+          </a:p>
+          <a:p>
+            <a:r>
+              <a:rPr lang="hu-HU" sz="1600" b="0" dirty="0">
                 <a:solidFill>
                   <a:srgbClr val="F8F8F2"/>
                 </a:solidFill>
@@ -16961,7 +16954,7 @@
           </a:p>
           <a:p>
             <a:r>
-              <a:rPr lang="hu-HU" b="0" dirty="0">
+              <a:rPr lang="hu-HU" sz="1600" b="0" dirty="0">
                 <a:solidFill>
                   <a:srgbClr val="F8F8F2"/>
                 </a:solidFill>
@@ -16971,7 +16964,7 @@
               <a:t>        </a:t>
             </a:r>
             <a:r>
-              <a:rPr lang="hu-HU" b="0" dirty="0">
+              <a:rPr lang="hu-HU" sz="1600" b="0" dirty="0">
                 <a:solidFill>
                   <a:srgbClr val="E0474B"/>
                 </a:solidFill>
@@ -16981,7 +16974,7 @@
               <a:t>return</a:t>
             </a:r>
             <a:r>
-              <a:rPr lang="hu-HU" b="0" dirty="0">
+              <a:rPr lang="hu-HU" sz="1600" b="0" dirty="0">
                 <a:solidFill>
                   <a:srgbClr val="F8F8F2"/>
                 </a:solidFill>
@@ -16993,7 +16986,7 @@
           </a:p>
           <a:p>
             <a:r>
-              <a:rPr lang="hu-HU" b="0" dirty="0">
+              <a:rPr lang="hu-HU" sz="1600" b="0" dirty="0">
                 <a:solidFill>
                   <a:srgbClr val="F8F8F2"/>
                 </a:solidFill>
@@ -17045,6 +17038,515 @@
           </a:p>
         </p:txBody>
       </p:sp>
+      <p:sp>
+        <p:nvSpPr>
+          <p:cNvPr id="3" name="TextBox 2">
+            <a:extLst>
+              <a:ext uri="{FF2B5EF4-FFF2-40B4-BE49-F238E27FC236}">
+                <a16:creationId xmlns:a16="http://schemas.microsoft.com/office/drawing/2014/main" id="{0CEB919D-6136-337A-0D40-3A25615ACD0D}"/>
+              </a:ext>
+            </a:extLst>
+          </p:cNvPr>
+          <p:cNvSpPr txBox="1"/>
+          <p:nvPr/>
+        </p:nvSpPr>
+        <p:spPr>
+          <a:xfrm>
+            <a:off x="335664" y="3679543"/>
+            <a:ext cx="6820436" cy="3108543"/>
+          </a:xfrm>
+          <a:prstGeom prst="rect">
+            <a:avLst/>
+          </a:prstGeom>
+          <a:solidFill>
+            <a:schemeClr val="bg2">
+              <a:lumMod val="95000"/>
+              <a:lumOff val="5000"/>
+            </a:schemeClr>
+          </a:solidFill>
+          <a:ln w="12700">
+            <a:solidFill>
+              <a:schemeClr val="tx1"/>
+            </a:solidFill>
+          </a:ln>
+        </p:spPr>
+        <p:txBody>
+          <a:bodyPr wrap="square">
+            <a:spAutoFit/>
+          </a:bodyPr>
+          <a:lstStyle/>
+          <a:p>
+            <a:r>
+              <a:rPr lang="en-US" sz="1400" dirty="0">
+                <a:solidFill>
+                  <a:srgbClr val="909090"/>
+                </a:solidFill>
+              </a:rPr>
+              <a:t>$</a:t>
+            </a:r>
+            <a:r>
+              <a:rPr lang="en-US" sz="1400" b="0" dirty="0">
+                <a:solidFill>
+                  <a:srgbClr val="579DFA"/>
+                </a:solidFill>
+                <a:effectLst/>
+                <a:latin typeface="Consolas" panose="020B0609020204030204" pitchFamily="49" charset="0"/>
+              </a:rPr>
+              <a:t> curl</a:t>
+            </a:r>
+            <a:r>
+              <a:rPr lang="en-US" sz="1400" b="0" dirty="0">
+                <a:solidFill>
+                  <a:srgbClr val="F8F8F2"/>
+                </a:solidFill>
+                <a:effectLst/>
+                <a:latin typeface="Consolas" panose="020B0609020204030204" pitchFamily="49" charset="0"/>
+              </a:rPr>
+              <a:t> </a:t>
+            </a:r>
+            <a:r>
+              <a:rPr lang="en-US" sz="1400" b="0" dirty="0">
+                <a:solidFill>
+                  <a:srgbClr val="FFD86E"/>
+                </a:solidFill>
+                <a:effectLst/>
+                <a:latin typeface="Consolas" panose="020B0609020204030204" pitchFamily="49" charset="0"/>
+              </a:rPr>
+              <a:t>-L</a:t>
+            </a:r>
+            <a:r>
+              <a:rPr lang="en-US" sz="1400" b="0" dirty="0">
+                <a:solidFill>
+                  <a:srgbClr val="F8F8F2"/>
+                </a:solidFill>
+                <a:effectLst/>
+                <a:latin typeface="Consolas" panose="020B0609020204030204" pitchFamily="49" charset="0"/>
+              </a:rPr>
+              <a:t> </a:t>
+            </a:r>
+            <a:r>
+              <a:rPr lang="en-US" sz="1400" b="0" dirty="0">
+                <a:solidFill>
+                  <a:srgbClr val="FFD86E"/>
+                </a:solidFill>
+                <a:effectLst/>
+                <a:latin typeface="Consolas" panose="020B0609020204030204" pitchFamily="49" charset="0"/>
+              </a:rPr>
+              <a:t>"http://</a:t>
+            </a:r>
+            <a:r>
+              <a:rPr lang="en-US" sz="1400" b="0" dirty="0" err="1">
+                <a:solidFill>
+                  <a:srgbClr val="FFD86E"/>
+                </a:solidFill>
+                <a:effectLst/>
+                <a:latin typeface="Consolas" panose="020B0609020204030204" pitchFamily="49" charset="0"/>
+              </a:rPr>
+              <a:t>localhost:3000</a:t>
+            </a:r>
+            <a:r>
+              <a:rPr lang="en-US" sz="1400" b="0" dirty="0">
+                <a:solidFill>
+                  <a:srgbClr val="FFD86E"/>
+                </a:solidFill>
+                <a:effectLst/>
+                <a:latin typeface="Consolas" panose="020B0609020204030204" pitchFamily="49" charset="0"/>
+              </a:rPr>
+              <a:t>/</a:t>
+            </a:r>
+            <a:r>
+              <a:rPr lang="en-US" sz="1400" b="0" dirty="0" err="1">
+                <a:solidFill>
+                  <a:srgbClr val="FFD86E"/>
+                </a:solidFill>
+                <a:effectLst/>
+                <a:latin typeface="Consolas" panose="020B0609020204030204" pitchFamily="49" charset="0"/>
+              </a:rPr>
+              <a:t>api</a:t>
+            </a:r>
+            <a:r>
+              <a:rPr lang="en-US" sz="1400" b="0" dirty="0">
+                <a:solidFill>
+                  <a:srgbClr val="FFD86E"/>
+                </a:solidFill>
+                <a:effectLst/>
+                <a:latin typeface="Consolas" panose="020B0609020204030204" pitchFamily="49" charset="0"/>
+              </a:rPr>
+              <a:t>/example/test"</a:t>
+            </a:r>
+            <a:endParaRPr lang="en-US" sz="1400" b="0" dirty="0">
+              <a:solidFill>
+                <a:srgbClr val="F8F8F2"/>
+              </a:solidFill>
+              <a:effectLst/>
+              <a:latin typeface="Consolas" panose="020B0609020204030204" pitchFamily="49" charset="0"/>
+            </a:endParaRPr>
+          </a:p>
+          <a:p>
+            <a:endParaRPr lang="en-US" sz="1400" b="0" dirty="0">
+              <a:solidFill>
+                <a:srgbClr val="F8F8F2"/>
+              </a:solidFill>
+              <a:effectLst/>
+              <a:latin typeface="Consolas" panose="020B0609020204030204" pitchFamily="49" charset="0"/>
+            </a:endParaRPr>
+          </a:p>
+          <a:p>
+            <a:r>
+              <a:rPr lang="en-US" sz="1400" b="0" dirty="0">
+                <a:solidFill>
+                  <a:srgbClr val="F8F8F2"/>
+                </a:solidFill>
+                <a:effectLst/>
+                <a:latin typeface="Consolas" panose="020B0609020204030204" pitchFamily="49" charset="0"/>
+              </a:rPr>
+              <a:t>{</a:t>
+            </a:r>
+          </a:p>
+          <a:p>
+            <a:r>
+              <a:rPr lang="en-US" sz="1400" b="0" dirty="0">
+                <a:solidFill>
+                  <a:srgbClr val="F8F8F2"/>
+                </a:solidFill>
+                <a:effectLst/>
+                <a:latin typeface="Consolas" panose="020B0609020204030204" pitchFamily="49" charset="0"/>
+              </a:rPr>
+              <a:t>    </a:t>
+            </a:r>
+            <a:r>
+              <a:rPr lang="en-US" sz="1400" b="1" dirty="0">
+                <a:solidFill>
+                  <a:srgbClr val="F8F8F2"/>
+                </a:solidFill>
+                <a:effectLst/>
+                <a:latin typeface="Consolas" panose="020B0609020204030204" pitchFamily="49" charset="0"/>
+              </a:rPr>
+              <a:t>"messages"</a:t>
+            </a:r>
+            <a:r>
+              <a:rPr lang="en-US" sz="1400" b="0" dirty="0">
+                <a:solidFill>
+                  <a:srgbClr val="F8F8F2"/>
+                </a:solidFill>
+                <a:effectLst/>
+                <a:latin typeface="Consolas" panose="020B0609020204030204" pitchFamily="49" charset="0"/>
+              </a:rPr>
+              <a:t>: [</a:t>
+            </a:r>
+          </a:p>
+          <a:p>
+            <a:r>
+              <a:rPr lang="en-US" sz="1400" b="0" dirty="0">
+                <a:solidFill>
+                  <a:srgbClr val="F8F8F2"/>
+                </a:solidFill>
+                <a:effectLst/>
+                <a:latin typeface="Consolas" panose="020B0609020204030204" pitchFamily="49" charset="0"/>
+              </a:rPr>
+              <a:t>        </a:t>
+            </a:r>
+            <a:r>
+              <a:rPr lang="en-US" sz="1400" b="0" dirty="0">
+                <a:solidFill>
+                  <a:srgbClr val="FFD86E"/>
+                </a:solidFill>
+                <a:effectLst/>
+                <a:latin typeface="Consolas" panose="020B0609020204030204" pitchFamily="49" charset="0"/>
+              </a:rPr>
+              <a:t>"Entry of 'test' cannot be found."</a:t>
+            </a:r>
+            <a:endParaRPr lang="en-US" sz="1400" b="0" dirty="0">
+              <a:solidFill>
+                <a:srgbClr val="F8F8F2"/>
+              </a:solidFill>
+              <a:effectLst/>
+              <a:latin typeface="Consolas" panose="020B0609020204030204" pitchFamily="49" charset="0"/>
+            </a:endParaRPr>
+          </a:p>
+          <a:p>
+            <a:r>
+              <a:rPr lang="en-US" sz="1400" b="0" dirty="0">
+                <a:solidFill>
+                  <a:srgbClr val="F8F8F2"/>
+                </a:solidFill>
+                <a:effectLst/>
+                <a:latin typeface="Consolas" panose="020B0609020204030204" pitchFamily="49" charset="0"/>
+              </a:rPr>
+              <a:t>    ],</a:t>
+            </a:r>
+          </a:p>
+          <a:p>
+            <a:r>
+              <a:rPr lang="en-US" sz="1400" b="0" dirty="0">
+                <a:solidFill>
+                  <a:srgbClr val="F8F8F2"/>
+                </a:solidFill>
+                <a:effectLst/>
+                <a:latin typeface="Consolas" panose="020B0609020204030204" pitchFamily="49" charset="0"/>
+              </a:rPr>
+              <a:t>    </a:t>
+            </a:r>
+            <a:r>
+              <a:rPr lang="en-US" sz="1400" b="1" dirty="0">
+                <a:solidFill>
+                  <a:srgbClr val="F8F8F2"/>
+                </a:solidFill>
+                <a:effectLst/>
+                <a:latin typeface="Consolas" panose="020B0609020204030204" pitchFamily="49" charset="0"/>
+              </a:rPr>
+              <a:t>"status"</a:t>
+            </a:r>
+            <a:r>
+              <a:rPr lang="en-US" sz="1400" b="0" dirty="0">
+                <a:solidFill>
+                  <a:srgbClr val="F8F8F2"/>
+                </a:solidFill>
+                <a:effectLst/>
+                <a:latin typeface="Consolas" panose="020B0609020204030204" pitchFamily="49" charset="0"/>
+              </a:rPr>
+              <a:t>: </a:t>
+            </a:r>
+            <a:r>
+              <a:rPr lang="en-US" sz="1400" b="0" dirty="0">
+                <a:solidFill>
+                  <a:srgbClr val="86DBFD"/>
+                </a:solidFill>
+                <a:effectLst/>
+                <a:latin typeface="Consolas" panose="020B0609020204030204" pitchFamily="49" charset="0"/>
+              </a:rPr>
+              <a:t>404</a:t>
+            </a:r>
+            <a:endParaRPr lang="en-US" sz="1400" b="0" dirty="0">
+              <a:solidFill>
+                <a:srgbClr val="F8F8F2"/>
+              </a:solidFill>
+              <a:effectLst/>
+              <a:latin typeface="Consolas" panose="020B0609020204030204" pitchFamily="49" charset="0"/>
+            </a:endParaRPr>
+          </a:p>
+          <a:p>
+            <a:r>
+              <a:rPr lang="en-US" sz="1400" b="0" dirty="0">
+                <a:solidFill>
+                  <a:srgbClr val="F8F8F2"/>
+                </a:solidFill>
+                <a:effectLst/>
+                <a:latin typeface="Consolas" panose="020B0609020204030204" pitchFamily="49" charset="0"/>
+              </a:rPr>
+              <a:t>}</a:t>
+            </a:r>
+          </a:p>
+          <a:p>
+            <a:endParaRPr lang="en-US" sz="1400" dirty="0">
+              <a:solidFill>
+                <a:srgbClr val="F8F8F2"/>
+              </a:solidFill>
+              <a:latin typeface="Consolas" panose="020B0609020204030204" pitchFamily="49" charset="0"/>
+            </a:endParaRPr>
+          </a:p>
+          <a:p>
+            <a:r>
+              <a:rPr lang="en-US" sz="1400" dirty="0">
+                <a:solidFill>
+                  <a:srgbClr val="909090"/>
+                </a:solidFill>
+              </a:rPr>
+              <a:t>$</a:t>
+            </a:r>
+            <a:r>
+              <a:rPr lang="en-US" sz="1400" b="0" dirty="0">
+                <a:solidFill>
+                  <a:srgbClr val="579DFA"/>
+                </a:solidFill>
+                <a:effectLst/>
+                <a:latin typeface="Consolas" panose="020B0609020204030204" pitchFamily="49" charset="0"/>
+              </a:rPr>
+              <a:t> curl</a:t>
+            </a:r>
+            <a:r>
+              <a:rPr lang="en-US" sz="1400" b="0" dirty="0">
+                <a:solidFill>
+                  <a:srgbClr val="F8F8F2"/>
+                </a:solidFill>
+                <a:effectLst/>
+                <a:latin typeface="Consolas" panose="020B0609020204030204" pitchFamily="49" charset="0"/>
+              </a:rPr>
+              <a:t> </a:t>
+            </a:r>
+            <a:r>
+              <a:rPr lang="en-US" sz="1400" b="0" dirty="0">
+                <a:solidFill>
+                  <a:srgbClr val="FFD86E"/>
+                </a:solidFill>
+                <a:effectLst/>
+                <a:latin typeface="Consolas" panose="020B0609020204030204" pitchFamily="49" charset="0"/>
+              </a:rPr>
+              <a:t>-L</a:t>
+            </a:r>
+            <a:r>
+              <a:rPr lang="en-US" sz="1400" b="0" dirty="0">
+                <a:solidFill>
+                  <a:srgbClr val="F8F8F2"/>
+                </a:solidFill>
+                <a:effectLst/>
+                <a:latin typeface="Consolas" panose="020B0609020204030204" pitchFamily="49" charset="0"/>
+              </a:rPr>
+              <a:t> </a:t>
+            </a:r>
+            <a:r>
+              <a:rPr lang="en-US" sz="1400" b="0" dirty="0">
+                <a:solidFill>
+                  <a:srgbClr val="FFD86E"/>
+                </a:solidFill>
+                <a:effectLst/>
+                <a:latin typeface="Consolas" panose="020B0609020204030204" pitchFamily="49" charset="0"/>
+              </a:rPr>
+              <a:t>"http://</a:t>
+            </a:r>
+            <a:r>
+              <a:rPr lang="en-US" sz="1400" b="0" dirty="0" err="1">
+                <a:solidFill>
+                  <a:srgbClr val="FFD86E"/>
+                </a:solidFill>
+                <a:effectLst/>
+                <a:latin typeface="Consolas" panose="020B0609020204030204" pitchFamily="49" charset="0"/>
+              </a:rPr>
+              <a:t>localhost:3000</a:t>
+            </a:r>
+            <a:r>
+              <a:rPr lang="en-US" sz="1400" b="0" dirty="0">
+                <a:solidFill>
+                  <a:srgbClr val="FFD86E"/>
+                </a:solidFill>
+                <a:effectLst/>
+                <a:latin typeface="Consolas" panose="020B0609020204030204" pitchFamily="49" charset="0"/>
+              </a:rPr>
+              <a:t>/</a:t>
+            </a:r>
+            <a:r>
+              <a:rPr lang="en-US" sz="1400" b="0" dirty="0" err="1">
+                <a:solidFill>
+                  <a:srgbClr val="FFD86E"/>
+                </a:solidFill>
+                <a:effectLst/>
+                <a:latin typeface="Consolas" panose="020B0609020204030204" pitchFamily="49" charset="0"/>
+              </a:rPr>
+              <a:t>api</a:t>
+            </a:r>
+            <a:r>
+              <a:rPr lang="en-US" sz="1400" b="0" dirty="0">
+                <a:solidFill>
+                  <a:srgbClr val="FFD86E"/>
+                </a:solidFill>
+                <a:effectLst/>
+                <a:latin typeface="Consolas" panose="020B0609020204030204" pitchFamily="49" charset="0"/>
+              </a:rPr>
+              <a:t>/example/test"</a:t>
+            </a:r>
+            <a:endParaRPr lang="en-US" sz="1400" b="0" dirty="0">
+              <a:solidFill>
+                <a:srgbClr val="F8F8F2"/>
+              </a:solidFill>
+              <a:effectLst/>
+              <a:latin typeface="Consolas" panose="020B0609020204030204" pitchFamily="49" charset="0"/>
+            </a:endParaRPr>
+          </a:p>
+          <a:p>
+            <a:endParaRPr lang="en-US" sz="1400" b="0" dirty="0">
+              <a:solidFill>
+                <a:srgbClr val="F8F8F2"/>
+              </a:solidFill>
+              <a:effectLst/>
+              <a:latin typeface="Consolas" panose="020B0609020204030204" pitchFamily="49" charset="0"/>
+            </a:endParaRPr>
+          </a:p>
+          <a:p>
+            <a:r>
+              <a:rPr lang="en-US" sz="1400" dirty="0">
+                <a:solidFill>
+                  <a:srgbClr val="F8F8F2"/>
+                </a:solidFill>
+                <a:latin typeface="Consolas" panose="020B0609020204030204" pitchFamily="49" charset="0"/>
+              </a:rPr>
+              <a:t>...</a:t>
+            </a:r>
+            <a:endParaRPr lang="en-US" sz="1400" b="0" dirty="0">
+              <a:solidFill>
+                <a:srgbClr val="F8F8F2"/>
+              </a:solidFill>
+              <a:effectLst/>
+              <a:latin typeface="Consolas" panose="020B0609020204030204" pitchFamily="49" charset="0"/>
+            </a:endParaRPr>
+          </a:p>
+          <a:p>
+            <a:r>
+              <a:rPr lang="en-US" sz="1400" b="0" dirty="0">
+                <a:solidFill>
+                  <a:srgbClr val="F8F8F2"/>
+                </a:solidFill>
+                <a:effectLst/>
+                <a:latin typeface="Consolas" panose="020B0609020204030204" pitchFamily="49" charset="0"/>
+              </a:rPr>
+              <a:t>&lt; HTTP/1.1 404 Not Found</a:t>
+            </a:r>
+          </a:p>
+          <a:p>
+            <a:r>
+              <a:rPr lang="en-US" sz="1400" dirty="0">
+                <a:solidFill>
+                  <a:srgbClr val="F8F8F2"/>
+                </a:solidFill>
+                <a:latin typeface="Consolas" panose="020B0609020204030204" pitchFamily="49" charset="0"/>
+              </a:rPr>
+              <a:t>...</a:t>
+            </a:r>
+            <a:endParaRPr lang="en-US" sz="1400" b="0" dirty="0">
+              <a:solidFill>
+                <a:srgbClr val="F8F8F2"/>
+              </a:solidFill>
+              <a:effectLst/>
+              <a:latin typeface="Consolas" panose="020B0609020204030204" pitchFamily="49" charset="0"/>
+            </a:endParaRPr>
+          </a:p>
+        </p:txBody>
+      </p:sp>
+      <p:sp>
+        <p:nvSpPr>
+          <p:cNvPr id="4" name="TextBox 3">
+            <a:extLst>
+              <a:ext uri="{FF2B5EF4-FFF2-40B4-BE49-F238E27FC236}">
+                <a16:creationId xmlns:a16="http://schemas.microsoft.com/office/drawing/2014/main" id="{ED5503BB-CADF-8A6A-5888-4A972796E3A3}"/>
+              </a:ext>
+            </a:extLst>
+          </p:cNvPr>
+          <p:cNvSpPr txBox="1"/>
+          <p:nvPr/>
+        </p:nvSpPr>
+        <p:spPr>
+          <a:xfrm>
+            <a:off x="335664" y="3310211"/>
+            <a:ext cx="3375272" cy="369332"/>
+          </a:xfrm>
+          <a:prstGeom prst="rect">
+            <a:avLst/>
+          </a:prstGeom>
+          <a:noFill/>
+        </p:spPr>
+        <p:txBody>
+          <a:bodyPr wrap="square">
+            <a:spAutoFit/>
+          </a:bodyPr>
+          <a:lstStyle/>
+          <a:p>
+            <a:r>
+              <a:rPr lang="en-US" dirty="0" err="1"/>
+              <a:t>Parancssor</a:t>
+            </a:r>
+            <a:endParaRPr lang="hu-HU" dirty="0"/>
+          </a:p>
+        </p:txBody>
+      </p:sp>
     </p:spTree>
     <p:extLst>
       <p:ext uri="{BB962C8B-B14F-4D97-AF65-F5344CB8AC3E}">
@@ -17058,7 +17560,7 @@
 </p:sld>
 </file>
 
-<file path=ppt/slides/slide18.xml><?xml version="1.0" encoding="utf-8"?>
+<file path=ppt/slides/slide17.xml><?xml version="1.0" encoding="utf-8"?>
 <p:sld xmlns:a="http://schemas.openxmlformats.org/drawingml/2006/main" xmlns:r="http://schemas.openxmlformats.org/officeDocument/2006/relationships" xmlns:p="http://schemas.openxmlformats.org/presentationml/2006/main">
   <p:cSld>
     <p:spTree>
@@ -17819,6 +18321,250 @@
           </a:p>
         </p:txBody>
       </p:sp>
+      <p:sp>
+        <p:nvSpPr>
+          <p:cNvPr id="5" name="TextBox 4">
+            <a:extLst>
+              <a:ext uri="{FF2B5EF4-FFF2-40B4-BE49-F238E27FC236}">
+                <a16:creationId xmlns:a16="http://schemas.microsoft.com/office/drawing/2014/main" id="{0075D3B6-5BFA-5A7F-169A-234560C9956A}"/>
+              </a:ext>
+            </a:extLst>
+          </p:cNvPr>
+          <p:cNvSpPr txBox="1"/>
+          <p:nvPr/>
+        </p:nvSpPr>
+        <p:spPr>
+          <a:xfrm>
+            <a:off x="335664" y="4387429"/>
+            <a:ext cx="6820436" cy="1133644"/>
+          </a:xfrm>
+          <a:prstGeom prst="rect">
+            <a:avLst/>
+          </a:prstGeom>
+          <a:solidFill>
+            <a:schemeClr val="bg2">
+              <a:lumMod val="95000"/>
+              <a:lumOff val="5000"/>
+            </a:schemeClr>
+          </a:solidFill>
+          <a:ln w="12700">
+            <a:solidFill>
+              <a:schemeClr val="tx1"/>
+            </a:solidFill>
+          </a:ln>
+        </p:spPr>
+        <p:txBody>
+          <a:bodyPr wrap="square">
+            <a:spAutoFit/>
+          </a:bodyPr>
+          <a:lstStyle/>
+          <a:p>
+            <a:pPr>
+              <a:lnSpc>
+                <a:spcPts val="1425"/>
+              </a:lnSpc>
+            </a:pPr>
+            <a:r>
+              <a:rPr lang="en-US" sz="1400" dirty="0">
+                <a:solidFill>
+                  <a:srgbClr val="909090"/>
+                </a:solidFill>
+              </a:rPr>
+              <a:t>$</a:t>
+            </a:r>
+            <a:r>
+              <a:rPr lang="en-US" sz="1400" b="0" dirty="0">
+                <a:solidFill>
+                  <a:srgbClr val="579DFA"/>
+                </a:solidFill>
+                <a:effectLst/>
+                <a:latin typeface="Consolas" panose="020B0609020204030204" pitchFamily="49" charset="0"/>
+              </a:rPr>
+              <a:t> curl</a:t>
+            </a:r>
+            <a:r>
+              <a:rPr lang="en-US" sz="1400" b="0" dirty="0">
+                <a:solidFill>
+                  <a:srgbClr val="F8F8F2"/>
+                </a:solidFill>
+                <a:effectLst/>
+                <a:latin typeface="Consolas" panose="020B0609020204030204" pitchFamily="49" charset="0"/>
+              </a:rPr>
+              <a:t> </a:t>
+            </a:r>
+            <a:r>
+              <a:rPr lang="en-US" sz="1400" b="0" dirty="0">
+                <a:solidFill>
+                  <a:srgbClr val="FFD86E"/>
+                </a:solidFill>
+                <a:effectLst/>
+                <a:latin typeface="Consolas" panose="020B0609020204030204" pitchFamily="49" charset="0"/>
+              </a:rPr>
+              <a:t>-L</a:t>
+            </a:r>
+            <a:r>
+              <a:rPr lang="en-US" sz="1400" b="0" dirty="0">
+                <a:solidFill>
+                  <a:srgbClr val="F8F8F2"/>
+                </a:solidFill>
+                <a:effectLst/>
+                <a:latin typeface="Consolas" panose="020B0609020204030204" pitchFamily="49" charset="0"/>
+              </a:rPr>
+              <a:t> </a:t>
+            </a:r>
+            <a:r>
+              <a:rPr lang="en-US" sz="1400" b="0" dirty="0">
+                <a:solidFill>
+                  <a:srgbClr val="FFD86E"/>
+                </a:solidFill>
+                <a:effectLst/>
+                <a:latin typeface="Consolas" panose="020B0609020204030204" pitchFamily="49" charset="0"/>
+              </a:rPr>
+              <a:t>"http://</a:t>
+            </a:r>
+            <a:r>
+              <a:rPr lang="en-US" sz="1400" b="0" dirty="0" err="1">
+                <a:solidFill>
+                  <a:srgbClr val="FFD86E"/>
+                </a:solidFill>
+                <a:effectLst/>
+                <a:latin typeface="Consolas" panose="020B0609020204030204" pitchFamily="49" charset="0"/>
+              </a:rPr>
+              <a:t>localhost:3000</a:t>
+            </a:r>
+            <a:r>
+              <a:rPr lang="en-US" sz="1400" b="0" dirty="0">
+                <a:solidFill>
+                  <a:srgbClr val="FFD86E"/>
+                </a:solidFill>
+                <a:effectLst/>
+                <a:latin typeface="Consolas" panose="020B0609020204030204" pitchFamily="49" charset="0"/>
+              </a:rPr>
+              <a:t>/</a:t>
+            </a:r>
+            <a:r>
+              <a:rPr lang="en-US" sz="1400" b="0" dirty="0" err="1">
+                <a:solidFill>
+                  <a:srgbClr val="FFD86E"/>
+                </a:solidFill>
+                <a:effectLst/>
+                <a:latin typeface="Consolas" panose="020B0609020204030204" pitchFamily="49" charset="0"/>
+              </a:rPr>
+              <a:t>api</a:t>
+            </a:r>
+            <a:r>
+              <a:rPr lang="en-US" sz="1400" b="0" dirty="0">
+                <a:solidFill>
+                  <a:srgbClr val="FFD86E"/>
+                </a:solidFill>
+                <a:effectLst/>
+                <a:latin typeface="Consolas" panose="020B0609020204030204" pitchFamily="49" charset="0"/>
+              </a:rPr>
+              <a:t>/example/test"</a:t>
+            </a:r>
+            <a:endParaRPr lang="en-US" sz="1400" b="0" dirty="0">
+              <a:solidFill>
+                <a:srgbClr val="F8F8F2"/>
+              </a:solidFill>
+              <a:effectLst/>
+              <a:latin typeface="Consolas" panose="020B0609020204030204" pitchFamily="49" charset="0"/>
+            </a:endParaRPr>
+          </a:p>
+          <a:p>
+            <a:endParaRPr lang="en-US" sz="1400" b="0" dirty="0">
+              <a:solidFill>
+                <a:srgbClr val="F8F8F2"/>
+              </a:solidFill>
+              <a:effectLst/>
+              <a:latin typeface="Consolas" panose="020B0609020204030204" pitchFamily="49" charset="0"/>
+            </a:endParaRPr>
+          </a:p>
+          <a:p>
+            <a:r>
+              <a:rPr lang="en-US" sz="1400" dirty="0">
+                <a:solidFill>
+                  <a:srgbClr val="F8F8F2"/>
+                </a:solidFill>
+                <a:latin typeface="Consolas" panose="020B0609020204030204" pitchFamily="49" charset="0"/>
+              </a:rPr>
+              <a:t>...</a:t>
+            </a:r>
+            <a:endParaRPr lang="en-US" sz="1400" b="0" dirty="0">
+              <a:solidFill>
+                <a:srgbClr val="F8F8F2"/>
+              </a:solidFill>
+              <a:effectLst/>
+              <a:latin typeface="Consolas" panose="020B0609020204030204" pitchFamily="49" charset="0"/>
+            </a:endParaRPr>
+          </a:p>
+          <a:p>
+            <a:r>
+              <a:rPr lang="en-US" sz="1400" b="0" dirty="0">
+                <a:solidFill>
+                  <a:srgbClr val="F8F8F2"/>
+                </a:solidFill>
+                <a:effectLst/>
+                <a:latin typeface="Consolas" panose="020B0609020204030204" pitchFamily="49" charset="0"/>
+              </a:rPr>
+              <a:t>&lt; HTTP/1.1 404 Not Found</a:t>
+            </a:r>
+          </a:p>
+          <a:p>
+            <a:r>
+              <a:rPr lang="en-US" sz="1400" dirty="0">
+                <a:solidFill>
+                  <a:srgbClr val="F8F8F2"/>
+                </a:solidFill>
+                <a:latin typeface="Consolas" panose="020B0609020204030204" pitchFamily="49" charset="0"/>
+              </a:rPr>
+              <a:t>...</a:t>
+            </a:r>
+            <a:endParaRPr lang="en-US" sz="1400" b="0" dirty="0">
+              <a:solidFill>
+                <a:srgbClr val="F8F8F2"/>
+              </a:solidFill>
+              <a:effectLst/>
+              <a:latin typeface="Consolas" panose="020B0609020204030204" pitchFamily="49" charset="0"/>
+            </a:endParaRPr>
+          </a:p>
+        </p:txBody>
+      </p:sp>
+      <p:sp>
+        <p:nvSpPr>
+          <p:cNvPr id="6" name="TextBox 5">
+            <a:extLst>
+              <a:ext uri="{FF2B5EF4-FFF2-40B4-BE49-F238E27FC236}">
+                <a16:creationId xmlns:a16="http://schemas.microsoft.com/office/drawing/2014/main" id="{854BCD33-AA60-7E48-8BD0-471E2413D54A}"/>
+              </a:ext>
+            </a:extLst>
+          </p:cNvPr>
+          <p:cNvSpPr txBox="1"/>
+          <p:nvPr/>
+        </p:nvSpPr>
+        <p:spPr>
+          <a:xfrm>
+            <a:off x="335664" y="4018097"/>
+            <a:ext cx="3375272" cy="369332"/>
+          </a:xfrm>
+          <a:prstGeom prst="rect">
+            <a:avLst/>
+          </a:prstGeom>
+          <a:noFill/>
+        </p:spPr>
+        <p:txBody>
+          <a:bodyPr wrap="square">
+            <a:spAutoFit/>
+          </a:bodyPr>
+          <a:lstStyle/>
+          <a:p>
+            <a:r>
+              <a:rPr lang="en-US" dirty="0" err="1"/>
+              <a:t>Parancssor</a:t>
+            </a:r>
+            <a:endParaRPr lang="hu-HU" dirty="0"/>
+          </a:p>
+        </p:txBody>
+      </p:sp>
     </p:spTree>
     <p:extLst>
       <p:ext uri="{BB962C8B-B14F-4D97-AF65-F5344CB8AC3E}">
@@ -17832,7 +18578,7 @@
 </p:sld>
 </file>
 
-<file path=ppt/slides/slide19.xml><?xml version="1.0" encoding="utf-8"?>
+<file path=ppt/slides/slide18.xml><?xml version="1.0" encoding="utf-8"?>
 <p:sld xmlns:a="http://schemas.openxmlformats.org/drawingml/2006/main" xmlns:r="http://schemas.openxmlformats.org/officeDocument/2006/relationships" xmlns:p="http://schemas.openxmlformats.org/presentationml/2006/main">
   <p:cSld>
     <p:spTree>
@@ -18645,10 +19391,674 @@
           </a:p>
         </p:txBody>
       </p:sp>
+      <p:sp>
+        <p:nvSpPr>
+          <p:cNvPr id="3" name="TextBox 2">
+            <a:extLst>
+              <a:ext uri="{FF2B5EF4-FFF2-40B4-BE49-F238E27FC236}">
+                <a16:creationId xmlns:a16="http://schemas.microsoft.com/office/drawing/2014/main" id="{A6B44E91-089C-6431-6274-E9C77458C843}"/>
+              </a:ext>
+            </a:extLst>
+          </p:cNvPr>
+          <p:cNvSpPr txBox="1"/>
+          <p:nvPr/>
+        </p:nvSpPr>
+        <p:spPr>
+          <a:xfrm>
+            <a:off x="335663" y="5131195"/>
+            <a:ext cx="6820436" cy="1133644"/>
+          </a:xfrm>
+          <a:prstGeom prst="rect">
+            <a:avLst/>
+          </a:prstGeom>
+          <a:solidFill>
+            <a:schemeClr val="bg2">
+              <a:lumMod val="95000"/>
+              <a:lumOff val="5000"/>
+            </a:schemeClr>
+          </a:solidFill>
+          <a:ln w="12700">
+            <a:solidFill>
+              <a:schemeClr val="tx1"/>
+            </a:solidFill>
+          </a:ln>
+        </p:spPr>
+        <p:txBody>
+          <a:bodyPr wrap="square">
+            <a:spAutoFit/>
+          </a:bodyPr>
+          <a:lstStyle/>
+          <a:p>
+            <a:pPr>
+              <a:lnSpc>
+                <a:spcPts val="1425"/>
+              </a:lnSpc>
+            </a:pPr>
+            <a:r>
+              <a:rPr lang="en-US" sz="1400" dirty="0">
+                <a:solidFill>
+                  <a:srgbClr val="909090"/>
+                </a:solidFill>
+              </a:rPr>
+              <a:t>$</a:t>
+            </a:r>
+            <a:r>
+              <a:rPr lang="en-US" sz="1400" b="0" dirty="0">
+                <a:solidFill>
+                  <a:srgbClr val="579DFA"/>
+                </a:solidFill>
+                <a:effectLst/>
+                <a:latin typeface="Consolas" panose="020B0609020204030204" pitchFamily="49" charset="0"/>
+              </a:rPr>
+              <a:t> curl</a:t>
+            </a:r>
+            <a:r>
+              <a:rPr lang="en-US" sz="1400" b="0" dirty="0">
+                <a:solidFill>
+                  <a:srgbClr val="F8F8F2"/>
+                </a:solidFill>
+                <a:effectLst/>
+                <a:latin typeface="Consolas" panose="020B0609020204030204" pitchFamily="49" charset="0"/>
+              </a:rPr>
+              <a:t> </a:t>
+            </a:r>
+            <a:r>
+              <a:rPr lang="en-US" sz="1400" b="0" dirty="0">
+                <a:solidFill>
+                  <a:srgbClr val="FFD86E"/>
+                </a:solidFill>
+                <a:effectLst/>
+                <a:latin typeface="Consolas" panose="020B0609020204030204" pitchFamily="49" charset="0"/>
+              </a:rPr>
+              <a:t>-L</a:t>
+            </a:r>
+            <a:r>
+              <a:rPr lang="en-US" sz="1400" b="0" dirty="0">
+                <a:solidFill>
+                  <a:srgbClr val="F8F8F2"/>
+                </a:solidFill>
+                <a:effectLst/>
+                <a:latin typeface="Consolas" panose="020B0609020204030204" pitchFamily="49" charset="0"/>
+              </a:rPr>
+              <a:t> </a:t>
+            </a:r>
+            <a:r>
+              <a:rPr lang="en-US" sz="1400" b="0" dirty="0">
+                <a:solidFill>
+                  <a:srgbClr val="FFD86E"/>
+                </a:solidFill>
+                <a:effectLst/>
+                <a:latin typeface="Consolas" panose="020B0609020204030204" pitchFamily="49" charset="0"/>
+              </a:rPr>
+              <a:t>"http://</a:t>
+            </a:r>
+            <a:r>
+              <a:rPr lang="en-US" sz="1400" b="0" dirty="0" err="1">
+                <a:solidFill>
+                  <a:srgbClr val="FFD86E"/>
+                </a:solidFill>
+                <a:effectLst/>
+                <a:latin typeface="Consolas" panose="020B0609020204030204" pitchFamily="49" charset="0"/>
+              </a:rPr>
+              <a:t>localhost:3000</a:t>
+            </a:r>
+            <a:r>
+              <a:rPr lang="en-US" sz="1400" b="0" dirty="0">
+                <a:solidFill>
+                  <a:srgbClr val="FFD86E"/>
+                </a:solidFill>
+                <a:effectLst/>
+                <a:latin typeface="Consolas" panose="020B0609020204030204" pitchFamily="49" charset="0"/>
+              </a:rPr>
+              <a:t>/</a:t>
+            </a:r>
+            <a:r>
+              <a:rPr lang="en-US" sz="1400" b="0" dirty="0" err="1">
+                <a:solidFill>
+                  <a:srgbClr val="FFD86E"/>
+                </a:solidFill>
+                <a:effectLst/>
+                <a:latin typeface="Consolas" panose="020B0609020204030204" pitchFamily="49" charset="0"/>
+              </a:rPr>
+              <a:t>api</a:t>
+            </a:r>
+            <a:r>
+              <a:rPr lang="en-US" sz="1400" b="0" dirty="0">
+                <a:solidFill>
+                  <a:srgbClr val="FFD86E"/>
+                </a:solidFill>
+                <a:effectLst/>
+                <a:latin typeface="Consolas" panose="020B0609020204030204" pitchFamily="49" charset="0"/>
+              </a:rPr>
+              <a:t>/example/test"</a:t>
+            </a:r>
+            <a:endParaRPr lang="en-US" sz="1400" b="0" dirty="0">
+              <a:solidFill>
+                <a:srgbClr val="F8F8F2"/>
+              </a:solidFill>
+              <a:effectLst/>
+              <a:latin typeface="Consolas" panose="020B0609020204030204" pitchFamily="49" charset="0"/>
+            </a:endParaRPr>
+          </a:p>
+          <a:p>
+            <a:endParaRPr lang="en-US" sz="1400" b="0" dirty="0">
+              <a:solidFill>
+                <a:srgbClr val="F8F8F2"/>
+              </a:solidFill>
+              <a:effectLst/>
+              <a:latin typeface="Consolas" panose="020B0609020204030204" pitchFamily="49" charset="0"/>
+            </a:endParaRPr>
+          </a:p>
+          <a:p>
+            <a:r>
+              <a:rPr lang="en-US" sz="1400" dirty="0">
+                <a:solidFill>
+                  <a:srgbClr val="F8F8F2"/>
+                </a:solidFill>
+                <a:latin typeface="Consolas" panose="020B0609020204030204" pitchFamily="49" charset="0"/>
+              </a:rPr>
+              <a:t>...</a:t>
+            </a:r>
+            <a:endParaRPr lang="en-US" sz="1400" b="0" dirty="0">
+              <a:solidFill>
+                <a:srgbClr val="F8F8F2"/>
+              </a:solidFill>
+              <a:effectLst/>
+              <a:latin typeface="Consolas" panose="020B0609020204030204" pitchFamily="49" charset="0"/>
+            </a:endParaRPr>
+          </a:p>
+          <a:p>
+            <a:r>
+              <a:rPr lang="en-US" sz="1400" b="0" dirty="0">
+                <a:solidFill>
+                  <a:srgbClr val="F8F8F2"/>
+                </a:solidFill>
+                <a:effectLst/>
+                <a:latin typeface="Consolas" panose="020B0609020204030204" pitchFamily="49" charset="0"/>
+              </a:rPr>
+              <a:t>&lt; HTTP/1.1 404 Not Found</a:t>
+            </a:r>
+          </a:p>
+          <a:p>
+            <a:r>
+              <a:rPr lang="en-US" sz="1400" dirty="0">
+                <a:solidFill>
+                  <a:srgbClr val="F8F8F2"/>
+                </a:solidFill>
+                <a:latin typeface="Consolas" panose="020B0609020204030204" pitchFamily="49" charset="0"/>
+              </a:rPr>
+              <a:t>...</a:t>
+            </a:r>
+            <a:endParaRPr lang="en-US" sz="1400" b="0" dirty="0">
+              <a:solidFill>
+                <a:srgbClr val="F8F8F2"/>
+              </a:solidFill>
+              <a:effectLst/>
+              <a:latin typeface="Consolas" panose="020B0609020204030204" pitchFamily="49" charset="0"/>
+            </a:endParaRPr>
+          </a:p>
+        </p:txBody>
+      </p:sp>
+      <p:sp>
+        <p:nvSpPr>
+          <p:cNvPr id="4" name="TextBox 3">
+            <a:extLst>
+              <a:ext uri="{FF2B5EF4-FFF2-40B4-BE49-F238E27FC236}">
+                <a16:creationId xmlns:a16="http://schemas.microsoft.com/office/drawing/2014/main" id="{B06DC422-CA7C-D6B1-5EBD-E913A57772A1}"/>
+              </a:ext>
+            </a:extLst>
+          </p:cNvPr>
+          <p:cNvSpPr txBox="1"/>
+          <p:nvPr/>
+        </p:nvSpPr>
+        <p:spPr>
+          <a:xfrm>
+            <a:off x="335663" y="4761863"/>
+            <a:ext cx="3375272" cy="369332"/>
+          </a:xfrm>
+          <a:prstGeom prst="rect">
+            <a:avLst/>
+          </a:prstGeom>
+          <a:noFill/>
+        </p:spPr>
+        <p:txBody>
+          <a:bodyPr wrap="square">
+            <a:spAutoFit/>
+          </a:bodyPr>
+          <a:lstStyle/>
+          <a:p>
+            <a:r>
+              <a:rPr lang="en-US" dirty="0" err="1"/>
+              <a:t>Parancssor</a:t>
+            </a:r>
+            <a:endParaRPr lang="hu-HU" dirty="0"/>
+          </a:p>
+        </p:txBody>
+      </p:sp>
     </p:spTree>
     <p:extLst>
       <p:ext uri="{BB962C8B-B14F-4D97-AF65-F5344CB8AC3E}">
         <p14:creationId xmlns:p14="http://schemas.microsoft.com/office/powerpoint/2010/main" val="967940932"/>
+      </p:ext>
+    </p:extLst>
+  </p:cSld>
+  <p:clrMapOvr>
+    <a:masterClrMapping/>
+  </p:clrMapOvr>
+</p:sld>
+</file>
+
+<file path=ppt/slides/slide19.xml><?xml version="1.0" encoding="utf-8"?>
+<p:sld xmlns:a="http://schemas.openxmlformats.org/drawingml/2006/main" xmlns:r="http://schemas.openxmlformats.org/officeDocument/2006/relationships" xmlns:p="http://schemas.openxmlformats.org/presentationml/2006/main">
+  <p:cSld>
+    <p:spTree>
+      <p:nvGrpSpPr>
+        <p:cNvPr id="1" name=""/>
+        <p:cNvGrpSpPr/>
+        <p:nvPr/>
+      </p:nvGrpSpPr>
+      <p:grpSpPr>
+        <a:xfrm>
+          <a:off x="0" y="0"/>
+          <a:ext cx="0" cy="0"/>
+          <a:chOff x="0" y="0"/>
+          <a:chExt cx="0" cy="0"/>
+        </a:xfrm>
+      </p:grpSpPr>
+      <p:sp>
+        <p:nvSpPr>
+          <p:cNvPr id="2" name="Title 1">
+            <a:extLst>
+              <a:ext uri="{FF2B5EF4-FFF2-40B4-BE49-F238E27FC236}">
+                <a16:creationId xmlns:a16="http://schemas.microsoft.com/office/drawing/2014/main" id="{29E05D8F-C1DD-00C2-1031-CE06EE4F70A9}"/>
+              </a:ext>
+            </a:extLst>
+          </p:cNvPr>
+          <p:cNvSpPr>
+            <a:spLocks noGrp="1"/>
+          </p:cNvSpPr>
+          <p:nvPr>
+            <p:ph type="title"/>
+          </p:nvPr>
+        </p:nvSpPr>
+        <p:spPr/>
+        <p:txBody>
+          <a:bodyPr/>
+          <a:lstStyle/>
+          <a:p>
+            <a:r>
+              <a:rPr lang="en-US" dirty="0"/>
+              <a:t>Dependency Injection</a:t>
+            </a:r>
+            <a:endParaRPr lang="hu-HU" dirty="0"/>
+          </a:p>
+        </p:txBody>
+      </p:sp>
+      <p:sp>
+        <p:nvSpPr>
+          <p:cNvPr id="11" name="TextBox 10">
+            <a:extLst>
+              <a:ext uri="{FF2B5EF4-FFF2-40B4-BE49-F238E27FC236}">
+                <a16:creationId xmlns:a16="http://schemas.microsoft.com/office/drawing/2014/main" id="{AD8DAF06-C8BC-20A1-914A-F0DD79455D1B}"/>
+              </a:ext>
+            </a:extLst>
+          </p:cNvPr>
+          <p:cNvSpPr txBox="1"/>
+          <p:nvPr/>
+        </p:nvSpPr>
+        <p:spPr>
+          <a:xfrm>
+            <a:off x="244395" y="2441839"/>
+            <a:ext cx="6093593" cy="1477328"/>
+          </a:xfrm>
+          <a:prstGeom prst="rect">
+            <a:avLst/>
+          </a:prstGeom>
+          <a:solidFill>
+            <a:schemeClr val="bg2">
+              <a:lumMod val="95000"/>
+              <a:lumOff val="5000"/>
+            </a:schemeClr>
+          </a:solidFill>
+          <a:ln w="12700">
+            <a:solidFill>
+              <a:schemeClr val="tx1"/>
+            </a:solidFill>
+          </a:ln>
+        </p:spPr>
+        <p:txBody>
+          <a:bodyPr wrap="square">
+            <a:spAutoFit/>
+          </a:bodyPr>
+          <a:lstStyle/>
+          <a:p>
+            <a:r>
+              <a:rPr lang="en-US" sz="1500" b="0" dirty="0">
+                <a:solidFill>
+                  <a:srgbClr val="579DFA"/>
+                </a:solidFill>
+                <a:effectLst/>
+                <a:latin typeface="Consolas" panose="020B0609020204030204" pitchFamily="49" charset="0"/>
+              </a:rPr>
+              <a:t>@Controller</a:t>
+            </a:r>
+            <a:r>
+              <a:rPr lang="en-US" sz="1500" b="1" dirty="0">
+                <a:solidFill>
+                  <a:srgbClr val="F8F8F2"/>
+                </a:solidFill>
+                <a:effectLst/>
+                <a:latin typeface="Consolas" panose="020B0609020204030204" pitchFamily="49" charset="0"/>
+              </a:rPr>
+              <a:t>(</a:t>
+            </a:r>
+            <a:r>
+              <a:rPr lang="en-US" sz="1500" b="0" dirty="0">
+                <a:solidFill>
+                  <a:srgbClr val="FFD86E"/>
+                </a:solidFill>
+                <a:effectLst/>
+                <a:latin typeface="Consolas" panose="020B0609020204030204" pitchFamily="49" charset="0"/>
+              </a:rPr>
+              <a:t>'/users'</a:t>
+            </a:r>
+            <a:r>
+              <a:rPr lang="en-US" sz="1500" b="1" dirty="0">
+                <a:solidFill>
+                  <a:srgbClr val="F8F8F2"/>
+                </a:solidFill>
+                <a:effectLst/>
+                <a:latin typeface="Consolas" panose="020B0609020204030204" pitchFamily="49" charset="0"/>
+              </a:rPr>
+              <a:t>)</a:t>
+            </a:r>
+            <a:endParaRPr lang="en-US" sz="1500" b="0" dirty="0">
+              <a:solidFill>
+                <a:srgbClr val="F8F8F2"/>
+              </a:solidFill>
+              <a:effectLst/>
+              <a:latin typeface="Consolas" panose="020B0609020204030204" pitchFamily="49" charset="0"/>
+            </a:endParaRPr>
+          </a:p>
+          <a:p>
+            <a:r>
+              <a:rPr lang="en-US" sz="1500" b="0" dirty="0">
+                <a:solidFill>
+                  <a:srgbClr val="E0474B"/>
+                </a:solidFill>
+                <a:effectLst/>
+                <a:latin typeface="Consolas" panose="020B0609020204030204" pitchFamily="49" charset="0"/>
+              </a:rPr>
+              <a:t>export</a:t>
+            </a:r>
+            <a:r>
+              <a:rPr lang="en-US" sz="1500" b="0" dirty="0">
+                <a:solidFill>
+                  <a:srgbClr val="F8F8F2"/>
+                </a:solidFill>
+                <a:effectLst/>
+                <a:latin typeface="Consolas" panose="020B0609020204030204" pitchFamily="49" charset="0"/>
+              </a:rPr>
+              <a:t> </a:t>
+            </a:r>
+            <a:r>
+              <a:rPr lang="en-US" sz="1500" b="0" dirty="0">
+                <a:solidFill>
+                  <a:srgbClr val="E0474B"/>
+                </a:solidFill>
+                <a:effectLst/>
+                <a:latin typeface="Consolas" panose="020B0609020204030204" pitchFamily="49" charset="0"/>
+              </a:rPr>
+              <a:t>class</a:t>
+            </a:r>
+            <a:r>
+              <a:rPr lang="en-US" sz="1500" b="0" dirty="0">
+                <a:solidFill>
+                  <a:srgbClr val="F8F8F2"/>
+                </a:solidFill>
+                <a:effectLst/>
+                <a:latin typeface="Consolas" panose="020B0609020204030204" pitchFamily="49" charset="0"/>
+              </a:rPr>
+              <a:t> </a:t>
+            </a:r>
+            <a:r>
+              <a:rPr lang="en-US" sz="1500" dirty="0" err="1">
+                <a:solidFill>
+                  <a:srgbClr val="FCA57E"/>
+                </a:solidFill>
+                <a:latin typeface="Consolas" panose="020B0609020204030204" pitchFamily="49" charset="0"/>
+              </a:rPr>
+              <a:t>User</a:t>
+            </a:r>
+            <a:r>
+              <a:rPr lang="en-US" sz="1500" b="0" dirty="0" err="1">
+                <a:solidFill>
+                  <a:srgbClr val="FCA57E"/>
+                </a:solidFill>
+                <a:effectLst/>
+                <a:latin typeface="Consolas" panose="020B0609020204030204" pitchFamily="49" charset="0"/>
+              </a:rPr>
+              <a:t>Controller</a:t>
+            </a:r>
+            <a:r>
+              <a:rPr lang="en-US" sz="1500" b="0" dirty="0">
+                <a:solidFill>
+                  <a:srgbClr val="F8F8F2"/>
+                </a:solidFill>
+                <a:effectLst/>
+                <a:latin typeface="Consolas" panose="020B0609020204030204" pitchFamily="49" charset="0"/>
+              </a:rPr>
+              <a:t> {</a:t>
+            </a:r>
+          </a:p>
+          <a:p>
+            <a:r>
+              <a:rPr lang="en-US" sz="1500" b="0" dirty="0">
+                <a:solidFill>
+                  <a:srgbClr val="F8F8F2"/>
+                </a:solidFill>
+                <a:effectLst/>
+                <a:latin typeface="Consolas" panose="020B0609020204030204" pitchFamily="49" charset="0"/>
+              </a:rPr>
+              <a:t>  </a:t>
+            </a:r>
+            <a:r>
+              <a:rPr lang="en-US" sz="1500" b="0" dirty="0">
+                <a:solidFill>
+                  <a:schemeClr val="bg2">
+                    <a:lumMod val="95000"/>
+                    <a:lumOff val="5000"/>
+                  </a:schemeClr>
+                </a:solidFill>
+                <a:effectLst/>
+                <a:latin typeface="Consolas" panose="020B0609020204030204" pitchFamily="49" charset="0"/>
+              </a:rPr>
+              <a:t>  public constructor(</a:t>
+            </a:r>
+          </a:p>
+          <a:p>
+            <a:r>
+              <a:rPr lang="en-US" sz="1500" dirty="0">
+                <a:solidFill>
+                  <a:schemeClr val="bg2">
+                    <a:lumMod val="95000"/>
+                    <a:lumOff val="5000"/>
+                  </a:schemeClr>
+                </a:solidFill>
+                <a:latin typeface="Consolas" panose="020B0609020204030204" pitchFamily="49" charset="0"/>
+              </a:rPr>
+              <a:t>		</a:t>
+            </a:r>
+            <a:r>
+              <a:rPr lang="en-US" sz="1500" b="0" dirty="0">
+                <a:solidFill>
+                  <a:schemeClr val="bg2">
+                    <a:lumMod val="95000"/>
+                    <a:lumOff val="5000"/>
+                  </a:schemeClr>
+                </a:solidFill>
+                <a:effectLst/>
+                <a:latin typeface="Consolas" panose="020B0609020204030204" pitchFamily="49" charset="0"/>
+              </a:rPr>
+              <a:t>private </a:t>
+            </a:r>
+            <a:r>
+              <a:rPr lang="en-US" sz="1500" b="0" dirty="0" err="1">
+                <a:solidFill>
+                  <a:schemeClr val="bg2">
+                    <a:lumMod val="95000"/>
+                    <a:lumOff val="5000"/>
+                  </a:schemeClr>
+                </a:solidFill>
+                <a:effectLst/>
+                <a:latin typeface="Consolas" panose="020B0609020204030204" pitchFamily="49" charset="0"/>
+              </a:rPr>
+              <a:t>readonly</a:t>
+            </a:r>
+            <a:r>
+              <a:rPr lang="en-US" sz="1500" b="0" dirty="0">
+                <a:solidFill>
+                  <a:schemeClr val="bg2">
+                    <a:lumMod val="95000"/>
+                    <a:lumOff val="5000"/>
+                  </a:schemeClr>
+                </a:solidFill>
+                <a:effectLst/>
+                <a:latin typeface="Consolas" panose="020B0609020204030204" pitchFamily="49" charset="0"/>
+              </a:rPr>
+              <a:t> </a:t>
+            </a:r>
+            <a:r>
+              <a:rPr lang="en-US" sz="1500" b="0" dirty="0" err="1">
+                <a:solidFill>
+                  <a:schemeClr val="bg2">
+                    <a:lumMod val="95000"/>
+                    <a:lumOff val="5000"/>
+                  </a:schemeClr>
+                </a:solidFill>
+                <a:effectLst/>
+                <a:latin typeface="Consolas" panose="020B0609020204030204" pitchFamily="49" charset="0"/>
+              </a:rPr>
+              <a:t>userService</a:t>
+            </a:r>
+            <a:r>
+              <a:rPr lang="en-US" sz="1500" b="0" dirty="0">
+                <a:solidFill>
+                  <a:schemeClr val="bg2">
+                    <a:lumMod val="95000"/>
+                    <a:lumOff val="5000"/>
+                  </a:schemeClr>
+                </a:solidFill>
+                <a:effectLst/>
+                <a:latin typeface="Consolas" panose="020B0609020204030204" pitchFamily="49" charset="0"/>
+              </a:rPr>
+              <a:t>: </a:t>
+            </a:r>
+            <a:r>
+              <a:rPr lang="en-US" sz="1500" b="0" dirty="0" err="1">
+                <a:solidFill>
+                  <a:schemeClr val="bg2">
+                    <a:lumMod val="95000"/>
+                    <a:lumOff val="5000"/>
+                  </a:schemeClr>
+                </a:solidFill>
+                <a:effectLst/>
+                <a:latin typeface="Consolas" panose="020B0609020204030204" pitchFamily="49" charset="0"/>
+              </a:rPr>
+              <a:t>UserSevice</a:t>
+            </a:r>
+            <a:endParaRPr lang="en-US" sz="1500" b="0" dirty="0">
+              <a:solidFill>
+                <a:schemeClr val="bg2">
+                  <a:lumMod val="95000"/>
+                  <a:lumOff val="5000"/>
+                </a:schemeClr>
+              </a:solidFill>
+              <a:effectLst/>
+              <a:latin typeface="Consolas" panose="020B0609020204030204" pitchFamily="49" charset="0"/>
+            </a:endParaRPr>
+          </a:p>
+          <a:p>
+            <a:r>
+              <a:rPr lang="en-US" sz="1500" dirty="0">
+                <a:solidFill>
+                  <a:schemeClr val="bg2">
+                    <a:lumMod val="95000"/>
+                    <a:lumOff val="5000"/>
+                  </a:schemeClr>
+                </a:solidFill>
+                <a:latin typeface="Consolas" panose="020B0609020204030204" pitchFamily="49" charset="0"/>
+              </a:rPr>
+              <a:t>	</a:t>
+            </a:r>
+            <a:r>
+              <a:rPr lang="en-US" sz="1500" b="0" dirty="0">
+                <a:solidFill>
+                  <a:schemeClr val="bg2">
+                    <a:lumMod val="95000"/>
+                    <a:lumOff val="5000"/>
+                  </a:schemeClr>
+                </a:solidFill>
+                <a:effectLst/>
+                <a:latin typeface="Consolas" panose="020B0609020204030204" pitchFamily="49" charset="0"/>
+              </a:rPr>
+              <a:t>) {} </a:t>
+            </a:r>
+          </a:p>
+          <a:p>
+            <a:r>
+              <a:rPr lang="en-US" sz="1500" b="0" dirty="0">
+                <a:solidFill>
+                  <a:srgbClr val="F8F8F2"/>
+                </a:solidFill>
+                <a:effectLst/>
+                <a:latin typeface="Consolas" panose="020B0609020204030204" pitchFamily="49" charset="0"/>
+              </a:rPr>
+              <a:t>}</a:t>
+            </a:r>
+          </a:p>
+        </p:txBody>
+      </p:sp>
+      <p:sp>
+        <p:nvSpPr>
+          <p:cNvPr id="12" name="TextBox 11">
+            <a:extLst>
+              <a:ext uri="{FF2B5EF4-FFF2-40B4-BE49-F238E27FC236}">
+                <a16:creationId xmlns:a16="http://schemas.microsoft.com/office/drawing/2014/main" id="{A2F15EDD-902B-1A4A-45A9-5E8706F60F4B}"/>
+              </a:ext>
+            </a:extLst>
+          </p:cNvPr>
+          <p:cNvSpPr txBox="1"/>
+          <p:nvPr/>
+        </p:nvSpPr>
+        <p:spPr>
+          <a:xfrm>
+            <a:off x="240385" y="2072507"/>
+            <a:ext cx="2912917" cy="369332"/>
+          </a:xfrm>
+          <a:prstGeom prst="rect">
+            <a:avLst/>
+          </a:prstGeom>
+          <a:noFill/>
+        </p:spPr>
+        <p:txBody>
+          <a:bodyPr wrap="square">
+            <a:spAutoFit/>
+          </a:bodyPr>
+          <a:lstStyle/>
+          <a:p>
+            <a:r>
+              <a:rPr lang="en-US" dirty="0" err="1"/>
+              <a:t>user.controller.ts</a:t>
+            </a:r>
+            <a:endParaRPr lang="hu-HU" dirty="0"/>
+          </a:p>
+        </p:txBody>
+      </p:sp>
+    </p:spTree>
+    <p:extLst>
+      <p:ext uri="{BB962C8B-B14F-4D97-AF65-F5344CB8AC3E}">
+        <p14:creationId xmlns:p14="http://schemas.microsoft.com/office/powerpoint/2010/main" val="4183952603"/>
       </p:ext>
     </p:extLst>
   </p:cSld>
@@ -18875,426 +20285,6 @@
   <p:cSld>
     <p:spTree>
       <p:nvGrpSpPr>
-        <p:cNvPr id="1" name=""/>
-        <p:cNvGrpSpPr/>
-        <p:nvPr/>
-      </p:nvGrpSpPr>
-      <p:grpSpPr>
-        <a:xfrm>
-          <a:off x="0" y="0"/>
-          <a:ext cx="0" cy="0"/>
-          <a:chOff x="0" y="0"/>
-          <a:chExt cx="0" cy="0"/>
-        </a:xfrm>
-      </p:grpSpPr>
-      <p:sp>
-        <p:nvSpPr>
-          <p:cNvPr id="2" name="Title 1">
-            <a:extLst>
-              <a:ext uri="{FF2B5EF4-FFF2-40B4-BE49-F238E27FC236}">
-                <a16:creationId xmlns:a16="http://schemas.microsoft.com/office/drawing/2014/main" id="{29E05D8F-C1DD-00C2-1031-CE06EE4F70A9}"/>
-              </a:ext>
-            </a:extLst>
-          </p:cNvPr>
-          <p:cNvSpPr>
-            <a:spLocks noGrp="1"/>
-          </p:cNvSpPr>
-          <p:nvPr>
-            <p:ph type="title"/>
-          </p:nvPr>
-        </p:nvSpPr>
-        <p:spPr/>
-        <p:txBody>
-          <a:bodyPr/>
-          <a:lstStyle/>
-          <a:p>
-            <a:r>
-              <a:rPr lang="en-US" dirty="0"/>
-              <a:t>Dependency Injection</a:t>
-            </a:r>
-            <a:endParaRPr lang="hu-HU" dirty="0"/>
-          </a:p>
-        </p:txBody>
-      </p:sp>
-      <p:sp>
-        <p:nvSpPr>
-          <p:cNvPr id="11" name="TextBox 10">
-            <a:extLst>
-              <a:ext uri="{FF2B5EF4-FFF2-40B4-BE49-F238E27FC236}">
-                <a16:creationId xmlns:a16="http://schemas.microsoft.com/office/drawing/2014/main" id="{AD8DAF06-C8BC-20A1-914A-F0DD79455D1B}"/>
-              </a:ext>
-            </a:extLst>
-          </p:cNvPr>
-          <p:cNvSpPr txBox="1"/>
-          <p:nvPr/>
-        </p:nvSpPr>
-        <p:spPr>
-          <a:xfrm>
-            <a:off x="244395" y="2441839"/>
-            <a:ext cx="6093593" cy="1477328"/>
-          </a:xfrm>
-          <a:prstGeom prst="rect">
-            <a:avLst/>
-          </a:prstGeom>
-          <a:solidFill>
-            <a:schemeClr val="bg2">
-              <a:lumMod val="95000"/>
-              <a:lumOff val="5000"/>
-            </a:schemeClr>
-          </a:solidFill>
-          <a:ln w="12700">
-            <a:solidFill>
-              <a:schemeClr val="tx1"/>
-            </a:solidFill>
-          </a:ln>
-        </p:spPr>
-        <p:txBody>
-          <a:bodyPr wrap="square">
-            <a:spAutoFit/>
-          </a:bodyPr>
-          <a:lstStyle/>
-          <a:p>
-            <a:r>
-              <a:rPr lang="en-US" sz="1500" b="0" dirty="0">
-                <a:solidFill>
-                  <a:srgbClr val="579DFA"/>
-                </a:solidFill>
-                <a:effectLst/>
-                <a:latin typeface="Consolas" panose="020B0609020204030204" pitchFamily="49" charset="0"/>
-              </a:rPr>
-              <a:t>@Controller</a:t>
-            </a:r>
-            <a:r>
-              <a:rPr lang="en-US" sz="1500" b="1" dirty="0">
-                <a:solidFill>
-                  <a:srgbClr val="F8F8F2"/>
-                </a:solidFill>
-                <a:effectLst/>
-                <a:latin typeface="Consolas" panose="020B0609020204030204" pitchFamily="49" charset="0"/>
-              </a:rPr>
-              <a:t>(</a:t>
-            </a:r>
-            <a:r>
-              <a:rPr lang="en-US" sz="1500" b="0" dirty="0">
-                <a:solidFill>
-                  <a:srgbClr val="FFD86E"/>
-                </a:solidFill>
-                <a:effectLst/>
-                <a:latin typeface="Consolas" panose="020B0609020204030204" pitchFamily="49" charset="0"/>
-              </a:rPr>
-              <a:t>'/users'</a:t>
-            </a:r>
-            <a:r>
-              <a:rPr lang="en-US" sz="1500" b="1" dirty="0">
-                <a:solidFill>
-                  <a:srgbClr val="F8F8F2"/>
-                </a:solidFill>
-                <a:effectLst/>
-                <a:latin typeface="Consolas" panose="020B0609020204030204" pitchFamily="49" charset="0"/>
-              </a:rPr>
-              <a:t>)</a:t>
-            </a:r>
-            <a:endParaRPr lang="en-US" sz="1500" b="0" dirty="0">
-              <a:solidFill>
-                <a:srgbClr val="F8F8F2"/>
-              </a:solidFill>
-              <a:effectLst/>
-              <a:latin typeface="Consolas" panose="020B0609020204030204" pitchFamily="49" charset="0"/>
-            </a:endParaRPr>
-          </a:p>
-          <a:p>
-            <a:r>
-              <a:rPr lang="en-US" sz="1500" b="0" dirty="0">
-                <a:solidFill>
-                  <a:srgbClr val="E0474B"/>
-                </a:solidFill>
-                <a:effectLst/>
-                <a:latin typeface="Consolas" panose="020B0609020204030204" pitchFamily="49" charset="0"/>
-              </a:rPr>
-              <a:t>export</a:t>
-            </a:r>
-            <a:r>
-              <a:rPr lang="en-US" sz="1500" b="0" dirty="0">
-                <a:solidFill>
-                  <a:srgbClr val="F8F8F2"/>
-                </a:solidFill>
-                <a:effectLst/>
-                <a:latin typeface="Consolas" panose="020B0609020204030204" pitchFamily="49" charset="0"/>
-              </a:rPr>
-              <a:t> </a:t>
-            </a:r>
-            <a:r>
-              <a:rPr lang="en-US" sz="1500" b="0" dirty="0">
-                <a:solidFill>
-                  <a:srgbClr val="E0474B"/>
-                </a:solidFill>
-                <a:effectLst/>
-                <a:latin typeface="Consolas" panose="020B0609020204030204" pitchFamily="49" charset="0"/>
-              </a:rPr>
-              <a:t>class</a:t>
-            </a:r>
-            <a:r>
-              <a:rPr lang="en-US" sz="1500" b="0" dirty="0">
-                <a:solidFill>
-                  <a:srgbClr val="F8F8F2"/>
-                </a:solidFill>
-                <a:effectLst/>
-                <a:latin typeface="Consolas" panose="020B0609020204030204" pitchFamily="49" charset="0"/>
-              </a:rPr>
-              <a:t> </a:t>
-            </a:r>
-            <a:r>
-              <a:rPr lang="en-US" sz="1500" dirty="0" err="1">
-                <a:solidFill>
-                  <a:srgbClr val="FCA57E"/>
-                </a:solidFill>
-                <a:latin typeface="Consolas" panose="020B0609020204030204" pitchFamily="49" charset="0"/>
-              </a:rPr>
-              <a:t>User</a:t>
-            </a:r>
-            <a:r>
-              <a:rPr lang="en-US" sz="1500" b="0" dirty="0" err="1">
-                <a:solidFill>
-                  <a:srgbClr val="FCA57E"/>
-                </a:solidFill>
-                <a:effectLst/>
-                <a:latin typeface="Consolas" panose="020B0609020204030204" pitchFamily="49" charset="0"/>
-              </a:rPr>
-              <a:t>Controller</a:t>
-            </a:r>
-            <a:r>
-              <a:rPr lang="en-US" sz="1500" b="0" dirty="0">
-                <a:solidFill>
-                  <a:srgbClr val="F8F8F2"/>
-                </a:solidFill>
-                <a:effectLst/>
-                <a:latin typeface="Consolas" panose="020B0609020204030204" pitchFamily="49" charset="0"/>
-              </a:rPr>
-              <a:t> {</a:t>
-            </a:r>
-          </a:p>
-          <a:p>
-            <a:r>
-              <a:rPr lang="en-US" sz="1500" b="0" dirty="0">
-                <a:solidFill>
-                  <a:srgbClr val="F8F8F2"/>
-                </a:solidFill>
-                <a:effectLst/>
-                <a:latin typeface="Consolas" panose="020B0609020204030204" pitchFamily="49" charset="0"/>
-              </a:rPr>
-              <a:t>  </a:t>
-            </a:r>
-            <a:r>
-              <a:rPr lang="en-US" sz="1500" b="0" dirty="0">
-                <a:solidFill>
-                  <a:schemeClr val="bg2">
-                    <a:lumMod val="95000"/>
-                    <a:lumOff val="5000"/>
-                  </a:schemeClr>
-                </a:solidFill>
-                <a:effectLst/>
-                <a:latin typeface="Consolas" panose="020B0609020204030204" pitchFamily="49" charset="0"/>
-              </a:rPr>
-              <a:t>  public constructor(</a:t>
-            </a:r>
-          </a:p>
-          <a:p>
-            <a:r>
-              <a:rPr lang="en-US" sz="1500" dirty="0">
-                <a:solidFill>
-                  <a:schemeClr val="bg2">
-                    <a:lumMod val="95000"/>
-                    <a:lumOff val="5000"/>
-                  </a:schemeClr>
-                </a:solidFill>
-                <a:latin typeface="Consolas" panose="020B0609020204030204" pitchFamily="49" charset="0"/>
-              </a:rPr>
-              <a:t>		</a:t>
-            </a:r>
-            <a:r>
-              <a:rPr lang="en-US" sz="1500" b="0" dirty="0">
-                <a:solidFill>
-                  <a:schemeClr val="bg2">
-                    <a:lumMod val="95000"/>
-                    <a:lumOff val="5000"/>
-                  </a:schemeClr>
-                </a:solidFill>
-                <a:effectLst/>
-                <a:latin typeface="Consolas" panose="020B0609020204030204" pitchFamily="49" charset="0"/>
-              </a:rPr>
-              <a:t>private </a:t>
-            </a:r>
-            <a:r>
-              <a:rPr lang="en-US" sz="1500" b="0" dirty="0" err="1">
-                <a:solidFill>
-                  <a:schemeClr val="bg2">
-                    <a:lumMod val="95000"/>
-                    <a:lumOff val="5000"/>
-                  </a:schemeClr>
-                </a:solidFill>
-                <a:effectLst/>
-                <a:latin typeface="Consolas" panose="020B0609020204030204" pitchFamily="49" charset="0"/>
-              </a:rPr>
-              <a:t>readonly</a:t>
-            </a:r>
-            <a:r>
-              <a:rPr lang="en-US" sz="1500" b="0" dirty="0">
-                <a:solidFill>
-                  <a:schemeClr val="bg2">
-                    <a:lumMod val="95000"/>
-                    <a:lumOff val="5000"/>
-                  </a:schemeClr>
-                </a:solidFill>
-                <a:effectLst/>
-                <a:latin typeface="Consolas" panose="020B0609020204030204" pitchFamily="49" charset="0"/>
-              </a:rPr>
-              <a:t> </a:t>
-            </a:r>
-            <a:r>
-              <a:rPr lang="en-US" sz="1500" b="0" dirty="0" err="1">
-                <a:solidFill>
-                  <a:schemeClr val="bg2">
-                    <a:lumMod val="95000"/>
-                    <a:lumOff val="5000"/>
-                  </a:schemeClr>
-                </a:solidFill>
-                <a:effectLst/>
-                <a:latin typeface="Consolas" panose="020B0609020204030204" pitchFamily="49" charset="0"/>
-              </a:rPr>
-              <a:t>userService</a:t>
-            </a:r>
-            <a:r>
-              <a:rPr lang="en-US" sz="1500" b="0" dirty="0">
-                <a:solidFill>
-                  <a:schemeClr val="bg2">
-                    <a:lumMod val="95000"/>
-                    <a:lumOff val="5000"/>
-                  </a:schemeClr>
-                </a:solidFill>
-                <a:effectLst/>
-                <a:latin typeface="Consolas" panose="020B0609020204030204" pitchFamily="49" charset="0"/>
-              </a:rPr>
-              <a:t>: </a:t>
-            </a:r>
-            <a:r>
-              <a:rPr lang="en-US" sz="1500" b="0" dirty="0" err="1">
-                <a:solidFill>
-                  <a:schemeClr val="bg2">
-                    <a:lumMod val="95000"/>
-                    <a:lumOff val="5000"/>
-                  </a:schemeClr>
-                </a:solidFill>
-                <a:effectLst/>
-                <a:latin typeface="Consolas" panose="020B0609020204030204" pitchFamily="49" charset="0"/>
-              </a:rPr>
-              <a:t>UserSevice</a:t>
-            </a:r>
-            <a:endParaRPr lang="en-US" sz="1500" b="0" dirty="0">
-              <a:solidFill>
-                <a:schemeClr val="bg2">
-                  <a:lumMod val="95000"/>
-                  <a:lumOff val="5000"/>
-                </a:schemeClr>
-              </a:solidFill>
-              <a:effectLst/>
-              <a:latin typeface="Consolas" panose="020B0609020204030204" pitchFamily="49" charset="0"/>
-            </a:endParaRPr>
-          </a:p>
-          <a:p>
-            <a:r>
-              <a:rPr lang="en-US" sz="1500" dirty="0">
-                <a:solidFill>
-                  <a:schemeClr val="bg2">
-                    <a:lumMod val="95000"/>
-                    <a:lumOff val="5000"/>
-                  </a:schemeClr>
-                </a:solidFill>
-                <a:latin typeface="Consolas" panose="020B0609020204030204" pitchFamily="49" charset="0"/>
-              </a:rPr>
-              <a:t>	</a:t>
-            </a:r>
-            <a:r>
-              <a:rPr lang="en-US" sz="1500" b="0" dirty="0">
-                <a:solidFill>
-                  <a:schemeClr val="bg2">
-                    <a:lumMod val="95000"/>
-                    <a:lumOff val="5000"/>
-                  </a:schemeClr>
-                </a:solidFill>
-                <a:effectLst/>
-                <a:latin typeface="Consolas" panose="020B0609020204030204" pitchFamily="49" charset="0"/>
-              </a:rPr>
-              <a:t>) {} </a:t>
-            </a:r>
-          </a:p>
-          <a:p>
-            <a:r>
-              <a:rPr lang="en-US" sz="1500" b="0" dirty="0">
-                <a:solidFill>
-                  <a:srgbClr val="F8F8F2"/>
-                </a:solidFill>
-                <a:effectLst/>
-                <a:latin typeface="Consolas" panose="020B0609020204030204" pitchFamily="49" charset="0"/>
-              </a:rPr>
-              <a:t>}</a:t>
-            </a:r>
-          </a:p>
-        </p:txBody>
-      </p:sp>
-      <p:sp>
-        <p:nvSpPr>
-          <p:cNvPr id="12" name="TextBox 11">
-            <a:extLst>
-              <a:ext uri="{FF2B5EF4-FFF2-40B4-BE49-F238E27FC236}">
-                <a16:creationId xmlns:a16="http://schemas.microsoft.com/office/drawing/2014/main" id="{A2F15EDD-902B-1A4A-45A9-5E8706F60F4B}"/>
-              </a:ext>
-            </a:extLst>
-          </p:cNvPr>
-          <p:cNvSpPr txBox="1"/>
-          <p:nvPr/>
-        </p:nvSpPr>
-        <p:spPr>
-          <a:xfrm>
-            <a:off x="240385" y="2072507"/>
-            <a:ext cx="2912917" cy="369332"/>
-          </a:xfrm>
-          <a:prstGeom prst="rect">
-            <a:avLst/>
-          </a:prstGeom>
-          <a:noFill/>
-        </p:spPr>
-        <p:txBody>
-          <a:bodyPr wrap="square">
-            <a:spAutoFit/>
-          </a:bodyPr>
-          <a:lstStyle/>
-          <a:p>
-            <a:r>
-              <a:rPr lang="en-US" dirty="0" err="1"/>
-              <a:t>user.controller.ts</a:t>
-            </a:r>
-            <a:endParaRPr lang="hu-HU" dirty="0"/>
-          </a:p>
-        </p:txBody>
-      </p:sp>
-    </p:spTree>
-    <p:extLst>
-      <p:ext uri="{BB962C8B-B14F-4D97-AF65-F5344CB8AC3E}">
-        <p14:creationId xmlns:p14="http://schemas.microsoft.com/office/powerpoint/2010/main" val="4183952603"/>
-      </p:ext>
-    </p:extLst>
-  </p:cSld>
-  <p:clrMapOvr>
-    <a:masterClrMapping/>
-  </p:clrMapOvr>
-</p:sld>
-</file>
-
-<file path=ppt/slides/slide21.xml><?xml version="1.0" encoding="utf-8"?>
-<p:sld xmlns:a="http://schemas.openxmlformats.org/drawingml/2006/main" xmlns:r="http://schemas.openxmlformats.org/officeDocument/2006/relationships" xmlns:p="http://schemas.openxmlformats.org/presentationml/2006/main">
-  <p:cSld>
-    <p:spTree>
-      <p:nvGrpSpPr>
         <p:cNvPr id="1" name="">
           <a:extLst>
             <a:ext uri="{FF2B5EF4-FFF2-40B4-BE49-F238E27FC236}">
@@ -21070,7 +22060,7 @@
 </p:sld>
 </file>
 
-<file path=ppt/slides/slide22.xml><?xml version="1.0" encoding="utf-8"?>
+<file path=ppt/slides/slide21.xml><?xml version="1.0" encoding="utf-8"?>
 <p:sld xmlns:a="http://schemas.openxmlformats.org/drawingml/2006/main" xmlns:r="http://schemas.openxmlformats.org/officeDocument/2006/relationships" xmlns:p="http://schemas.openxmlformats.org/presentationml/2006/main">
   <p:cSld>
     <p:spTree>
@@ -22867,7 +23857,7 @@
 </p:sld>
 </file>
 
-<file path=ppt/slides/slide23.xml><?xml version="1.0" encoding="utf-8"?>
+<file path=ppt/slides/slide22.xml><?xml version="1.0" encoding="utf-8"?>
 <p:sld xmlns:a="http://schemas.openxmlformats.org/drawingml/2006/main" xmlns:r="http://schemas.openxmlformats.org/officeDocument/2006/relationships" xmlns:p="http://schemas.openxmlformats.org/presentationml/2006/main">
   <p:cSld>
     <p:spTree>
@@ -25006,7 +25996,7 @@
 </p:sld>
 </file>
 
-<file path=ppt/slides/slide24.xml><?xml version="1.0" encoding="utf-8"?>
+<file path=ppt/slides/slide23.xml><?xml version="1.0" encoding="utf-8"?>
 <p:sld xmlns:a="http://schemas.openxmlformats.org/drawingml/2006/main" xmlns:r="http://schemas.openxmlformats.org/officeDocument/2006/relationships" xmlns:p="http://schemas.openxmlformats.org/presentationml/2006/main">
   <p:cSld>
     <p:spTree>
@@ -26479,7 +27469,7 @@
 </p:sld>
 </file>
 
-<file path=ppt/slides/slide25.xml><?xml version="1.0" encoding="utf-8"?>
+<file path=ppt/slides/slide24.xml><?xml version="1.0" encoding="utf-8"?>
 <p:sld xmlns:a="http://schemas.openxmlformats.org/drawingml/2006/main" xmlns:r="http://schemas.openxmlformats.org/officeDocument/2006/relationships" xmlns:p="http://schemas.openxmlformats.org/presentationml/2006/main">
   <p:cSld>
     <p:spTree>
@@ -26553,8 +27543,8 @@
         </p:nvSpPr>
         <p:spPr>
           <a:xfrm>
-            <a:off x="335665" y="1576717"/>
-            <a:ext cx="7548702" cy="2062103"/>
+            <a:off x="335664" y="1576717"/>
+            <a:ext cx="8596667" cy="4524315"/>
           </a:xfrm>
           <a:prstGeom prst="rect">
             <a:avLst/>
@@ -27010,6 +28000,576 @@
                 <a:latin typeface="Consolas" panose="020B0609020204030204" pitchFamily="49" charset="0"/>
               </a:rPr>
               <a:t>)</a:t>
+            </a:r>
+            <a:r>
+              <a:rPr lang="hu-HU" sz="1600" b="0" dirty="0">
+                <a:solidFill>
+                  <a:srgbClr val="F8F8F2"/>
+                </a:solidFill>
+                <a:effectLst/>
+                <a:latin typeface="Consolas" panose="020B0609020204030204" pitchFamily="49" charset="0"/>
+              </a:rPr>
+              <a:t>;</a:t>
+            </a:r>
+          </a:p>
+          <a:p>
+            <a:r>
+              <a:rPr lang="hu-HU" sz="1600" b="0" dirty="0">
+                <a:solidFill>
+                  <a:srgbClr val="F8F8F2"/>
+                </a:solidFill>
+                <a:effectLst/>
+                <a:latin typeface="Consolas" panose="020B0609020204030204" pitchFamily="49" charset="0"/>
+              </a:rPr>
+              <a:t>    }</a:t>
+            </a:r>
+            <a:endParaRPr lang="en-US" sz="1600" b="0" dirty="0">
+              <a:solidFill>
+                <a:srgbClr val="F8F8F2"/>
+              </a:solidFill>
+              <a:effectLst/>
+              <a:latin typeface="Consolas" panose="020B0609020204030204" pitchFamily="49" charset="0"/>
+            </a:endParaRPr>
+          </a:p>
+          <a:p>
+            <a:endParaRPr lang="en-US" sz="1600" dirty="0">
+              <a:solidFill>
+                <a:srgbClr val="F8F8F2"/>
+              </a:solidFill>
+              <a:latin typeface="Consolas" panose="020B0609020204030204" pitchFamily="49" charset="0"/>
+            </a:endParaRPr>
+          </a:p>
+          <a:p>
+            <a:r>
+              <a:rPr lang="en-US" sz="1600" b="0" dirty="0">
+                <a:solidFill>
+                  <a:srgbClr val="F8F8F2"/>
+                </a:solidFill>
+                <a:effectLst/>
+                <a:latin typeface="Consolas" panose="020B0609020204030204" pitchFamily="49" charset="0"/>
+              </a:rPr>
+              <a:t>	</a:t>
+            </a:r>
+            <a:r>
+              <a:rPr lang="hu-HU" sz="1600" b="0" dirty="0">
+                <a:solidFill>
+                  <a:srgbClr val="E0474B"/>
+                </a:solidFill>
+                <a:effectLst/>
+                <a:latin typeface="Consolas" panose="020B0609020204030204" pitchFamily="49" charset="0"/>
+              </a:rPr>
+              <a:t>public</a:t>
+            </a:r>
+            <a:r>
+              <a:rPr lang="hu-HU" sz="1600" b="0" dirty="0">
+                <a:solidFill>
+                  <a:srgbClr val="F8F8F2"/>
+                </a:solidFill>
+                <a:effectLst/>
+                <a:latin typeface="Consolas" panose="020B0609020204030204" pitchFamily="49" charset="0"/>
+              </a:rPr>
+              <a:t> </a:t>
+            </a:r>
+            <a:r>
+              <a:rPr lang="hu-HU" sz="1600" b="0" dirty="0">
+                <a:solidFill>
+                  <a:srgbClr val="E0474B"/>
+                </a:solidFill>
+                <a:effectLst/>
+                <a:latin typeface="Consolas" panose="020B0609020204030204" pitchFamily="49" charset="0"/>
+              </a:rPr>
+              <a:t>async</a:t>
+            </a:r>
+            <a:r>
+              <a:rPr lang="hu-HU" sz="1600" b="0" dirty="0">
+                <a:solidFill>
+                  <a:srgbClr val="F8F8F2"/>
+                </a:solidFill>
+                <a:effectLst/>
+                <a:latin typeface="Consolas" panose="020B0609020204030204" pitchFamily="49" charset="0"/>
+              </a:rPr>
+              <a:t> </a:t>
+            </a:r>
+            <a:r>
+              <a:rPr lang="hu-HU" sz="1600" b="0" dirty="0">
+                <a:solidFill>
+                  <a:srgbClr val="579DFA"/>
+                </a:solidFill>
+                <a:effectLst/>
+                <a:latin typeface="Consolas" panose="020B0609020204030204" pitchFamily="49" charset="0"/>
+              </a:rPr>
+              <a:t>findByEmail</a:t>
+            </a:r>
+            <a:r>
+              <a:rPr lang="hu-HU" sz="1600" b="0" dirty="0">
+                <a:solidFill>
+                  <a:srgbClr val="F8F8F2"/>
+                </a:solidFill>
+                <a:effectLst/>
+                <a:latin typeface="Consolas" panose="020B0609020204030204" pitchFamily="49" charset="0"/>
+              </a:rPr>
+              <a:t>(</a:t>
+            </a:r>
+            <a:r>
+              <a:rPr lang="hu-HU" sz="1600" b="0" dirty="0">
+                <a:solidFill>
+                  <a:srgbClr val="FFD86E"/>
+                </a:solidFill>
+                <a:effectLst/>
+                <a:latin typeface="Consolas" panose="020B0609020204030204" pitchFamily="49" charset="0"/>
+              </a:rPr>
+              <a:t>email</a:t>
+            </a:r>
+            <a:r>
+              <a:rPr lang="hu-HU" sz="1600" b="0" dirty="0">
+                <a:solidFill>
+                  <a:srgbClr val="FF6363"/>
+                </a:solidFill>
+                <a:effectLst/>
+                <a:latin typeface="Consolas" panose="020B0609020204030204" pitchFamily="49" charset="0"/>
+              </a:rPr>
+              <a:t>:</a:t>
+            </a:r>
+            <a:r>
+              <a:rPr lang="hu-HU" sz="1600" b="0" dirty="0">
+                <a:solidFill>
+                  <a:srgbClr val="FCA57E"/>
+                </a:solidFill>
+                <a:effectLst/>
+                <a:latin typeface="Consolas" panose="020B0609020204030204" pitchFamily="49" charset="0"/>
+              </a:rPr>
+              <a:t> </a:t>
+            </a:r>
+            <a:r>
+              <a:rPr lang="hu-HU" sz="1600" b="0" i="1" dirty="0">
+                <a:solidFill>
+                  <a:srgbClr val="E0474B"/>
+                </a:solidFill>
+                <a:effectLst/>
+                <a:latin typeface="Consolas" panose="020B0609020204030204" pitchFamily="49" charset="0"/>
+              </a:rPr>
+              <a:t>string</a:t>
+            </a:r>
+            <a:r>
+              <a:rPr lang="hu-HU" sz="1600" b="0" dirty="0">
+                <a:solidFill>
+                  <a:srgbClr val="F8F8F2"/>
+                </a:solidFill>
+                <a:effectLst/>
+                <a:latin typeface="Consolas" panose="020B0609020204030204" pitchFamily="49" charset="0"/>
+              </a:rPr>
+              <a:t>)</a:t>
+            </a:r>
+            <a:r>
+              <a:rPr lang="hu-HU" sz="1600" b="0" dirty="0">
+                <a:solidFill>
+                  <a:srgbClr val="FF6363"/>
+                </a:solidFill>
+                <a:effectLst/>
+                <a:latin typeface="Consolas" panose="020B0609020204030204" pitchFamily="49" charset="0"/>
+              </a:rPr>
+              <a:t>:</a:t>
+            </a:r>
+            <a:r>
+              <a:rPr lang="hu-HU" sz="1600" b="0" dirty="0">
+                <a:solidFill>
+                  <a:srgbClr val="F8F8F2"/>
+                </a:solidFill>
+                <a:effectLst/>
+                <a:latin typeface="Consolas" panose="020B0609020204030204" pitchFamily="49" charset="0"/>
+              </a:rPr>
+              <a:t> </a:t>
+            </a:r>
+            <a:r>
+              <a:rPr lang="hu-HU" sz="1600" b="0" i="1" dirty="0">
+                <a:solidFill>
+                  <a:srgbClr val="7ECAFA"/>
+                </a:solidFill>
+                <a:effectLst/>
+                <a:latin typeface="Consolas" panose="020B0609020204030204" pitchFamily="49" charset="0"/>
+              </a:rPr>
+              <a:t>Promise</a:t>
+            </a:r>
+            <a:r>
+              <a:rPr lang="hu-HU" sz="1600" b="0" dirty="0">
+                <a:solidFill>
+                  <a:srgbClr val="FF6363"/>
+                </a:solidFill>
+                <a:effectLst/>
+                <a:latin typeface="Consolas" panose="020B0609020204030204" pitchFamily="49" charset="0"/>
+              </a:rPr>
+              <a:t>&lt;</a:t>
+            </a:r>
+            <a:r>
+              <a:rPr lang="hu-HU" sz="1600" b="0" dirty="0">
+                <a:solidFill>
+                  <a:srgbClr val="FCA57E"/>
+                </a:solidFill>
+                <a:effectLst/>
+                <a:latin typeface="Consolas" panose="020B0609020204030204" pitchFamily="49" charset="0"/>
+              </a:rPr>
+              <a:t>User</a:t>
+            </a:r>
+            <a:r>
+              <a:rPr lang="hu-HU" sz="1600" b="0" dirty="0">
+                <a:solidFill>
+                  <a:srgbClr val="86DBFD"/>
+                </a:solidFill>
+                <a:effectLst/>
+                <a:latin typeface="Consolas" panose="020B0609020204030204" pitchFamily="49" charset="0"/>
+              </a:rPr>
+              <a:t> </a:t>
+            </a:r>
+            <a:r>
+              <a:rPr lang="hu-HU" sz="1600" b="0" dirty="0">
+                <a:solidFill>
+                  <a:srgbClr val="FF6363"/>
+                </a:solidFill>
+                <a:effectLst/>
+                <a:latin typeface="Consolas" panose="020B0609020204030204" pitchFamily="49" charset="0"/>
+              </a:rPr>
+              <a:t>|</a:t>
+            </a:r>
+            <a:r>
+              <a:rPr lang="hu-HU" sz="1600" b="0" dirty="0">
+                <a:solidFill>
+                  <a:srgbClr val="86DBFD"/>
+                </a:solidFill>
+                <a:effectLst/>
+                <a:latin typeface="Consolas" panose="020B0609020204030204" pitchFamily="49" charset="0"/>
+              </a:rPr>
+              <a:t> undefined</a:t>
+            </a:r>
+            <a:r>
+              <a:rPr lang="hu-HU" sz="1600" b="0" dirty="0">
+                <a:solidFill>
+                  <a:srgbClr val="FF6363"/>
+                </a:solidFill>
+                <a:effectLst/>
+                <a:latin typeface="Consolas" panose="020B0609020204030204" pitchFamily="49" charset="0"/>
+              </a:rPr>
+              <a:t>&gt;</a:t>
+            </a:r>
+            <a:r>
+              <a:rPr lang="hu-HU" sz="1600" b="0" dirty="0">
+                <a:solidFill>
+                  <a:srgbClr val="F8F8F2"/>
+                </a:solidFill>
+                <a:effectLst/>
+                <a:latin typeface="Consolas" panose="020B0609020204030204" pitchFamily="49" charset="0"/>
+              </a:rPr>
+              <a:t> {</a:t>
+            </a:r>
+          </a:p>
+          <a:p>
+            <a:r>
+              <a:rPr lang="hu-HU" sz="1600" b="0" dirty="0">
+                <a:solidFill>
+                  <a:srgbClr val="F8F8F2"/>
+                </a:solidFill>
+                <a:effectLst/>
+                <a:latin typeface="Consolas" panose="020B0609020204030204" pitchFamily="49" charset="0"/>
+              </a:rPr>
+              <a:t>        </a:t>
+            </a:r>
+            <a:r>
+              <a:rPr lang="hu-HU" sz="1600" b="0" dirty="0">
+                <a:solidFill>
+                  <a:srgbClr val="E0474B"/>
+                </a:solidFill>
+                <a:effectLst/>
+                <a:latin typeface="Consolas" panose="020B0609020204030204" pitchFamily="49" charset="0"/>
+              </a:rPr>
+              <a:t>const</a:t>
+            </a:r>
+            <a:r>
+              <a:rPr lang="hu-HU" sz="1600" b="0" dirty="0">
+                <a:solidFill>
+                  <a:srgbClr val="F8F8F2"/>
+                </a:solidFill>
+                <a:effectLst/>
+                <a:latin typeface="Consolas" panose="020B0609020204030204" pitchFamily="49" charset="0"/>
+              </a:rPr>
+              <a:t> user </a:t>
+            </a:r>
+            <a:r>
+              <a:rPr lang="hu-HU" sz="1600" b="0" dirty="0">
+                <a:solidFill>
+                  <a:srgbClr val="FF6363"/>
+                </a:solidFill>
+                <a:effectLst/>
+                <a:latin typeface="Consolas" panose="020B0609020204030204" pitchFamily="49" charset="0"/>
+              </a:rPr>
+              <a:t>=</a:t>
+            </a:r>
+            <a:r>
+              <a:rPr lang="hu-HU" sz="1600" b="0" dirty="0">
+                <a:solidFill>
+                  <a:srgbClr val="F8F8F2"/>
+                </a:solidFill>
+                <a:effectLst/>
+                <a:latin typeface="Consolas" panose="020B0609020204030204" pitchFamily="49" charset="0"/>
+              </a:rPr>
+              <a:t> </a:t>
+            </a:r>
+            <a:r>
+              <a:rPr lang="hu-HU" sz="1600" b="0" dirty="0">
+                <a:solidFill>
+                  <a:srgbClr val="E0474B"/>
+                </a:solidFill>
+                <a:effectLst/>
+                <a:latin typeface="Consolas" panose="020B0609020204030204" pitchFamily="49" charset="0"/>
+              </a:rPr>
+              <a:t>await</a:t>
+            </a:r>
+            <a:r>
+              <a:rPr lang="hu-HU" sz="1600" b="0" dirty="0">
+                <a:solidFill>
+                  <a:srgbClr val="F8F8F2"/>
+                </a:solidFill>
+                <a:effectLst/>
+                <a:latin typeface="Consolas" panose="020B0609020204030204" pitchFamily="49" charset="0"/>
+              </a:rPr>
+              <a:t> </a:t>
+            </a:r>
+            <a:r>
+              <a:rPr lang="hu-HU" sz="1600" b="0" dirty="0">
+                <a:solidFill>
+                  <a:srgbClr val="E0474B"/>
+                </a:solidFill>
+                <a:effectLst/>
+                <a:latin typeface="Consolas" panose="020B0609020204030204" pitchFamily="49" charset="0"/>
+              </a:rPr>
+              <a:t>this</a:t>
+            </a:r>
+            <a:r>
+              <a:rPr lang="hu-HU" sz="1600" b="0" dirty="0">
+                <a:solidFill>
+                  <a:srgbClr val="579DFA"/>
+                </a:solidFill>
+                <a:effectLst/>
+                <a:latin typeface="Consolas" panose="020B0609020204030204" pitchFamily="49" charset="0"/>
+              </a:rPr>
+              <a:t>.</a:t>
+            </a:r>
+            <a:r>
+              <a:rPr lang="hu-HU" sz="1600" b="1" dirty="0">
+                <a:solidFill>
+                  <a:srgbClr val="7ECAFA"/>
+                </a:solidFill>
+                <a:effectLst/>
+                <a:latin typeface="Consolas" panose="020B0609020204030204" pitchFamily="49" charset="0"/>
+              </a:rPr>
+              <a:t>repository</a:t>
+            </a:r>
+            <a:r>
+              <a:rPr lang="hu-HU" sz="1600" b="0" dirty="0">
+                <a:solidFill>
+                  <a:srgbClr val="579DFA"/>
+                </a:solidFill>
+                <a:effectLst/>
+                <a:latin typeface="Consolas" panose="020B0609020204030204" pitchFamily="49" charset="0"/>
+              </a:rPr>
+              <a:t>.findOne</a:t>
+            </a:r>
+            <a:r>
+              <a:rPr lang="hu-HU" sz="1600" b="1" dirty="0">
+                <a:solidFill>
+                  <a:srgbClr val="F8F8F2"/>
+                </a:solidFill>
+                <a:effectLst/>
+                <a:latin typeface="Consolas" panose="020B0609020204030204" pitchFamily="49" charset="0"/>
+              </a:rPr>
+              <a:t>(</a:t>
+            </a:r>
+            <a:r>
+              <a:rPr lang="hu-HU" sz="1600" b="0" dirty="0">
+                <a:solidFill>
+                  <a:srgbClr val="F8F8F2"/>
+                </a:solidFill>
+                <a:effectLst/>
+                <a:latin typeface="Consolas" panose="020B0609020204030204" pitchFamily="49" charset="0"/>
+              </a:rPr>
+              <a:t>{</a:t>
+            </a:r>
+          </a:p>
+          <a:p>
+            <a:r>
+              <a:rPr lang="hu-HU" sz="1600" b="0" dirty="0">
+                <a:solidFill>
+                  <a:srgbClr val="F8F8F2"/>
+                </a:solidFill>
+                <a:effectLst/>
+                <a:latin typeface="Consolas" panose="020B0609020204030204" pitchFamily="49" charset="0"/>
+              </a:rPr>
+              <a:t>            </a:t>
+            </a:r>
+            <a:r>
+              <a:rPr lang="hu-HU" sz="1600" b="1" dirty="0">
+                <a:solidFill>
+                  <a:srgbClr val="F8F8F2"/>
+                </a:solidFill>
+                <a:effectLst/>
+                <a:latin typeface="Consolas" panose="020B0609020204030204" pitchFamily="49" charset="0"/>
+              </a:rPr>
+              <a:t>where:</a:t>
+            </a:r>
+            <a:r>
+              <a:rPr lang="hu-HU" sz="1600" b="0" dirty="0">
+                <a:solidFill>
+                  <a:srgbClr val="F8F8F2"/>
+                </a:solidFill>
+                <a:effectLst/>
+                <a:latin typeface="Consolas" panose="020B0609020204030204" pitchFamily="49" charset="0"/>
+              </a:rPr>
+              <a:t> {</a:t>
+            </a:r>
+          </a:p>
+          <a:p>
+            <a:r>
+              <a:rPr lang="hu-HU" sz="1600" b="0" dirty="0">
+                <a:solidFill>
+                  <a:srgbClr val="F8F8F2"/>
+                </a:solidFill>
+                <a:effectLst/>
+                <a:latin typeface="Consolas" panose="020B0609020204030204" pitchFamily="49" charset="0"/>
+              </a:rPr>
+              <a:t>                </a:t>
+            </a:r>
+            <a:r>
+              <a:rPr lang="hu-HU" sz="1600" b="1" dirty="0">
+                <a:solidFill>
+                  <a:srgbClr val="F8F8F2"/>
+                </a:solidFill>
+                <a:effectLst/>
+                <a:latin typeface="Consolas" panose="020B0609020204030204" pitchFamily="49" charset="0"/>
+              </a:rPr>
+              <a:t>email</a:t>
+            </a:r>
+            <a:r>
+              <a:rPr lang="hu-HU" sz="1600" b="0" dirty="0">
+                <a:solidFill>
+                  <a:srgbClr val="F8F8F2"/>
+                </a:solidFill>
+                <a:effectLst/>
+                <a:latin typeface="Consolas" panose="020B0609020204030204" pitchFamily="49" charset="0"/>
+              </a:rPr>
+              <a:t>,</a:t>
+            </a:r>
+          </a:p>
+          <a:p>
+            <a:r>
+              <a:rPr lang="hu-HU" sz="1600" b="0" dirty="0">
+                <a:solidFill>
+                  <a:srgbClr val="F8F8F2"/>
+                </a:solidFill>
+                <a:effectLst/>
+                <a:latin typeface="Consolas" panose="020B0609020204030204" pitchFamily="49" charset="0"/>
+              </a:rPr>
+              <a:t>            },</a:t>
+            </a:r>
+          </a:p>
+          <a:p>
+            <a:r>
+              <a:rPr lang="hu-HU" sz="1600" b="0" dirty="0">
+                <a:solidFill>
+                  <a:srgbClr val="F8F8F2"/>
+                </a:solidFill>
+                <a:effectLst/>
+                <a:latin typeface="Consolas" panose="020B0609020204030204" pitchFamily="49" charset="0"/>
+              </a:rPr>
+              <a:t>        }</a:t>
+            </a:r>
+            <a:r>
+              <a:rPr lang="hu-HU" sz="1600" b="1" dirty="0">
+                <a:solidFill>
+                  <a:srgbClr val="F8F8F2"/>
+                </a:solidFill>
+                <a:effectLst/>
+                <a:latin typeface="Consolas" panose="020B0609020204030204" pitchFamily="49" charset="0"/>
+              </a:rPr>
+              <a:t>)</a:t>
+            </a:r>
+            <a:r>
+              <a:rPr lang="hu-HU" sz="1600" b="0" dirty="0">
+                <a:solidFill>
+                  <a:srgbClr val="F8F8F2"/>
+                </a:solidFill>
+                <a:effectLst/>
+                <a:latin typeface="Consolas" panose="020B0609020204030204" pitchFamily="49" charset="0"/>
+              </a:rPr>
+              <a:t>;</a:t>
+            </a:r>
+          </a:p>
+          <a:p>
+            <a:br>
+              <a:rPr lang="hu-HU" sz="1600" b="0" dirty="0">
+                <a:solidFill>
+                  <a:srgbClr val="F8F8F2"/>
+                </a:solidFill>
+                <a:effectLst/>
+                <a:latin typeface="Consolas" panose="020B0609020204030204" pitchFamily="49" charset="0"/>
+              </a:rPr>
+            </a:br>
+            <a:r>
+              <a:rPr lang="hu-HU" sz="1600" b="0" dirty="0">
+                <a:solidFill>
+                  <a:srgbClr val="F8F8F2"/>
+                </a:solidFill>
+                <a:effectLst/>
+                <a:latin typeface="Consolas" panose="020B0609020204030204" pitchFamily="49" charset="0"/>
+              </a:rPr>
+              <a:t>        </a:t>
+            </a:r>
+            <a:r>
+              <a:rPr lang="hu-HU" sz="1600" b="0" dirty="0">
+                <a:solidFill>
+                  <a:srgbClr val="E0474B"/>
+                </a:solidFill>
+                <a:effectLst/>
+                <a:latin typeface="Consolas" panose="020B0609020204030204" pitchFamily="49" charset="0"/>
+              </a:rPr>
+              <a:t>return</a:t>
+            </a:r>
+            <a:r>
+              <a:rPr lang="hu-HU" sz="1600" b="0" dirty="0">
+                <a:solidFill>
+                  <a:srgbClr val="F8F8F2"/>
+                </a:solidFill>
+                <a:effectLst/>
+                <a:latin typeface="Consolas" panose="020B0609020204030204" pitchFamily="49" charset="0"/>
+              </a:rPr>
+              <a:t> user </a:t>
+            </a:r>
+            <a:r>
+              <a:rPr lang="hu-HU" sz="1600" b="0" dirty="0">
+                <a:solidFill>
+                  <a:srgbClr val="FF6363"/>
+                </a:solidFill>
+                <a:effectLst/>
+                <a:latin typeface="Consolas" panose="020B0609020204030204" pitchFamily="49" charset="0"/>
+              </a:rPr>
+              <a:t>??</a:t>
+            </a:r>
+            <a:r>
+              <a:rPr lang="hu-HU" sz="1600" b="0" dirty="0">
+                <a:solidFill>
+                  <a:srgbClr val="F8F8F2"/>
+                </a:solidFill>
+                <a:effectLst/>
+                <a:latin typeface="Consolas" panose="020B0609020204030204" pitchFamily="49" charset="0"/>
+              </a:rPr>
+              <a:t> </a:t>
+            </a:r>
+            <a:r>
+              <a:rPr lang="hu-HU" sz="1600" b="0" dirty="0">
+                <a:solidFill>
+                  <a:srgbClr val="E0474B"/>
+                </a:solidFill>
+                <a:effectLst/>
+                <a:latin typeface="Consolas" panose="020B0609020204030204" pitchFamily="49" charset="0"/>
+              </a:rPr>
+              <a:t>undefined</a:t>
             </a:r>
             <a:r>
               <a:rPr lang="hu-HU" sz="1600" b="0" dirty="0">
@@ -27110,7 +28670,7 @@
 </p:sld>
 </file>
 
-<file path=ppt/slides/slide26.xml><?xml version="1.0" encoding="utf-8"?>
+<file path=ppt/slides/slide25.xml><?xml version="1.0" encoding="utf-8"?>
 <p:sld xmlns:a="http://schemas.openxmlformats.org/drawingml/2006/main" xmlns:r="http://schemas.openxmlformats.org/officeDocument/2006/relationships" xmlns:p="http://schemas.openxmlformats.org/presentationml/2006/main">
   <p:cSld>
     <p:spTree>
@@ -28091,7 +29651,7 @@
 </p:sld>
 </file>
 
-<file path=ppt/slides/slide27.xml><?xml version="1.0" encoding="utf-8"?>
+<file path=ppt/slides/slide26.xml><?xml version="1.0" encoding="utf-8"?>
 <p:sld xmlns:a="http://schemas.openxmlformats.org/drawingml/2006/main" xmlns:r="http://schemas.openxmlformats.org/officeDocument/2006/relationships" xmlns:p="http://schemas.openxmlformats.org/presentationml/2006/main">
   <p:cSld>
     <p:spTree>
@@ -28441,7 +30001,7 @@
 </p:sld>
 </file>
 
-<file path=ppt/slides/slide28.xml><?xml version="1.0" encoding="utf-8"?>
+<file path=ppt/slides/slide27.xml><?xml version="1.0" encoding="utf-8"?>
 <p:sld xmlns:a="http://schemas.openxmlformats.org/drawingml/2006/main" xmlns:r="http://schemas.openxmlformats.org/officeDocument/2006/relationships" xmlns:p="http://schemas.openxmlformats.org/presentationml/2006/main">
   <p:cSld>
     <p:spTree>
@@ -29620,7 +31180,7 @@
 </p:sld>
 </file>
 
-<file path=ppt/slides/slide29.xml><?xml version="1.0" encoding="utf-8"?>
+<file path=ppt/slides/slide28.xml><?xml version="1.0" encoding="utf-8"?>
 <p:sld xmlns:a="http://schemas.openxmlformats.org/drawingml/2006/main" xmlns:r="http://schemas.openxmlformats.org/officeDocument/2006/relationships" xmlns:p="http://schemas.openxmlformats.org/presentationml/2006/main">
   <p:cSld>
     <p:spTree>
@@ -31140,6 +32700,749 @@
     <p:extLst>
       <p:ext uri="{BB962C8B-B14F-4D97-AF65-F5344CB8AC3E}">
         <p14:creationId xmlns:p14="http://schemas.microsoft.com/office/powerpoint/2010/main" val="1045459444"/>
+      </p:ext>
+    </p:extLst>
+  </p:cSld>
+  <p:clrMapOvr>
+    <a:masterClrMapping/>
+  </p:clrMapOvr>
+</p:sld>
+</file>
+
+<file path=ppt/slides/slide29.xml><?xml version="1.0" encoding="utf-8"?>
+<p:sld xmlns:a="http://schemas.openxmlformats.org/drawingml/2006/main" xmlns:r="http://schemas.openxmlformats.org/officeDocument/2006/relationships" xmlns:p="http://schemas.openxmlformats.org/presentationml/2006/main">
+  <p:cSld>
+    <p:spTree>
+      <p:nvGrpSpPr>
+        <p:cNvPr id="1" name="">
+          <a:extLst>
+            <a:ext uri="{FF2B5EF4-FFF2-40B4-BE49-F238E27FC236}">
+              <a16:creationId xmlns:a16="http://schemas.microsoft.com/office/drawing/2014/main" id="{DA9676C0-702A-4606-B3F1-1FFF928B61C0}"/>
+            </a:ext>
+          </a:extLst>
+        </p:cNvPr>
+        <p:cNvGrpSpPr/>
+        <p:nvPr/>
+      </p:nvGrpSpPr>
+      <p:grpSpPr>
+        <a:xfrm>
+          <a:off x="0" y="0"/>
+          <a:ext cx="0" cy="0"/>
+          <a:chOff x="0" y="0"/>
+          <a:chExt cx="0" cy="0"/>
+        </a:xfrm>
+      </p:grpSpPr>
+      <p:sp>
+        <p:nvSpPr>
+          <p:cNvPr id="2" name="Title 1">
+            <a:extLst>
+              <a:ext uri="{FF2B5EF4-FFF2-40B4-BE49-F238E27FC236}">
+                <a16:creationId xmlns:a16="http://schemas.microsoft.com/office/drawing/2014/main" id="{87627F6C-34F1-091B-A4F5-5E2CF2F2B977}"/>
+              </a:ext>
+            </a:extLst>
+          </p:cNvPr>
+          <p:cNvSpPr>
+            <a:spLocks noGrp="1"/>
+          </p:cNvSpPr>
+          <p:nvPr>
+            <p:ph type="title"/>
+          </p:nvPr>
+        </p:nvSpPr>
+        <p:spPr/>
+        <p:txBody>
+          <a:bodyPr/>
+          <a:lstStyle/>
+          <a:p>
+            <a:r>
+              <a:rPr lang="en-US" dirty="0"/>
+              <a:t>Middleware-k </a:t>
+            </a:r>
+            <a:r>
+              <a:rPr lang="en-US" dirty="0" err="1"/>
+              <a:t>beregisztrálása</a:t>
+            </a:r>
+            <a:endParaRPr lang="hu-HU" dirty="0"/>
+          </a:p>
+        </p:txBody>
+      </p:sp>
+      <p:sp>
+        <p:nvSpPr>
+          <p:cNvPr id="5" name="TextBox 4">
+            <a:extLst>
+              <a:ext uri="{FF2B5EF4-FFF2-40B4-BE49-F238E27FC236}">
+                <a16:creationId xmlns:a16="http://schemas.microsoft.com/office/drawing/2014/main" id="{671E98C5-9C2B-4ED7-7CDC-7262E301E7B3}"/>
+              </a:ext>
+            </a:extLst>
+          </p:cNvPr>
+          <p:cNvSpPr txBox="1"/>
+          <p:nvPr/>
+        </p:nvSpPr>
+        <p:spPr>
+          <a:xfrm>
+            <a:off x="335664" y="1318776"/>
+            <a:ext cx="7222132" cy="1529906"/>
+          </a:xfrm>
+          <a:prstGeom prst="rect">
+            <a:avLst/>
+          </a:prstGeom>
+          <a:solidFill>
+            <a:schemeClr val="bg2">
+              <a:lumMod val="95000"/>
+              <a:lumOff val="5000"/>
+            </a:schemeClr>
+          </a:solidFill>
+          <a:ln w="12700">
+            <a:solidFill>
+              <a:schemeClr val="tx1"/>
+            </a:solidFill>
+          </a:ln>
+        </p:spPr>
+        <p:txBody>
+          <a:bodyPr wrap="square">
+            <a:spAutoFit/>
+          </a:bodyPr>
+          <a:lstStyle/>
+          <a:p>
+            <a:pPr>
+              <a:lnSpc>
+                <a:spcPts val="1425"/>
+              </a:lnSpc>
+            </a:pPr>
+            <a:r>
+              <a:rPr lang="hu-HU" sz="1400" b="0" dirty="0">
+                <a:solidFill>
+                  <a:schemeClr val="tx1">
+                    <a:lumMod val="50000"/>
+                  </a:schemeClr>
+                </a:solidFill>
+                <a:effectLst/>
+                <a:latin typeface="Consolas" panose="020B0609020204030204" pitchFamily="49" charset="0"/>
+              </a:rPr>
+              <a:t>async function main(): </a:t>
+            </a:r>
+            <a:r>
+              <a:rPr lang="hu-HU" sz="1400" b="0" i="1" dirty="0">
+                <a:solidFill>
+                  <a:schemeClr val="tx1">
+                    <a:lumMod val="50000"/>
+                  </a:schemeClr>
+                </a:solidFill>
+                <a:effectLst/>
+                <a:latin typeface="Consolas" panose="020B0609020204030204" pitchFamily="49" charset="0"/>
+              </a:rPr>
+              <a:t>Promise</a:t>
+            </a:r>
+            <a:r>
+              <a:rPr lang="hu-HU" sz="1400" b="0" dirty="0">
+                <a:solidFill>
+                  <a:schemeClr val="tx1">
+                    <a:lumMod val="50000"/>
+                  </a:schemeClr>
+                </a:solidFill>
+                <a:effectLst/>
+                <a:latin typeface="Consolas" panose="020B0609020204030204" pitchFamily="49" charset="0"/>
+              </a:rPr>
+              <a:t>&lt;</a:t>
+            </a:r>
+            <a:r>
+              <a:rPr lang="hu-HU" sz="1400" b="0" i="1" dirty="0">
+                <a:solidFill>
+                  <a:schemeClr val="tx1">
+                    <a:lumMod val="50000"/>
+                  </a:schemeClr>
+                </a:solidFill>
+                <a:effectLst/>
+                <a:latin typeface="Consolas" panose="020B0609020204030204" pitchFamily="49" charset="0"/>
+              </a:rPr>
+              <a:t>void</a:t>
+            </a:r>
+            <a:r>
+              <a:rPr lang="hu-HU" sz="1400" b="0" dirty="0">
+                <a:solidFill>
+                  <a:schemeClr val="tx1">
+                    <a:lumMod val="50000"/>
+                  </a:schemeClr>
+                </a:solidFill>
+                <a:effectLst/>
+                <a:latin typeface="Consolas" panose="020B0609020204030204" pitchFamily="49" charset="0"/>
+              </a:rPr>
+              <a:t>&gt; {</a:t>
+            </a:r>
+          </a:p>
+          <a:p>
+            <a:pPr>
+              <a:lnSpc>
+                <a:spcPts val="1425"/>
+              </a:lnSpc>
+            </a:pPr>
+            <a:r>
+              <a:rPr lang="hu-HU" sz="1400" b="0" dirty="0">
+                <a:solidFill>
+                  <a:schemeClr val="tx1">
+                    <a:lumMod val="50000"/>
+                  </a:schemeClr>
+                </a:solidFill>
+                <a:effectLst/>
+                <a:latin typeface="Consolas" panose="020B0609020204030204" pitchFamily="49" charset="0"/>
+              </a:rPr>
+              <a:t>    const app = await startHttpApp</a:t>
+            </a:r>
+            <a:r>
+              <a:rPr lang="hu-HU" sz="1400" b="1" dirty="0">
+                <a:solidFill>
+                  <a:schemeClr val="tx1">
+                    <a:lumMod val="50000"/>
+                  </a:schemeClr>
+                </a:solidFill>
+                <a:effectLst/>
+                <a:latin typeface="Consolas" panose="020B0609020204030204" pitchFamily="49" charset="0"/>
+              </a:rPr>
+              <a:t>(</a:t>
+            </a:r>
+            <a:r>
+              <a:rPr lang="hu-HU" sz="1400" b="0" dirty="0">
+                <a:solidFill>
+                  <a:schemeClr val="tx1">
+                    <a:lumMod val="50000"/>
+                  </a:schemeClr>
+                </a:solidFill>
+                <a:effectLst/>
+                <a:latin typeface="Consolas" panose="020B0609020204030204" pitchFamily="49" charset="0"/>
+              </a:rPr>
+              <a:t>AppModule</a:t>
+            </a:r>
+            <a:r>
+              <a:rPr lang="hu-HU" sz="1400" b="1" dirty="0">
+                <a:solidFill>
+                  <a:schemeClr val="tx1">
+                    <a:lumMod val="50000"/>
+                  </a:schemeClr>
+                </a:solidFill>
+                <a:effectLst/>
+                <a:latin typeface="Consolas" panose="020B0609020204030204" pitchFamily="49" charset="0"/>
+              </a:rPr>
+              <a:t>)</a:t>
+            </a:r>
+            <a:r>
+              <a:rPr lang="hu-HU" sz="1400" b="0" dirty="0">
+                <a:solidFill>
+                  <a:schemeClr val="tx1">
+                    <a:lumMod val="50000"/>
+                  </a:schemeClr>
+                </a:solidFill>
+                <a:effectLst/>
+                <a:latin typeface="Consolas" panose="020B0609020204030204" pitchFamily="49" charset="0"/>
+              </a:rPr>
+              <a:t>;</a:t>
+            </a:r>
+          </a:p>
+          <a:p>
+            <a:pPr>
+              <a:lnSpc>
+                <a:spcPts val="1425"/>
+              </a:lnSpc>
+            </a:pPr>
+            <a:r>
+              <a:rPr lang="hu-HU" sz="1400" b="0" dirty="0">
+                <a:solidFill>
+                  <a:schemeClr val="tx1">
+                    <a:lumMod val="50000"/>
+                  </a:schemeClr>
+                </a:solidFill>
+                <a:effectLst/>
+                <a:latin typeface="Consolas" panose="020B0609020204030204" pitchFamily="49" charset="0"/>
+              </a:rPr>
+              <a:t>    app.logError</a:t>
+            </a:r>
+            <a:r>
+              <a:rPr lang="hu-HU" sz="1400" b="1" dirty="0">
+                <a:solidFill>
+                  <a:schemeClr val="tx1">
+                    <a:lumMod val="50000"/>
+                  </a:schemeClr>
+                </a:solidFill>
+                <a:effectLst/>
+                <a:latin typeface="Consolas" panose="020B0609020204030204" pitchFamily="49" charset="0"/>
+              </a:rPr>
+              <a:t>(</a:t>
+            </a:r>
+            <a:r>
+              <a:rPr lang="hu-HU" sz="1400" b="0" dirty="0">
+                <a:solidFill>
+                  <a:schemeClr val="tx1">
+                    <a:lumMod val="50000"/>
+                  </a:schemeClr>
+                </a:solidFill>
+                <a:effectLst/>
+                <a:latin typeface="Consolas" panose="020B0609020204030204" pitchFamily="49" charset="0"/>
+              </a:rPr>
+              <a:t>true</a:t>
+            </a:r>
+            <a:r>
+              <a:rPr lang="hu-HU" sz="1400" b="1" dirty="0">
+                <a:solidFill>
+                  <a:schemeClr val="tx1">
+                    <a:lumMod val="50000"/>
+                  </a:schemeClr>
+                </a:solidFill>
+                <a:effectLst/>
+                <a:latin typeface="Consolas" panose="020B0609020204030204" pitchFamily="49" charset="0"/>
+              </a:rPr>
+              <a:t>)</a:t>
+            </a:r>
+            <a:r>
+              <a:rPr lang="hu-HU" sz="1400" b="0" dirty="0">
+                <a:solidFill>
+                  <a:schemeClr val="tx1">
+                    <a:lumMod val="50000"/>
+                  </a:schemeClr>
+                </a:solidFill>
+                <a:effectLst/>
+                <a:latin typeface="Consolas" panose="020B0609020204030204" pitchFamily="49" charset="0"/>
+              </a:rPr>
+              <a:t>;</a:t>
+            </a:r>
+          </a:p>
+          <a:p>
+            <a:pPr>
+              <a:lnSpc>
+                <a:spcPts val="1425"/>
+              </a:lnSpc>
+            </a:pPr>
+            <a:r>
+              <a:rPr lang="hu-HU" sz="1400" b="0" dirty="0">
+                <a:solidFill>
+                  <a:srgbClr val="7ECAFA"/>
+                </a:solidFill>
+                <a:effectLst/>
+                <a:latin typeface="Consolas" panose="020B0609020204030204" pitchFamily="49" charset="0"/>
+              </a:rPr>
+              <a:t>    </a:t>
+            </a:r>
+            <a:r>
+              <a:rPr lang="hu-HU" sz="1400" b="0" dirty="0">
+                <a:solidFill>
+                  <a:srgbClr val="F8F8F2"/>
+                </a:solidFill>
+                <a:effectLst/>
+                <a:latin typeface="Consolas" panose="020B0609020204030204" pitchFamily="49" charset="0"/>
+              </a:rPr>
+              <a:t>app</a:t>
+            </a:r>
+            <a:r>
+              <a:rPr lang="hu-HU" sz="1400" b="0" dirty="0">
+                <a:solidFill>
+                  <a:srgbClr val="579DFA"/>
+                </a:solidFill>
+                <a:effectLst/>
+                <a:latin typeface="Consolas" panose="020B0609020204030204" pitchFamily="49" charset="0"/>
+              </a:rPr>
+              <a:t>.addMiddlewares</a:t>
+            </a:r>
+            <a:r>
+              <a:rPr lang="hu-HU" sz="1400" b="1" dirty="0">
+                <a:solidFill>
+                  <a:srgbClr val="F8F8F2"/>
+                </a:solidFill>
+                <a:effectLst/>
+                <a:latin typeface="Consolas" panose="020B0609020204030204" pitchFamily="49" charset="0"/>
+              </a:rPr>
+              <a:t>(</a:t>
+            </a:r>
+            <a:r>
+              <a:rPr lang="hu-HU" sz="1400" b="0" dirty="0">
+                <a:solidFill>
+                  <a:srgbClr val="F8F8F2"/>
+                </a:solidFill>
+                <a:effectLst/>
+                <a:latin typeface="Consolas" panose="020B0609020204030204" pitchFamily="49" charset="0"/>
+              </a:rPr>
+              <a:t>{</a:t>
+            </a:r>
+          </a:p>
+          <a:p>
+            <a:pPr>
+              <a:lnSpc>
+                <a:spcPts val="1425"/>
+              </a:lnSpc>
+            </a:pPr>
+            <a:r>
+              <a:rPr lang="hu-HU" sz="1400" b="0" dirty="0">
+                <a:solidFill>
+                  <a:srgbClr val="7ECAFA"/>
+                </a:solidFill>
+                <a:effectLst/>
+                <a:latin typeface="Consolas" panose="020B0609020204030204" pitchFamily="49" charset="0"/>
+              </a:rPr>
+              <a:t>        </a:t>
+            </a:r>
+            <a:r>
+              <a:rPr lang="hu-HU" sz="1400" b="1" dirty="0">
+                <a:solidFill>
+                  <a:srgbClr val="579DFA"/>
+                </a:solidFill>
+                <a:effectLst/>
+                <a:latin typeface="Consolas" panose="020B0609020204030204" pitchFamily="49" charset="0"/>
+              </a:rPr>
+              <a:t>pattern</a:t>
+            </a:r>
+            <a:r>
+              <a:rPr lang="hu-HU" sz="1400" b="1" dirty="0">
+                <a:solidFill>
+                  <a:srgbClr val="F8F8F2"/>
+                </a:solidFill>
+                <a:effectLst/>
+                <a:latin typeface="Consolas" panose="020B0609020204030204" pitchFamily="49" charset="0"/>
+              </a:rPr>
+              <a:t>:</a:t>
+            </a:r>
+            <a:r>
+              <a:rPr lang="hu-HU" sz="1400" b="0" dirty="0">
+                <a:solidFill>
+                  <a:srgbClr val="7ECAFA"/>
+                </a:solidFill>
+                <a:effectLst/>
+                <a:latin typeface="Consolas" panose="020B0609020204030204" pitchFamily="49" charset="0"/>
+              </a:rPr>
+              <a:t> </a:t>
+            </a:r>
+            <a:r>
+              <a:rPr lang="hu-HU" sz="1400" b="0" dirty="0">
+                <a:solidFill>
+                  <a:srgbClr val="F8F8F2"/>
+                </a:solidFill>
+                <a:effectLst/>
+                <a:latin typeface="Consolas" panose="020B0609020204030204" pitchFamily="49" charset="0"/>
+              </a:rPr>
+              <a:t>(</a:t>
+            </a:r>
+            <a:r>
+              <a:rPr lang="hu-HU" sz="1400" b="0" dirty="0">
+                <a:solidFill>
+                  <a:srgbClr val="FFD86E"/>
+                </a:solidFill>
+                <a:effectLst/>
+                <a:latin typeface="Consolas" panose="020B0609020204030204" pitchFamily="49" charset="0"/>
+              </a:rPr>
+              <a:t>url</a:t>
+            </a:r>
+            <a:r>
+              <a:rPr lang="hu-HU" sz="1400" b="0" dirty="0">
+                <a:solidFill>
+                  <a:srgbClr val="F8F8F2"/>
+                </a:solidFill>
+                <a:effectLst/>
+                <a:latin typeface="Consolas" panose="020B0609020204030204" pitchFamily="49" charset="0"/>
+              </a:rPr>
+              <a:t>)</a:t>
+            </a:r>
+            <a:r>
+              <a:rPr lang="hu-HU" sz="1400" b="0" dirty="0">
+                <a:solidFill>
+                  <a:srgbClr val="7ECAFA"/>
+                </a:solidFill>
+                <a:effectLst/>
+                <a:latin typeface="Consolas" panose="020B0609020204030204" pitchFamily="49" charset="0"/>
+              </a:rPr>
+              <a:t> </a:t>
+            </a:r>
+            <a:r>
+              <a:rPr lang="hu-HU" sz="1400" b="0" dirty="0">
+                <a:solidFill>
+                  <a:srgbClr val="E0474B"/>
+                </a:solidFill>
+                <a:effectLst/>
+                <a:latin typeface="Consolas" panose="020B0609020204030204" pitchFamily="49" charset="0"/>
+              </a:rPr>
+              <a:t>=&gt;</a:t>
+            </a:r>
+            <a:r>
+              <a:rPr lang="en-US" sz="1400" b="0" dirty="0">
+                <a:solidFill>
+                  <a:srgbClr val="E0474B"/>
+                </a:solidFill>
+                <a:effectLst/>
+                <a:latin typeface="Consolas" panose="020B0609020204030204" pitchFamily="49" charset="0"/>
+              </a:rPr>
+              <a:t> </a:t>
+            </a:r>
+            <a:r>
+              <a:rPr lang="hu-HU" sz="1400" b="0" dirty="0">
+                <a:solidFill>
+                  <a:srgbClr val="FF6363"/>
+                </a:solidFill>
+                <a:effectLst/>
+                <a:latin typeface="Consolas" panose="020B0609020204030204" pitchFamily="49" charset="0"/>
+              </a:rPr>
+              <a:t>!</a:t>
+            </a:r>
+            <a:r>
+              <a:rPr lang="hu-HU" sz="1400" b="0" dirty="0">
+                <a:solidFill>
+                  <a:srgbClr val="FFD86E"/>
+                </a:solidFill>
+                <a:effectLst/>
+                <a:latin typeface="Consolas" panose="020B0609020204030204" pitchFamily="49" charset="0"/>
+              </a:rPr>
+              <a:t>url</a:t>
+            </a:r>
+            <a:r>
+              <a:rPr lang="hu-HU" sz="1400" b="0" dirty="0">
+                <a:solidFill>
+                  <a:srgbClr val="579DFA"/>
+                </a:solidFill>
+                <a:effectLst/>
+                <a:latin typeface="Consolas" panose="020B0609020204030204" pitchFamily="49" charset="0"/>
+              </a:rPr>
+              <a:t>.startsWith</a:t>
+            </a:r>
+            <a:r>
+              <a:rPr lang="hu-HU" sz="1400" b="1" dirty="0">
+                <a:solidFill>
+                  <a:srgbClr val="F8F8F2"/>
+                </a:solidFill>
+                <a:effectLst/>
+                <a:latin typeface="Consolas" panose="020B0609020204030204" pitchFamily="49" charset="0"/>
+              </a:rPr>
+              <a:t>(</a:t>
+            </a:r>
+            <a:r>
+              <a:rPr lang="hu-HU" sz="1400" b="0" dirty="0">
+                <a:solidFill>
+                  <a:srgbClr val="FFD86E"/>
+                </a:solidFill>
+                <a:effectLst/>
+                <a:latin typeface="Consolas" panose="020B0609020204030204" pitchFamily="49" charset="0"/>
+              </a:rPr>
+              <a:t>'/api/auth'</a:t>
+            </a:r>
+            <a:r>
+              <a:rPr lang="hu-HU" sz="1400" b="1" dirty="0">
+                <a:solidFill>
+                  <a:srgbClr val="F8F8F2"/>
+                </a:solidFill>
+                <a:effectLst/>
+                <a:latin typeface="Consolas" panose="020B0609020204030204" pitchFamily="49" charset="0"/>
+              </a:rPr>
+              <a:t>)</a:t>
+            </a:r>
+            <a:r>
+              <a:rPr lang="hu-HU" sz="1400" b="0" dirty="0">
+                <a:solidFill>
+                  <a:srgbClr val="7ECAFA"/>
+                </a:solidFill>
+                <a:effectLst/>
+                <a:latin typeface="Consolas" panose="020B0609020204030204" pitchFamily="49" charset="0"/>
+              </a:rPr>
+              <a:t>,</a:t>
+            </a:r>
+            <a:endParaRPr lang="hu-HU" sz="1400" b="0" dirty="0">
+              <a:solidFill>
+                <a:srgbClr val="F8F8F2"/>
+              </a:solidFill>
+              <a:effectLst/>
+              <a:latin typeface="Consolas" panose="020B0609020204030204" pitchFamily="49" charset="0"/>
+            </a:endParaRPr>
+          </a:p>
+          <a:p>
+            <a:pPr>
+              <a:lnSpc>
+                <a:spcPts val="1425"/>
+              </a:lnSpc>
+            </a:pPr>
+            <a:r>
+              <a:rPr lang="hu-HU" sz="1400" b="0" dirty="0">
+                <a:solidFill>
+                  <a:srgbClr val="7ECAFA"/>
+                </a:solidFill>
+                <a:effectLst/>
+                <a:latin typeface="Consolas" panose="020B0609020204030204" pitchFamily="49" charset="0"/>
+              </a:rPr>
+              <a:t>        </a:t>
+            </a:r>
+            <a:r>
+              <a:rPr lang="hu-HU" sz="1400" b="1" dirty="0">
+                <a:solidFill>
+                  <a:srgbClr val="F8F8F2"/>
+                </a:solidFill>
+                <a:effectLst/>
+                <a:latin typeface="Consolas" panose="020B0609020204030204" pitchFamily="49" charset="0"/>
+              </a:rPr>
+              <a:t>middlewares:</a:t>
+            </a:r>
+            <a:r>
+              <a:rPr lang="hu-HU" sz="1400" b="0" dirty="0">
+                <a:solidFill>
+                  <a:srgbClr val="7ECAFA"/>
+                </a:solidFill>
+                <a:effectLst/>
+                <a:latin typeface="Consolas" panose="020B0609020204030204" pitchFamily="49" charset="0"/>
+              </a:rPr>
+              <a:t> </a:t>
+            </a:r>
+            <a:r>
+              <a:rPr lang="hu-HU" sz="1400" b="1" dirty="0">
+                <a:solidFill>
+                  <a:srgbClr val="F8F8F2"/>
+                </a:solidFill>
+                <a:effectLst/>
+                <a:latin typeface="Consolas" panose="020B0609020204030204" pitchFamily="49" charset="0"/>
+              </a:rPr>
+              <a:t>[</a:t>
+            </a:r>
+            <a:r>
+              <a:rPr lang="hu-HU" sz="1400" b="0" dirty="0">
+                <a:solidFill>
+                  <a:srgbClr val="7ECAFA"/>
+                </a:solidFill>
+                <a:effectLst/>
+                <a:latin typeface="Consolas" panose="020B0609020204030204" pitchFamily="49" charset="0"/>
+              </a:rPr>
+              <a:t>AuthMiddleware</a:t>
+            </a:r>
+            <a:r>
+              <a:rPr lang="hu-HU" sz="1400" b="1" dirty="0">
+                <a:solidFill>
+                  <a:srgbClr val="F8F8F2"/>
+                </a:solidFill>
+                <a:effectLst/>
+                <a:latin typeface="Consolas" panose="020B0609020204030204" pitchFamily="49" charset="0"/>
+              </a:rPr>
+              <a:t>]</a:t>
+            </a:r>
+            <a:r>
+              <a:rPr lang="hu-HU" sz="1400" b="0" dirty="0">
+                <a:solidFill>
+                  <a:srgbClr val="7ECAFA"/>
+                </a:solidFill>
+                <a:effectLst/>
+                <a:latin typeface="Consolas" panose="020B0609020204030204" pitchFamily="49" charset="0"/>
+              </a:rPr>
+              <a:t>,</a:t>
+            </a:r>
+            <a:endParaRPr lang="hu-HU" sz="1400" b="0" dirty="0">
+              <a:solidFill>
+                <a:srgbClr val="F8F8F2"/>
+              </a:solidFill>
+              <a:effectLst/>
+              <a:latin typeface="Consolas" panose="020B0609020204030204" pitchFamily="49" charset="0"/>
+            </a:endParaRPr>
+          </a:p>
+          <a:p>
+            <a:pPr>
+              <a:lnSpc>
+                <a:spcPts val="1425"/>
+              </a:lnSpc>
+            </a:pPr>
+            <a:r>
+              <a:rPr lang="hu-HU" sz="1400" b="0" dirty="0">
+                <a:solidFill>
+                  <a:srgbClr val="7ECAFA"/>
+                </a:solidFill>
+                <a:effectLst/>
+                <a:latin typeface="Consolas" panose="020B0609020204030204" pitchFamily="49" charset="0"/>
+              </a:rPr>
+              <a:t>    </a:t>
+            </a:r>
+            <a:r>
+              <a:rPr lang="hu-HU" sz="1400" b="0" dirty="0">
+                <a:solidFill>
+                  <a:srgbClr val="F8F8F2"/>
+                </a:solidFill>
+                <a:effectLst/>
+                <a:latin typeface="Consolas" panose="020B0609020204030204" pitchFamily="49" charset="0"/>
+              </a:rPr>
+              <a:t>}</a:t>
+            </a:r>
+            <a:r>
+              <a:rPr lang="hu-HU" sz="1400" b="1" dirty="0">
+                <a:solidFill>
+                  <a:srgbClr val="F8F8F2"/>
+                </a:solidFill>
+                <a:effectLst/>
+                <a:latin typeface="Consolas" panose="020B0609020204030204" pitchFamily="49" charset="0"/>
+              </a:rPr>
+              <a:t>)</a:t>
+            </a:r>
+            <a:r>
+              <a:rPr lang="hu-HU" sz="1400" b="0" dirty="0">
+                <a:solidFill>
+                  <a:srgbClr val="7ECAFA"/>
+                </a:solidFill>
+                <a:effectLst/>
+                <a:latin typeface="Consolas" panose="020B0609020204030204" pitchFamily="49" charset="0"/>
+              </a:rPr>
+              <a:t>;</a:t>
+            </a:r>
+            <a:endParaRPr lang="hu-HU" sz="1400" b="0" dirty="0">
+              <a:solidFill>
+                <a:srgbClr val="F8F8F2"/>
+              </a:solidFill>
+              <a:effectLst/>
+              <a:latin typeface="Consolas" panose="020B0609020204030204" pitchFamily="49" charset="0"/>
+            </a:endParaRPr>
+          </a:p>
+          <a:p>
+            <a:pPr>
+              <a:lnSpc>
+                <a:spcPts val="1425"/>
+              </a:lnSpc>
+            </a:pPr>
+            <a:r>
+              <a:rPr lang="hu-HU" sz="1400" b="0" dirty="0">
+                <a:solidFill>
+                  <a:schemeClr val="tx1">
+                    <a:lumMod val="50000"/>
+                  </a:schemeClr>
+                </a:solidFill>
+                <a:effectLst/>
+                <a:latin typeface="Consolas" panose="020B0609020204030204" pitchFamily="49" charset="0"/>
+              </a:rPr>
+              <a:t>}</a:t>
+            </a:r>
+          </a:p>
+        </p:txBody>
+      </p:sp>
+      <p:sp>
+        <p:nvSpPr>
+          <p:cNvPr id="6" name="TextBox 5">
+            <a:extLst>
+              <a:ext uri="{FF2B5EF4-FFF2-40B4-BE49-F238E27FC236}">
+                <a16:creationId xmlns:a16="http://schemas.microsoft.com/office/drawing/2014/main" id="{4DCA8D90-C403-2596-FD8B-BEDD21433FE9}"/>
+              </a:ext>
+            </a:extLst>
+          </p:cNvPr>
+          <p:cNvSpPr txBox="1"/>
+          <p:nvPr/>
+        </p:nvSpPr>
+        <p:spPr>
+          <a:xfrm>
+            <a:off x="335662" y="949444"/>
+            <a:ext cx="2912917" cy="369332"/>
+          </a:xfrm>
+          <a:prstGeom prst="rect">
+            <a:avLst/>
+          </a:prstGeom>
+          <a:noFill/>
+        </p:spPr>
+        <p:txBody>
+          <a:bodyPr wrap="square">
+            <a:spAutoFit/>
+          </a:bodyPr>
+          <a:lstStyle/>
+          <a:p>
+            <a:r>
+              <a:rPr lang="en-US" dirty="0" err="1"/>
+              <a:t>main.ts</a:t>
+            </a:r>
+            <a:endParaRPr lang="hu-HU" dirty="0"/>
+          </a:p>
+        </p:txBody>
+      </p:sp>
+    </p:spTree>
+    <p:extLst>
+      <p:ext uri="{BB962C8B-B14F-4D97-AF65-F5344CB8AC3E}">
+        <p14:creationId xmlns:p14="http://schemas.microsoft.com/office/powerpoint/2010/main" val="3197420269"/>
       </p:ext>
     </p:extLst>
   </p:cSld>
@@ -32361,749 +34664,6 @@
         <p:cNvPr id="1" name="">
           <a:extLst>
             <a:ext uri="{FF2B5EF4-FFF2-40B4-BE49-F238E27FC236}">
-              <a16:creationId xmlns:a16="http://schemas.microsoft.com/office/drawing/2014/main" id="{DA9676C0-702A-4606-B3F1-1FFF928B61C0}"/>
-            </a:ext>
-          </a:extLst>
-        </p:cNvPr>
-        <p:cNvGrpSpPr/>
-        <p:nvPr/>
-      </p:nvGrpSpPr>
-      <p:grpSpPr>
-        <a:xfrm>
-          <a:off x="0" y="0"/>
-          <a:ext cx="0" cy="0"/>
-          <a:chOff x="0" y="0"/>
-          <a:chExt cx="0" cy="0"/>
-        </a:xfrm>
-      </p:grpSpPr>
-      <p:sp>
-        <p:nvSpPr>
-          <p:cNvPr id="2" name="Title 1">
-            <a:extLst>
-              <a:ext uri="{FF2B5EF4-FFF2-40B4-BE49-F238E27FC236}">
-                <a16:creationId xmlns:a16="http://schemas.microsoft.com/office/drawing/2014/main" id="{87627F6C-34F1-091B-A4F5-5E2CF2F2B977}"/>
-              </a:ext>
-            </a:extLst>
-          </p:cNvPr>
-          <p:cNvSpPr>
-            <a:spLocks noGrp="1"/>
-          </p:cNvSpPr>
-          <p:nvPr>
-            <p:ph type="title"/>
-          </p:nvPr>
-        </p:nvSpPr>
-        <p:spPr/>
-        <p:txBody>
-          <a:bodyPr/>
-          <a:lstStyle/>
-          <a:p>
-            <a:r>
-              <a:rPr lang="en-US" dirty="0"/>
-              <a:t>Middleware-k </a:t>
-            </a:r>
-            <a:r>
-              <a:rPr lang="en-US" dirty="0" err="1"/>
-              <a:t>beregisztrálása</a:t>
-            </a:r>
-            <a:endParaRPr lang="hu-HU" dirty="0"/>
-          </a:p>
-        </p:txBody>
-      </p:sp>
-      <p:sp>
-        <p:nvSpPr>
-          <p:cNvPr id="5" name="TextBox 4">
-            <a:extLst>
-              <a:ext uri="{FF2B5EF4-FFF2-40B4-BE49-F238E27FC236}">
-                <a16:creationId xmlns:a16="http://schemas.microsoft.com/office/drawing/2014/main" id="{671E98C5-9C2B-4ED7-7CDC-7262E301E7B3}"/>
-              </a:ext>
-            </a:extLst>
-          </p:cNvPr>
-          <p:cNvSpPr txBox="1"/>
-          <p:nvPr/>
-        </p:nvSpPr>
-        <p:spPr>
-          <a:xfrm>
-            <a:off x="335664" y="1318776"/>
-            <a:ext cx="7222132" cy="1529906"/>
-          </a:xfrm>
-          <a:prstGeom prst="rect">
-            <a:avLst/>
-          </a:prstGeom>
-          <a:solidFill>
-            <a:schemeClr val="bg2">
-              <a:lumMod val="95000"/>
-              <a:lumOff val="5000"/>
-            </a:schemeClr>
-          </a:solidFill>
-          <a:ln w="12700">
-            <a:solidFill>
-              <a:schemeClr val="tx1"/>
-            </a:solidFill>
-          </a:ln>
-        </p:spPr>
-        <p:txBody>
-          <a:bodyPr wrap="square">
-            <a:spAutoFit/>
-          </a:bodyPr>
-          <a:lstStyle/>
-          <a:p>
-            <a:pPr>
-              <a:lnSpc>
-                <a:spcPts val="1425"/>
-              </a:lnSpc>
-            </a:pPr>
-            <a:r>
-              <a:rPr lang="hu-HU" sz="1400" b="0" dirty="0">
-                <a:solidFill>
-                  <a:schemeClr val="tx1">
-                    <a:lumMod val="50000"/>
-                  </a:schemeClr>
-                </a:solidFill>
-                <a:effectLst/>
-                <a:latin typeface="Consolas" panose="020B0609020204030204" pitchFamily="49" charset="0"/>
-              </a:rPr>
-              <a:t>async function main(): </a:t>
-            </a:r>
-            <a:r>
-              <a:rPr lang="hu-HU" sz="1400" b="0" i="1" dirty="0">
-                <a:solidFill>
-                  <a:schemeClr val="tx1">
-                    <a:lumMod val="50000"/>
-                  </a:schemeClr>
-                </a:solidFill>
-                <a:effectLst/>
-                <a:latin typeface="Consolas" panose="020B0609020204030204" pitchFamily="49" charset="0"/>
-              </a:rPr>
-              <a:t>Promise</a:t>
-            </a:r>
-            <a:r>
-              <a:rPr lang="hu-HU" sz="1400" b="0" dirty="0">
-                <a:solidFill>
-                  <a:schemeClr val="tx1">
-                    <a:lumMod val="50000"/>
-                  </a:schemeClr>
-                </a:solidFill>
-                <a:effectLst/>
-                <a:latin typeface="Consolas" panose="020B0609020204030204" pitchFamily="49" charset="0"/>
-              </a:rPr>
-              <a:t>&lt;</a:t>
-            </a:r>
-            <a:r>
-              <a:rPr lang="hu-HU" sz="1400" b="0" i="1" dirty="0">
-                <a:solidFill>
-                  <a:schemeClr val="tx1">
-                    <a:lumMod val="50000"/>
-                  </a:schemeClr>
-                </a:solidFill>
-                <a:effectLst/>
-                <a:latin typeface="Consolas" panose="020B0609020204030204" pitchFamily="49" charset="0"/>
-              </a:rPr>
-              <a:t>void</a:t>
-            </a:r>
-            <a:r>
-              <a:rPr lang="hu-HU" sz="1400" b="0" dirty="0">
-                <a:solidFill>
-                  <a:schemeClr val="tx1">
-                    <a:lumMod val="50000"/>
-                  </a:schemeClr>
-                </a:solidFill>
-                <a:effectLst/>
-                <a:latin typeface="Consolas" panose="020B0609020204030204" pitchFamily="49" charset="0"/>
-              </a:rPr>
-              <a:t>&gt; {</a:t>
-            </a:r>
-          </a:p>
-          <a:p>
-            <a:pPr>
-              <a:lnSpc>
-                <a:spcPts val="1425"/>
-              </a:lnSpc>
-            </a:pPr>
-            <a:r>
-              <a:rPr lang="hu-HU" sz="1400" b="0" dirty="0">
-                <a:solidFill>
-                  <a:schemeClr val="tx1">
-                    <a:lumMod val="50000"/>
-                  </a:schemeClr>
-                </a:solidFill>
-                <a:effectLst/>
-                <a:latin typeface="Consolas" panose="020B0609020204030204" pitchFamily="49" charset="0"/>
-              </a:rPr>
-              <a:t>    const app = await startHttpApp</a:t>
-            </a:r>
-            <a:r>
-              <a:rPr lang="hu-HU" sz="1400" b="1" dirty="0">
-                <a:solidFill>
-                  <a:schemeClr val="tx1">
-                    <a:lumMod val="50000"/>
-                  </a:schemeClr>
-                </a:solidFill>
-                <a:effectLst/>
-                <a:latin typeface="Consolas" panose="020B0609020204030204" pitchFamily="49" charset="0"/>
-              </a:rPr>
-              <a:t>(</a:t>
-            </a:r>
-            <a:r>
-              <a:rPr lang="hu-HU" sz="1400" b="0" dirty="0">
-                <a:solidFill>
-                  <a:schemeClr val="tx1">
-                    <a:lumMod val="50000"/>
-                  </a:schemeClr>
-                </a:solidFill>
-                <a:effectLst/>
-                <a:latin typeface="Consolas" panose="020B0609020204030204" pitchFamily="49" charset="0"/>
-              </a:rPr>
-              <a:t>AppModule</a:t>
-            </a:r>
-            <a:r>
-              <a:rPr lang="hu-HU" sz="1400" b="1" dirty="0">
-                <a:solidFill>
-                  <a:schemeClr val="tx1">
-                    <a:lumMod val="50000"/>
-                  </a:schemeClr>
-                </a:solidFill>
-                <a:effectLst/>
-                <a:latin typeface="Consolas" panose="020B0609020204030204" pitchFamily="49" charset="0"/>
-              </a:rPr>
-              <a:t>)</a:t>
-            </a:r>
-            <a:r>
-              <a:rPr lang="hu-HU" sz="1400" b="0" dirty="0">
-                <a:solidFill>
-                  <a:schemeClr val="tx1">
-                    <a:lumMod val="50000"/>
-                  </a:schemeClr>
-                </a:solidFill>
-                <a:effectLst/>
-                <a:latin typeface="Consolas" panose="020B0609020204030204" pitchFamily="49" charset="0"/>
-              </a:rPr>
-              <a:t>;</a:t>
-            </a:r>
-          </a:p>
-          <a:p>
-            <a:pPr>
-              <a:lnSpc>
-                <a:spcPts val="1425"/>
-              </a:lnSpc>
-            </a:pPr>
-            <a:r>
-              <a:rPr lang="hu-HU" sz="1400" b="0" dirty="0">
-                <a:solidFill>
-                  <a:schemeClr val="tx1">
-                    <a:lumMod val="50000"/>
-                  </a:schemeClr>
-                </a:solidFill>
-                <a:effectLst/>
-                <a:latin typeface="Consolas" panose="020B0609020204030204" pitchFamily="49" charset="0"/>
-              </a:rPr>
-              <a:t>    app.logError</a:t>
-            </a:r>
-            <a:r>
-              <a:rPr lang="hu-HU" sz="1400" b="1" dirty="0">
-                <a:solidFill>
-                  <a:schemeClr val="tx1">
-                    <a:lumMod val="50000"/>
-                  </a:schemeClr>
-                </a:solidFill>
-                <a:effectLst/>
-                <a:latin typeface="Consolas" panose="020B0609020204030204" pitchFamily="49" charset="0"/>
-              </a:rPr>
-              <a:t>(</a:t>
-            </a:r>
-            <a:r>
-              <a:rPr lang="hu-HU" sz="1400" b="0" dirty="0">
-                <a:solidFill>
-                  <a:schemeClr val="tx1">
-                    <a:lumMod val="50000"/>
-                  </a:schemeClr>
-                </a:solidFill>
-                <a:effectLst/>
-                <a:latin typeface="Consolas" panose="020B0609020204030204" pitchFamily="49" charset="0"/>
-              </a:rPr>
-              <a:t>true</a:t>
-            </a:r>
-            <a:r>
-              <a:rPr lang="hu-HU" sz="1400" b="1" dirty="0">
-                <a:solidFill>
-                  <a:schemeClr val="tx1">
-                    <a:lumMod val="50000"/>
-                  </a:schemeClr>
-                </a:solidFill>
-                <a:effectLst/>
-                <a:latin typeface="Consolas" panose="020B0609020204030204" pitchFamily="49" charset="0"/>
-              </a:rPr>
-              <a:t>)</a:t>
-            </a:r>
-            <a:r>
-              <a:rPr lang="hu-HU" sz="1400" b="0" dirty="0">
-                <a:solidFill>
-                  <a:schemeClr val="tx1">
-                    <a:lumMod val="50000"/>
-                  </a:schemeClr>
-                </a:solidFill>
-                <a:effectLst/>
-                <a:latin typeface="Consolas" panose="020B0609020204030204" pitchFamily="49" charset="0"/>
-              </a:rPr>
-              <a:t>;</a:t>
-            </a:r>
-          </a:p>
-          <a:p>
-            <a:pPr>
-              <a:lnSpc>
-                <a:spcPts val="1425"/>
-              </a:lnSpc>
-            </a:pPr>
-            <a:r>
-              <a:rPr lang="hu-HU" sz="1400" b="0" dirty="0">
-                <a:solidFill>
-                  <a:srgbClr val="7ECAFA"/>
-                </a:solidFill>
-                <a:effectLst/>
-                <a:latin typeface="Consolas" panose="020B0609020204030204" pitchFamily="49" charset="0"/>
-              </a:rPr>
-              <a:t>    </a:t>
-            </a:r>
-            <a:r>
-              <a:rPr lang="hu-HU" sz="1400" b="0" dirty="0">
-                <a:solidFill>
-                  <a:srgbClr val="F8F8F2"/>
-                </a:solidFill>
-                <a:effectLst/>
-                <a:latin typeface="Consolas" panose="020B0609020204030204" pitchFamily="49" charset="0"/>
-              </a:rPr>
-              <a:t>app</a:t>
-            </a:r>
-            <a:r>
-              <a:rPr lang="hu-HU" sz="1400" b="0" dirty="0">
-                <a:solidFill>
-                  <a:srgbClr val="579DFA"/>
-                </a:solidFill>
-                <a:effectLst/>
-                <a:latin typeface="Consolas" panose="020B0609020204030204" pitchFamily="49" charset="0"/>
-              </a:rPr>
-              <a:t>.addMiddlewares</a:t>
-            </a:r>
-            <a:r>
-              <a:rPr lang="hu-HU" sz="1400" b="1" dirty="0">
-                <a:solidFill>
-                  <a:srgbClr val="F8F8F2"/>
-                </a:solidFill>
-                <a:effectLst/>
-                <a:latin typeface="Consolas" panose="020B0609020204030204" pitchFamily="49" charset="0"/>
-              </a:rPr>
-              <a:t>(</a:t>
-            </a:r>
-            <a:r>
-              <a:rPr lang="hu-HU" sz="1400" b="0" dirty="0">
-                <a:solidFill>
-                  <a:srgbClr val="F8F8F2"/>
-                </a:solidFill>
-                <a:effectLst/>
-                <a:latin typeface="Consolas" panose="020B0609020204030204" pitchFamily="49" charset="0"/>
-              </a:rPr>
-              <a:t>{</a:t>
-            </a:r>
-          </a:p>
-          <a:p>
-            <a:pPr>
-              <a:lnSpc>
-                <a:spcPts val="1425"/>
-              </a:lnSpc>
-            </a:pPr>
-            <a:r>
-              <a:rPr lang="hu-HU" sz="1400" b="0" dirty="0">
-                <a:solidFill>
-                  <a:srgbClr val="7ECAFA"/>
-                </a:solidFill>
-                <a:effectLst/>
-                <a:latin typeface="Consolas" panose="020B0609020204030204" pitchFamily="49" charset="0"/>
-              </a:rPr>
-              <a:t>        </a:t>
-            </a:r>
-            <a:r>
-              <a:rPr lang="hu-HU" sz="1400" b="1" dirty="0">
-                <a:solidFill>
-                  <a:srgbClr val="579DFA"/>
-                </a:solidFill>
-                <a:effectLst/>
-                <a:latin typeface="Consolas" panose="020B0609020204030204" pitchFamily="49" charset="0"/>
-              </a:rPr>
-              <a:t>pattern</a:t>
-            </a:r>
-            <a:r>
-              <a:rPr lang="hu-HU" sz="1400" b="1" dirty="0">
-                <a:solidFill>
-                  <a:srgbClr val="F8F8F2"/>
-                </a:solidFill>
-                <a:effectLst/>
-                <a:latin typeface="Consolas" panose="020B0609020204030204" pitchFamily="49" charset="0"/>
-              </a:rPr>
-              <a:t>:</a:t>
-            </a:r>
-            <a:r>
-              <a:rPr lang="hu-HU" sz="1400" b="0" dirty="0">
-                <a:solidFill>
-                  <a:srgbClr val="7ECAFA"/>
-                </a:solidFill>
-                <a:effectLst/>
-                <a:latin typeface="Consolas" panose="020B0609020204030204" pitchFamily="49" charset="0"/>
-              </a:rPr>
-              <a:t> </a:t>
-            </a:r>
-            <a:r>
-              <a:rPr lang="hu-HU" sz="1400" b="0" dirty="0">
-                <a:solidFill>
-                  <a:srgbClr val="F8F8F2"/>
-                </a:solidFill>
-                <a:effectLst/>
-                <a:latin typeface="Consolas" panose="020B0609020204030204" pitchFamily="49" charset="0"/>
-              </a:rPr>
-              <a:t>(</a:t>
-            </a:r>
-            <a:r>
-              <a:rPr lang="hu-HU" sz="1400" b="0" dirty="0">
-                <a:solidFill>
-                  <a:srgbClr val="FFD86E"/>
-                </a:solidFill>
-                <a:effectLst/>
-                <a:latin typeface="Consolas" panose="020B0609020204030204" pitchFamily="49" charset="0"/>
-              </a:rPr>
-              <a:t>url</a:t>
-            </a:r>
-            <a:r>
-              <a:rPr lang="hu-HU" sz="1400" b="0" dirty="0">
-                <a:solidFill>
-                  <a:srgbClr val="F8F8F2"/>
-                </a:solidFill>
-                <a:effectLst/>
-                <a:latin typeface="Consolas" panose="020B0609020204030204" pitchFamily="49" charset="0"/>
-              </a:rPr>
-              <a:t>)</a:t>
-            </a:r>
-            <a:r>
-              <a:rPr lang="hu-HU" sz="1400" b="0" dirty="0">
-                <a:solidFill>
-                  <a:srgbClr val="7ECAFA"/>
-                </a:solidFill>
-                <a:effectLst/>
-                <a:latin typeface="Consolas" panose="020B0609020204030204" pitchFamily="49" charset="0"/>
-              </a:rPr>
-              <a:t> </a:t>
-            </a:r>
-            <a:r>
-              <a:rPr lang="hu-HU" sz="1400" b="0" dirty="0">
-                <a:solidFill>
-                  <a:srgbClr val="E0474B"/>
-                </a:solidFill>
-                <a:effectLst/>
-                <a:latin typeface="Consolas" panose="020B0609020204030204" pitchFamily="49" charset="0"/>
-              </a:rPr>
-              <a:t>=&gt;</a:t>
-            </a:r>
-            <a:r>
-              <a:rPr lang="en-US" sz="1400" b="0" dirty="0">
-                <a:solidFill>
-                  <a:srgbClr val="E0474B"/>
-                </a:solidFill>
-                <a:effectLst/>
-                <a:latin typeface="Consolas" panose="020B0609020204030204" pitchFamily="49" charset="0"/>
-              </a:rPr>
-              <a:t> </a:t>
-            </a:r>
-            <a:r>
-              <a:rPr lang="hu-HU" sz="1400" b="0" dirty="0">
-                <a:solidFill>
-                  <a:srgbClr val="FF6363"/>
-                </a:solidFill>
-                <a:effectLst/>
-                <a:latin typeface="Consolas" panose="020B0609020204030204" pitchFamily="49" charset="0"/>
-              </a:rPr>
-              <a:t>!</a:t>
-            </a:r>
-            <a:r>
-              <a:rPr lang="hu-HU" sz="1400" b="0" dirty="0">
-                <a:solidFill>
-                  <a:srgbClr val="FFD86E"/>
-                </a:solidFill>
-                <a:effectLst/>
-                <a:latin typeface="Consolas" panose="020B0609020204030204" pitchFamily="49" charset="0"/>
-              </a:rPr>
-              <a:t>url</a:t>
-            </a:r>
-            <a:r>
-              <a:rPr lang="hu-HU" sz="1400" b="0" dirty="0">
-                <a:solidFill>
-                  <a:srgbClr val="579DFA"/>
-                </a:solidFill>
-                <a:effectLst/>
-                <a:latin typeface="Consolas" panose="020B0609020204030204" pitchFamily="49" charset="0"/>
-              </a:rPr>
-              <a:t>.startsWith</a:t>
-            </a:r>
-            <a:r>
-              <a:rPr lang="hu-HU" sz="1400" b="1" dirty="0">
-                <a:solidFill>
-                  <a:srgbClr val="F8F8F2"/>
-                </a:solidFill>
-                <a:effectLst/>
-                <a:latin typeface="Consolas" panose="020B0609020204030204" pitchFamily="49" charset="0"/>
-              </a:rPr>
-              <a:t>(</a:t>
-            </a:r>
-            <a:r>
-              <a:rPr lang="hu-HU" sz="1400" b="0" dirty="0">
-                <a:solidFill>
-                  <a:srgbClr val="FFD86E"/>
-                </a:solidFill>
-                <a:effectLst/>
-                <a:latin typeface="Consolas" panose="020B0609020204030204" pitchFamily="49" charset="0"/>
-              </a:rPr>
-              <a:t>'/api/auth'</a:t>
-            </a:r>
-            <a:r>
-              <a:rPr lang="hu-HU" sz="1400" b="1" dirty="0">
-                <a:solidFill>
-                  <a:srgbClr val="F8F8F2"/>
-                </a:solidFill>
-                <a:effectLst/>
-                <a:latin typeface="Consolas" panose="020B0609020204030204" pitchFamily="49" charset="0"/>
-              </a:rPr>
-              <a:t>)</a:t>
-            </a:r>
-            <a:r>
-              <a:rPr lang="hu-HU" sz="1400" b="0" dirty="0">
-                <a:solidFill>
-                  <a:srgbClr val="7ECAFA"/>
-                </a:solidFill>
-                <a:effectLst/>
-                <a:latin typeface="Consolas" panose="020B0609020204030204" pitchFamily="49" charset="0"/>
-              </a:rPr>
-              <a:t>,</a:t>
-            </a:r>
-            <a:endParaRPr lang="hu-HU" sz="1400" b="0" dirty="0">
-              <a:solidFill>
-                <a:srgbClr val="F8F8F2"/>
-              </a:solidFill>
-              <a:effectLst/>
-              <a:latin typeface="Consolas" panose="020B0609020204030204" pitchFamily="49" charset="0"/>
-            </a:endParaRPr>
-          </a:p>
-          <a:p>
-            <a:pPr>
-              <a:lnSpc>
-                <a:spcPts val="1425"/>
-              </a:lnSpc>
-            </a:pPr>
-            <a:r>
-              <a:rPr lang="hu-HU" sz="1400" b="0" dirty="0">
-                <a:solidFill>
-                  <a:srgbClr val="7ECAFA"/>
-                </a:solidFill>
-                <a:effectLst/>
-                <a:latin typeface="Consolas" panose="020B0609020204030204" pitchFamily="49" charset="0"/>
-              </a:rPr>
-              <a:t>        </a:t>
-            </a:r>
-            <a:r>
-              <a:rPr lang="hu-HU" sz="1400" b="1" dirty="0">
-                <a:solidFill>
-                  <a:srgbClr val="F8F8F2"/>
-                </a:solidFill>
-                <a:effectLst/>
-                <a:latin typeface="Consolas" panose="020B0609020204030204" pitchFamily="49" charset="0"/>
-              </a:rPr>
-              <a:t>middlewares:</a:t>
-            </a:r>
-            <a:r>
-              <a:rPr lang="hu-HU" sz="1400" b="0" dirty="0">
-                <a:solidFill>
-                  <a:srgbClr val="7ECAFA"/>
-                </a:solidFill>
-                <a:effectLst/>
-                <a:latin typeface="Consolas" panose="020B0609020204030204" pitchFamily="49" charset="0"/>
-              </a:rPr>
-              <a:t> </a:t>
-            </a:r>
-            <a:r>
-              <a:rPr lang="hu-HU" sz="1400" b="1" dirty="0">
-                <a:solidFill>
-                  <a:srgbClr val="F8F8F2"/>
-                </a:solidFill>
-                <a:effectLst/>
-                <a:latin typeface="Consolas" panose="020B0609020204030204" pitchFamily="49" charset="0"/>
-              </a:rPr>
-              <a:t>[</a:t>
-            </a:r>
-            <a:r>
-              <a:rPr lang="hu-HU" sz="1400" b="0" dirty="0">
-                <a:solidFill>
-                  <a:srgbClr val="7ECAFA"/>
-                </a:solidFill>
-                <a:effectLst/>
-                <a:latin typeface="Consolas" panose="020B0609020204030204" pitchFamily="49" charset="0"/>
-              </a:rPr>
-              <a:t>AuthMiddleware</a:t>
-            </a:r>
-            <a:r>
-              <a:rPr lang="hu-HU" sz="1400" b="1" dirty="0">
-                <a:solidFill>
-                  <a:srgbClr val="F8F8F2"/>
-                </a:solidFill>
-                <a:effectLst/>
-                <a:latin typeface="Consolas" panose="020B0609020204030204" pitchFamily="49" charset="0"/>
-              </a:rPr>
-              <a:t>]</a:t>
-            </a:r>
-            <a:r>
-              <a:rPr lang="hu-HU" sz="1400" b="0" dirty="0">
-                <a:solidFill>
-                  <a:srgbClr val="7ECAFA"/>
-                </a:solidFill>
-                <a:effectLst/>
-                <a:latin typeface="Consolas" panose="020B0609020204030204" pitchFamily="49" charset="0"/>
-              </a:rPr>
-              <a:t>,</a:t>
-            </a:r>
-            <a:endParaRPr lang="hu-HU" sz="1400" b="0" dirty="0">
-              <a:solidFill>
-                <a:srgbClr val="F8F8F2"/>
-              </a:solidFill>
-              <a:effectLst/>
-              <a:latin typeface="Consolas" panose="020B0609020204030204" pitchFamily="49" charset="0"/>
-            </a:endParaRPr>
-          </a:p>
-          <a:p>
-            <a:pPr>
-              <a:lnSpc>
-                <a:spcPts val="1425"/>
-              </a:lnSpc>
-            </a:pPr>
-            <a:r>
-              <a:rPr lang="hu-HU" sz="1400" b="0" dirty="0">
-                <a:solidFill>
-                  <a:srgbClr val="7ECAFA"/>
-                </a:solidFill>
-                <a:effectLst/>
-                <a:latin typeface="Consolas" panose="020B0609020204030204" pitchFamily="49" charset="0"/>
-              </a:rPr>
-              <a:t>    </a:t>
-            </a:r>
-            <a:r>
-              <a:rPr lang="hu-HU" sz="1400" b="0" dirty="0">
-                <a:solidFill>
-                  <a:srgbClr val="F8F8F2"/>
-                </a:solidFill>
-                <a:effectLst/>
-                <a:latin typeface="Consolas" panose="020B0609020204030204" pitchFamily="49" charset="0"/>
-              </a:rPr>
-              <a:t>}</a:t>
-            </a:r>
-            <a:r>
-              <a:rPr lang="hu-HU" sz="1400" b="1" dirty="0">
-                <a:solidFill>
-                  <a:srgbClr val="F8F8F2"/>
-                </a:solidFill>
-                <a:effectLst/>
-                <a:latin typeface="Consolas" panose="020B0609020204030204" pitchFamily="49" charset="0"/>
-              </a:rPr>
-              <a:t>)</a:t>
-            </a:r>
-            <a:r>
-              <a:rPr lang="hu-HU" sz="1400" b="0" dirty="0">
-                <a:solidFill>
-                  <a:srgbClr val="7ECAFA"/>
-                </a:solidFill>
-                <a:effectLst/>
-                <a:latin typeface="Consolas" panose="020B0609020204030204" pitchFamily="49" charset="0"/>
-              </a:rPr>
-              <a:t>;</a:t>
-            </a:r>
-            <a:endParaRPr lang="hu-HU" sz="1400" b="0" dirty="0">
-              <a:solidFill>
-                <a:srgbClr val="F8F8F2"/>
-              </a:solidFill>
-              <a:effectLst/>
-              <a:latin typeface="Consolas" panose="020B0609020204030204" pitchFamily="49" charset="0"/>
-            </a:endParaRPr>
-          </a:p>
-          <a:p>
-            <a:pPr>
-              <a:lnSpc>
-                <a:spcPts val="1425"/>
-              </a:lnSpc>
-            </a:pPr>
-            <a:r>
-              <a:rPr lang="hu-HU" sz="1400" b="0" dirty="0">
-                <a:solidFill>
-                  <a:schemeClr val="tx1">
-                    <a:lumMod val="50000"/>
-                  </a:schemeClr>
-                </a:solidFill>
-                <a:effectLst/>
-                <a:latin typeface="Consolas" panose="020B0609020204030204" pitchFamily="49" charset="0"/>
-              </a:rPr>
-              <a:t>}</a:t>
-            </a:r>
-          </a:p>
-        </p:txBody>
-      </p:sp>
-      <p:sp>
-        <p:nvSpPr>
-          <p:cNvPr id="6" name="TextBox 5">
-            <a:extLst>
-              <a:ext uri="{FF2B5EF4-FFF2-40B4-BE49-F238E27FC236}">
-                <a16:creationId xmlns:a16="http://schemas.microsoft.com/office/drawing/2014/main" id="{4DCA8D90-C403-2596-FD8B-BEDD21433FE9}"/>
-              </a:ext>
-            </a:extLst>
-          </p:cNvPr>
-          <p:cNvSpPr txBox="1"/>
-          <p:nvPr/>
-        </p:nvSpPr>
-        <p:spPr>
-          <a:xfrm>
-            <a:off x="335662" y="949444"/>
-            <a:ext cx="2912917" cy="369332"/>
-          </a:xfrm>
-          <a:prstGeom prst="rect">
-            <a:avLst/>
-          </a:prstGeom>
-          <a:noFill/>
-        </p:spPr>
-        <p:txBody>
-          <a:bodyPr wrap="square">
-            <a:spAutoFit/>
-          </a:bodyPr>
-          <a:lstStyle/>
-          <a:p>
-            <a:r>
-              <a:rPr lang="en-US" dirty="0" err="1"/>
-              <a:t>main.ts</a:t>
-            </a:r>
-            <a:endParaRPr lang="hu-HU" dirty="0"/>
-          </a:p>
-        </p:txBody>
-      </p:sp>
-    </p:spTree>
-    <p:extLst>
-      <p:ext uri="{BB962C8B-B14F-4D97-AF65-F5344CB8AC3E}">
-        <p14:creationId xmlns:p14="http://schemas.microsoft.com/office/powerpoint/2010/main" val="3197420269"/>
-      </p:ext>
-    </p:extLst>
-  </p:cSld>
-  <p:clrMapOvr>
-    <a:masterClrMapping/>
-  </p:clrMapOvr>
-</p:sld>
-</file>
-
-<file path=ppt/slides/slide31.xml><?xml version="1.0" encoding="utf-8"?>
-<p:sld xmlns:a="http://schemas.openxmlformats.org/drawingml/2006/main" xmlns:r="http://schemas.openxmlformats.org/officeDocument/2006/relationships" xmlns:p="http://schemas.openxmlformats.org/presentationml/2006/main">
-  <p:cSld>
-    <p:spTree>
-      <p:nvGrpSpPr>
-        <p:cNvPr id="1" name="">
-          <a:extLst>
-            <a:ext uri="{FF2B5EF4-FFF2-40B4-BE49-F238E27FC236}">
               <a16:creationId xmlns:a16="http://schemas.microsoft.com/office/drawing/2014/main" id="{6C8CF8AC-AC38-F601-4A7C-E94632012FA9}"/>
             </a:ext>
           </a:extLst>
@@ -33967,7 +35527,7 @@
 </p:sld>
 </file>
 
-<file path=ppt/slides/slide32.xml><?xml version="1.0" encoding="utf-8"?>
+<file path=ppt/slides/slide31.xml><?xml version="1.0" encoding="utf-8"?>
 <p:sld xmlns:a="http://schemas.openxmlformats.org/drawingml/2006/main" xmlns:r="http://schemas.openxmlformats.org/officeDocument/2006/relationships" xmlns:p="http://schemas.openxmlformats.org/presentationml/2006/main">
   <p:cSld>
     <p:spTree>
@@ -35133,7 +36693,352 @@
 </p:sld>
 </file>
 
+<file path=ppt/slides/slide32.xml><?xml version="1.0" encoding="utf-8"?>
+<p:sld xmlns:a="http://schemas.openxmlformats.org/drawingml/2006/main" xmlns:r="http://schemas.openxmlformats.org/officeDocument/2006/relationships" xmlns:p="http://schemas.openxmlformats.org/presentationml/2006/main">
+  <p:cSld>
+    <p:spTree>
+      <p:nvGrpSpPr>
+        <p:cNvPr id="1" name=""/>
+        <p:cNvGrpSpPr/>
+        <p:nvPr/>
+      </p:nvGrpSpPr>
+      <p:grpSpPr>
+        <a:xfrm>
+          <a:off x="0" y="0"/>
+          <a:ext cx="0" cy="0"/>
+          <a:chOff x="0" y="0"/>
+          <a:chExt cx="0" cy="0"/>
+        </a:xfrm>
+      </p:grpSpPr>
+      <p:sp>
+        <p:nvSpPr>
+          <p:cNvPr id="2" name="Title 1">
+            <a:extLst>
+              <a:ext uri="{FF2B5EF4-FFF2-40B4-BE49-F238E27FC236}">
+                <a16:creationId xmlns:a16="http://schemas.microsoft.com/office/drawing/2014/main" id="{13E47C66-B77D-3B4F-AAB8-23D52A788929}"/>
+              </a:ext>
+            </a:extLst>
+          </p:cNvPr>
+          <p:cNvSpPr>
+            <a:spLocks noGrp="1"/>
+          </p:cNvSpPr>
+          <p:nvPr>
+            <p:ph type="title"/>
+          </p:nvPr>
+        </p:nvSpPr>
+        <p:spPr/>
+        <p:txBody>
+          <a:bodyPr/>
+          <a:lstStyle/>
+          <a:p>
+            <a:r>
+              <a:rPr lang="en-US" dirty="0" err="1"/>
+              <a:t>Bemutató</a:t>
+            </a:r>
+            <a:r>
+              <a:rPr lang="en-US" dirty="0"/>
+              <a:t> </a:t>
+            </a:r>
+            <a:r>
+              <a:rPr lang="en-US" dirty="0" err="1"/>
+              <a:t>alkalmazás</a:t>
+            </a:r>
+            <a:r>
+              <a:rPr lang="en-US" dirty="0"/>
+              <a:t> </a:t>
+            </a:r>
+            <a:r>
+              <a:rPr lang="en-US" dirty="0" err="1"/>
+              <a:t>frontendje</a:t>
+            </a:r>
+            <a:endParaRPr lang="hu-HU" dirty="0"/>
+          </a:p>
+        </p:txBody>
+      </p:sp>
+      <p:pic>
+        <p:nvPicPr>
+          <p:cNvPr id="7" name="Picture 6">
+            <a:extLst>
+              <a:ext uri="{FF2B5EF4-FFF2-40B4-BE49-F238E27FC236}">
+                <a16:creationId xmlns:a16="http://schemas.microsoft.com/office/drawing/2014/main" id="{507EBD22-FF81-615E-A2EB-471E6544C387}"/>
+              </a:ext>
+            </a:extLst>
+          </p:cNvPr>
+          <p:cNvPicPr>
+            <a:picLocks noChangeAspect="1"/>
+          </p:cNvPicPr>
+          <p:nvPr/>
+        </p:nvPicPr>
+        <p:blipFill>
+          <a:blip r:embed="rId2">
+            <a:extLst>
+              <a:ext uri="{28A0092B-C50C-407E-A947-70E740481C1C}">
+                <a14:useLocalDpi xmlns:a14="http://schemas.microsoft.com/office/drawing/2010/main" val="0"/>
+              </a:ext>
+            </a:extLst>
+          </a:blip>
+          <a:stretch>
+            <a:fillRect/>
+          </a:stretch>
+        </p:blipFill>
+        <p:spPr>
+          <a:xfrm>
+            <a:off x="335664" y="986559"/>
+            <a:ext cx="8743681" cy="4918320"/>
+          </a:xfrm>
+          <a:prstGeom prst="rect">
+            <a:avLst/>
+          </a:prstGeom>
+        </p:spPr>
+      </p:pic>
+    </p:spTree>
+    <p:extLst>
+      <p:ext uri="{BB962C8B-B14F-4D97-AF65-F5344CB8AC3E}">
+        <p14:creationId xmlns:p14="http://schemas.microsoft.com/office/powerpoint/2010/main" val="319943770"/>
+      </p:ext>
+    </p:extLst>
+  </p:cSld>
+  <p:clrMapOvr>
+    <a:masterClrMapping/>
+  </p:clrMapOvr>
+</p:sld>
+</file>
+
 <file path=ppt/slides/slide33.xml><?xml version="1.0" encoding="utf-8"?>
+<p:sld xmlns:a="http://schemas.openxmlformats.org/drawingml/2006/main" xmlns:r="http://schemas.openxmlformats.org/officeDocument/2006/relationships" xmlns:p="http://schemas.openxmlformats.org/presentationml/2006/main">
+  <p:cSld>
+    <p:spTree>
+      <p:nvGrpSpPr>
+        <p:cNvPr id="1" name="">
+          <a:extLst>
+            <a:ext uri="{FF2B5EF4-FFF2-40B4-BE49-F238E27FC236}">
+              <a16:creationId xmlns:a16="http://schemas.microsoft.com/office/drawing/2014/main" id="{0F296F79-B8A3-EBF9-D95C-95DE287CB90C}"/>
+            </a:ext>
+          </a:extLst>
+        </p:cNvPr>
+        <p:cNvGrpSpPr/>
+        <p:nvPr/>
+      </p:nvGrpSpPr>
+      <p:grpSpPr>
+        <a:xfrm>
+          <a:off x="0" y="0"/>
+          <a:ext cx="0" cy="0"/>
+          <a:chOff x="0" y="0"/>
+          <a:chExt cx="0" cy="0"/>
+        </a:xfrm>
+      </p:grpSpPr>
+      <p:sp>
+        <p:nvSpPr>
+          <p:cNvPr id="2" name="Title 1">
+            <a:extLst>
+              <a:ext uri="{FF2B5EF4-FFF2-40B4-BE49-F238E27FC236}">
+                <a16:creationId xmlns:a16="http://schemas.microsoft.com/office/drawing/2014/main" id="{D55B87C8-B19A-3513-E79C-30CA7FE0BC8C}"/>
+              </a:ext>
+            </a:extLst>
+          </p:cNvPr>
+          <p:cNvSpPr>
+            <a:spLocks noGrp="1"/>
+          </p:cNvSpPr>
+          <p:nvPr>
+            <p:ph type="title"/>
+          </p:nvPr>
+        </p:nvSpPr>
+        <p:spPr/>
+        <p:txBody>
+          <a:bodyPr/>
+          <a:lstStyle/>
+          <a:p>
+            <a:r>
+              <a:rPr lang="en-US" dirty="0" err="1"/>
+              <a:t>Bemutató</a:t>
+            </a:r>
+            <a:r>
+              <a:rPr lang="en-US" dirty="0"/>
+              <a:t> </a:t>
+            </a:r>
+            <a:r>
+              <a:rPr lang="en-US" dirty="0" err="1"/>
+              <a:t>alkalmazás</a:t>
+            </a:r>
+            <a:r>
+              <a:rPr lang="en-US" dirty="0"/>
+              <a:t> </a:t>
+            </a:r>
+            <a:r>
+              <a:rPr lang="en-US" dirty="0" err="1"/>
+              <a:t>frontendje</a:t>
+            </a:r>
+            <a:endParaRPr lang="hu-HU" dirty="0"/>
+          </a:p>
+        </p:txBody>
+      </p:sp>
+      <p:pic>
+        <p:nvPicPr>
+          <p:cNvPr id="4" name="Picture 3">
+            <a:extLst>
+              <a:ext uri="{FF2B5EF4-FFF2-40B4-BE49-F238E27FC236}">
+                <a16:creationId xmlns:a16="http://schemas.microsoft.com/office/drawing/2014/main" id="{891F9D14-C9F3-E57E-7BC0-437033113424}"/>
+              </a:ext>
+            </a:extLst>
+          </p:cNvPr>
+          <p:cNvPicPr>
+            <a:picLocks noChangeAspect="1"/>
+          </p:cNvPicPr>
+          <p:nvPr/>
+        </p:nvPicPr>
+        <p:blipFill>
+          <a:blip r:embed="rId2">
+            <a:extLst>
+              <a:ext uri="{28A0092B-C50C-407E-A947-70E740481C1C}">
+                <a14:useLocalDpi xmlns:a14="http://schemas.microsoft.com/office/drawing/2010/main" val="0"/>
+              </a:ext>
+            </a:extLst>
+          </a:blip>
+          <a:stretch>
+            <a:fillRect/>
+          </a:stretch>
+        </p:blipFill>
+        <p:spPr>
+          <a:xfrm>
+            <a:off x="335664" y="916317"/>
+            <a:ext cx="7721601" cy="4343400"/>
+          </a:xfrm>
+          <a:prstGeom prst="rect">
+            <a:avLst/>
+          </a:prstGeom>
+        </p:spPr>
+      </p:pic>
+    </p:spTree>
+    <p:extLst>
+      <p:ext uri="{BB962C8B-B14F-4D97-AF65-F5344CB8AC3E}">
+        <p14:creationId xmlns:p14="http://schemas.microsoft.com/office/powerpoint/2010/main" val="883678760"/>
+      </p:ext>
+    </p:extLst>
+  </p:cSld>
+  <p:clrMapOvr>
+    <a:masterClrMapping/>
+  </p:clrMapOvr>
+</p:sld>
+</file>
+
+<file path=ppt/slides/slide34.xml><?xml version="1.0" encoding="utf-8"?>
+<p:sld xmlns:a="http://schemas.openxmlformats.org/drawingml/2006/main" xmlns:r="http://schemas.openxmlformats.org/officeDocument/2006/relationships" xmlns:p="http://schemas.openxmlformats.org/presentationml/2006/main">
+  <p:cSld>
+    <p:spTree>
+      <p:nvGrpSpPr>
+        <p:cNvPr id="1" name="">
+          <a:extLst>
+            <a:ext uri="{FF2B5EF4-FFF2-40B4-BE49-F238E27FC236}">
+              <a16:creationId xmlns:a16="http://schemas.microsoft.com/office/drawing/2014/main" id="{255AAF06-5949-F9DE-2E98-DBFDD9898BA8}"/>
+            </a:ext>
+          </a:extLst>
+        </p:cNvPr>
+        <p:cNvGrpSpPr/>
+        <p:nvPr/>
+      </p:nvGrpSpPr>
+      <p:grpSpPr>
+        <a:xfrm>
+          <a:off x="0" y="0"/>
+          <a:ext cx="0" cy="0"/>
+          <a:chOff x="0" y="0"/>
+          <a:chExt cx="0" cy="0"/>
+        </a:xfrm>
+      </p:grpSpPr>
+      <p:sp>
+        <p:nvSpPr>
+          <p:cNvPr id="2" name="Title 1">
+            <a:extLst>
+              <a:ext uri="{FF2B5EF4-FFF2-40B4-BE49-F238E27FC236}">
+                <a16:creationId xmlns:a16="http://schemas.microsoft.com/office/drawing/2014/main" id="{D5F36292-C582-9942-BFBF-A851A38100E9}"/>
+              </a:ext>
+            </a:extLst>
+          </p:cNvPr>
+          <p:cNvSpPr>
+            <a:spLocks noGrp="1"/>
+          </p:cNvSpPr>
+          <p:nvPr>
+            <p:ph type="title"/>
+          </p:nvPr>
+        </p:nvSpPr>
+        <p:spPr/>
+        <p:txBody>
+          <a:bodyPr/>
+          <a:lstStyle/>
+          <a:p>
+            <a:r>
+              <a:rPr lang="en-US" dirty="0" err="1"/>
+              <a:t>Bemutató</a:t>
+            </a:r>
+            <a:r>
+              <a:rPr lang="en-US" dirty="0"/>
+              <a:t> </a:t>
+            </a:r>
+            <a:r>
+              <a:rPr lang="en-US" dirty="0" err="1"/>
+              <a:t>alkalmazás</a:t>
+            </a:r>
+            <a:r>
+              <a:rPr lang="en-US" dirty="0"/>
+              <a:t> </a:t>
+            </a:r>
+            <a:r>
+              <a:rPr lang="en-US" dirty="0" err="1"/>
+              <a:t>frontendje</a:t>
+            </a:r>
+            <a:endParaRPr lang="hu-HU" dirty="0"/>
+          </a:p>
+        </p:txBody>
+      </p:sp>
+      <p:pic>
+        <p:nvPicPr>
+          <p:cNvPr id="5" name="Picture 4">
+            <a:extLst>
+              <a:ext uri="{FF2B5EF4-FFF2-40B4-BE49-F238E27FC236}">
+                <a16:creationId xmlns:a16="http://schemas.microsoft.com/office/drawing/2014/main" id="{45B66127-9A64-2253-6F15-123753C29297}"/>
+              </a:ext>
+            </a:extLst>
+          </p:cNvPr>
+          <p:cNvPicPr>
+            <a:picLocks noChangeAspect="1"/>
+          </p:cNvPicPr>
+          <p:nvPr/>
+        </p:nvPicPr>
+        <p:blipFill>
+          <a:blip r:embed="rId2">
+            <a:extLst>
+              <a:ext uri="{28A0092B-C50C-407E-A947-70E740481C1C}">
+                <a14:useLocalDpi xmlns:a14="http://schemas.microsoft.com/office/drawing/2010/main" val="0"/>
+              </a:ext>
+            </a:extLst>
+          </a:blip>
+          <a:stretch>
+            <a:fillRect/>
+          </a:stretch>
+        </p:blipFill>
+        <p:spPr>
+          <a:xfrm>
+            <a:off x="335664" y="916318"/>
+            <a:ext cx="8872991" cy="4991058"/>
+          </a:xfrm>
+          <a:prstGeom prst="rect">
+            <a:avLst/>
+          </a:prstGeom>
+        </p:spPr>
+      </p:pic>
+    </p:spTree>
+    <p:extLst>
+      <p:ext uri="{BB962C8B-B14F-4D97-AF65-F5344CB8AC3E}">
+        <p14:creationId xmlns:p14="http://schemas.microsoft.com/office/powerpoint/2010/main" val="4069857905"/>
+      </p:ext>
+    </p:extLst>
+  </p:cSld>
+  <p:clrMapOvr>
+    <a:masterClrMapping/>
+  </p:clrMapOvr>
+</p:sld>
+</file>
+
+<file path=ppt/slides/slide35.xml><?xml version="1.0" encoding="utf-8"?>
 <p:sld xmlns:a="http://schemas.openxmlformats.org/drawingml/2006/main" xmlns:r="http://schemas.openxmlformats.org/officeDocument/2006/relationships" xmlns:p="http://schemas.openxmlformats.org/presentationml/2006/main">
   <p:cSld>
     <p:spTree>
@@ -35203,7 +37108,7 @@
         </p:spPr>
         <p:txBody>
           <a:bodyPr>
-            <a:normAutofit/>
+            <a:normAutofit lnSpcReduction="10000"/>
           </a:bodyPr>
           <a:lstStyle/>
           <a:p>
@@ -35428,11 +37333,33 @@
             </a:r>
             <a:r>
               <a:rPr lang="en-US" dirty="0"/>
+              <a:t> decorator</a:t>
+            </a:r>
+          </a:p>
+          <a:p>
+            <a:pPr marL="400050">
+              <a:buFont typeface="+mj-lt"/>
+              <a:buAutoNum type="arabicPeriod"/>
+            </a:pPr>
+            <a:r>
+              <a:rPr lang="en-US" dirty="0" err="1"/>
+              <a:t>Bemutató</a:t>
+            </a:r>
+            <a:r>
+              <a:rPr lang="en-US" dirty="0"/>
               <a:t> </a:t>
             </a:r>
             <a:r>
               <a:rPr lang="en-US" dirty="0" err="1"/>
-              <a:t>dekorátor</a:t>
+              <a:t>alkalmazás</a:t>
+            </a:r>
+            <a:r>
+              <a:rPr lang="en-US" dirty="0"/>
+              <a:t> </a:t>
+            </a:r>
+            <a:r>
+              <a:rPr lang="en-US" dirty="0" err="1"/>
+              <a:t>frontendje</a:t>
             </a:r>
             <a:endParaRPr lang="en-US" dirty="0"/>
           </a:p>
